--- a/Presentation.pptx
+++ b/Presentation.pptx
@@ -5,15 +5,21 @@
     <p:sldMasterId id="2147483681" r:id="rId2"/>
   </p:sldMasterIdLst>
   <p:notesMasterIdLst>
-    <p:notesMasterId r:id="rId6"/>
+    <p:notesMasterId r:id="rId12"/>
   </p:notesMasterIdLst>
   <p:handoutMasterIdLst>
-    <p:handoutMasterId r:id="rId7"/>
+    <p:handoutMasterId r:id="rId13"/>
   </p:handoutMasterIdLst>
   <p:sldIdLst>
     <p:sldId id="274" r:id="rId3"/>
     <p:sldId id="352" r:id="rId4"/>
-    <p:sldId id="354" r:id="rId5"/>
+    <p:sldId id="355" r:id="rId5"/>
+    <p:sldId id="356" r:id="rId6"/>
+    <p:sldId id="357" r:id="rId7"/>
+    <p:sldId id="358" r:id="rId8"/>
+    <p:sldId id="359" r:id="rId9"/>
+    <p:sldId id="360" r:id="rId10"/>
+    <p:sldId id="354" r:id="rId11"/>
   </p:sldIdLst>
   <p:sldSz cx="12188825" cy="6858000"/>
   <p:notesSz cx="6858000" cy="9144000"/>
@@ -234,7 +240,7 @@
             <a:fld id="{FE5B4EDC-59C0-49C7-8ADA-5A781B329E02}" type="datetimeFigureOut">
               <a:rPr lang="en-US"/>
               <a:pPr/>
-              <a:t>7/26/2014</a:t>
+              <a:t>7/31/2014</a:t>
             </a:fld>
             <a:endParaRPr dirty="0"/>
           </a:p>
@@ -432,7 +438,7 @@
             <a:fld id="{F2D8D46A-B586-417D-BFBD-8C8FE0AAF762}" type="datetimeFigureOut">
               <a:rPr lang="en-US" smtClean="0"/>
               <a:pPr/>
-              <a:t>7/26/2014</a:t>
+              <a:t>7/31/2014</a:t>
             </a:fld>
             <a:endParaRPr lang="en-US"/>
           </a:p>
@@ -1370,7 +1376,7 @@
                 </a:solidFill>
               </a:rPr>
               <a:pPr/>
-              <a:t>7/26/2014</a:t>
+              <a:t>7/31/2014</a:t>
             </a:fld>
             <a:endParaRPr lang="en-US" dirty="0">
               <a:solidFill>
@@ -2013,7 +2019,7 @@
                 </a:solidFill>
               </a:rPr>
               <a:pPr/>
-              <a:t>7/26/2014</a:t>
+              <a:t>7/31/2014</a:t>
             </a:fld>
             <a:endParaRPr lang="en-US" dirty="0">
               <a:solidFill>
@@ -2626,7 +2632,7 @@
         </p:nvSpPr>
         <p:spPr>
           <a:xfrm>
-            <a:off x="-77788" y="1676400"/>
+            <a:off x="-153988" y="2667000"/>
             <a:ext cx="11428412" cy="1447624"/>
           </a:xfrm>
         </p:spPr>
@@ -2646,47 +2652,6 @@
               <a:t>JavaScript Teamwork </a:t>
             </a:r>
             <a:endParaRPr lang="en-US" sz="7200" dirty="0">
-              <a:solidFill>
-                <a:srgbClr val="FF0000"/>
-              </a:solidFill>
-              <a:latin typeface="Algerian" panose="04020705040A02060702" pitchFamily="82" charset="0"/>
-            </a:endParaRPr>
-          </a:p>
-        </p:txBody>
-      </p:sp>
-      <p:sp>
-        <p:nvSpPr>
-          <p:cNvPr id="18" name="Subtitle 17"/>
-          <p:cNvSpPr>
-            <a:spLocks noGrp="1"/>
-          </p:cNvSpPr>
-          <p:nvPr>
-            <p:ph type="subTitle" idx="1"/>
-          </p:nvPr>
-        </p:nvSpPr>
-        <p:spPr>
-          <a:xfrm>
-            <a:off x="1781598" y="3505200"/>
-            <a:ext cx="7863628" cy="1219200"/>
-          </a:xfrm>
-        </p:spPr>
-        <p:txBody>
-          <a:bodyPr>
-            <a:normAutofit/>
-          </a:bodyPr>
-          <a:lstStyle/>
-          <a:p>
-            <a:pPr algn="ctr"/>
-            <a:r>
-              <a:rPr lang="en-US" sz="7200" b="1" dirty="0" smtClean="0">
-                <a:solidFill>
-                  <a:srgbClr val="FF0000"/>
-                </a:solidFill>
-                <a:latin typeface="Algerian" panose="04020705040A02060702" pitchFamily="82" charset="0"/>
-              </a:rPr>
-              <a:t>Super Nakov</a:t>
-            </a:r>
-            <a:endParaRPr lang="en-US" sz="7200" b="1" dirty="0">
               <a:solidFill>
                 <a:srgbClr val="FF0000"/>
               </a:solidFill>
@@ -2820,148 +2785,6 @@
                       </p:childTnLst>
                     </p:cTn>
                   </p:par>
-                  <p:par>
-                    <p:cTn id="10" fill="hold">
-                      <p:stCondLst>
-                        <p:cond delay="indefinite"/>
-                      </p:stCondLst>
-                      <p:childTnLst>
-                        <p:par>
-                          <p:cTn id="11" fill="hold">
-                            <p:stCondLst>
-                              <p:cond delay="0"/>
-                            </p:stCondLst>
-                            <p:childTnLst>
-                              <p:par>
-                                <p:cTn id="12" presetID="31" presetClass="entr" presetSubtype="0" fill="hold" grpId="0" nodeType="clickEffect">
-                                  <p:stCondLst>
-                                    <p:cond delay="0"/>
-                                  </p:stCondLst>
-                                  <p:childTnLst>
-                                    <p:set>
-                                      <p:cBhvr>
-                                        <p:cTn id="13" dur="1" fill="hold">
-                                          <p:stCondLst>
-                                            <p:cond delay="0"/>
-                                          </p:stCondLst>
-                                        </p:cTn>
-                                        <p:tgtEl>
-                                          <p:spTgt spid="18">
-                                            <p:txEl>
-                                              <p:pRg st="0" end="0"/>
-                                            </p:txEl>
-                                          </p:spTgt>
-                                        </p:tgtEl>
-                                        <p:attrNameLst>
-                                          <p:attrName>style.visibility</p:attrName>
-                                        </p:attrNameLst>
-                                      </p:cBhvr>
-                                      <p:to>
-                                        <p:strVal val="visible"/>
-                                      </p:to>
-                                    </p:set>
-                                    <p:anim calcmode="lin" valueType="num">
-                                      <p:cBhvr>
-                                        <p:cTn id="14" dur="1000" fill="hold"/>
-                                        <p:tgtEl>
-                                          <p:spTgt spid="18">
-                                            <p:txEl>
-                                              <p:pRg st="0" end="0"/>
-                                            </p:txEl>
-                                          </p:spTgt>
-                                        </p:tgtEl>
-                                        <p:attrNameLst>
-                                          <p:attrName>ppt_w</p:attrName>
-                                        </p:attrNameLst>
-                                      </p:cBhvr>
-                                      <p:tavLst>
-                                        <p:tav tm="0">
-                                          <p:val>
-                                            <p:fltVal val="0"/>
-                                          </p:val>
-                                        </p:tav>
-                                        <p:tav tm="100000">
-                                          <p:val>
-                                            <p:strVal val="#ppt_w"/>
-                                          </p:val>
-                                        </p:tav>
-                                      </p:tavLst>
-                                    </p:anim>
-                                    <p:anim calcmode="lin" valueType="num">
-                                      <p:cBhvr>
-                                        <p:cTn id="15" dur="1000" fill="hold"/>
-                                        <p:tgtEl>
-                                          <p:spTgt spid="18">
-                                            <p:txEl>
-                                              <p:pRg st="0" end="0"/>
-                                            </p:txEl>
-                                          </p:spTgt>
-                                        </p:tgtEl>
-                                        <p:attrNameLst>
-                                          <p:attrName>ppt_h</p:attrName>
-                                        </p:attrNameLst>
-                                      </p:cBhvr>
-                                      <p:tavLst>
-                                        <p:tav tm="0">
-                                          <p:val>
-                                            <p:fltVal val="0"/>
-                                          </p:val>
-                                        </p:tav>
-                                        <p:tav tm="100000">
-                                          <p:val>
-                                            <p:strVal val="#ppt_h"/>
-                                          </p:val>
-                                        </p:tav>
-                                      </p:tavLst>
-                                    </p:anim>
-                                    <p:anim calcmode="lin" valueType="num">
-                                      <p:cBhvr>
-                                        <p:cTn id="16" dur="1000" fill="hold"/>
-                                        <p:tgtEl>
-                                          <p:spTgt spid="18">
-                                            <p:txEl>
-                                              <p:pRg st="0" end="0"/>
-                                            </p:txEl>
-                                          </p:spTgt>
-                                        </p:tgtEl>
-                                        <p:attrNameLst>
-                                          <p:attrName>style.rotation</p:attrName>
-                                        </p:attrNameLst>
-                                      </p:cBhvr>
-                                      <p:tavLst>
-                                        <p:tav tm="0">
-                                          <p:val>
-                                            <p:fltVal val="90"/>
-                                          </p:val>
-                                        </p:tav>
-                                        <p:tav tm="100000">
-                                          <p:val>
-                                            <p:fltVal val="0"/>
-                                          </p:val>
-                                        </p:tav>
-                                      </p:tavLst>
-                                    </p:anim>
-                                    <p:animEffect transition="in" filter="fade">
-                                      <p:cBhvr>
-                                        <p:cTn id="17" dur="1000"/>
-                                        <p:tgtEl>
-                                          <p:spTgt spid="18">
-                                            <p:txEl>
-                                              <p:pRg st="0" end="0"/>
-                                            </p:txEl>
-                                          </p:spTgt>
-                                        </p:tgtEl>
-                                      </p:cBhvr>
-                                    </p:animEffect>
-                                  </p:childTnLst>
-                                </p:cTn>
-                              </p:par>
-                            </p:childTnLst>
-                          </p:cTn>
-                        </p:par>
-                      </p:childTnLst>
-                    </p:cTn>
-                  </p:par>
                 </p:childTnLst>
               </p:cTn>
               <p:prevCondLst>
@@ -2985,7 +2808,6 @@
     </p:tnLst>
     <p:bldLst>
       <p:bldP spid="5" grpId="0"/>
-      <p:bldP spid="18" grpId="0" build="p"/>
     </p:bldLst>
   </p:timing>
 </p:sld>
@@ -3020,8 +2842,8 @@
         </p:nvSpPr>
         <p:spPr>
           <a:xfrm>
-            <a:off x="2132011" y="314301"/>
-            <a:ext cx="9616743" cy="2000251"/>
+            <a:off x="3046412" y="202176"/>
+            <a:ext cx="8987207" cy="2000251"/>
           </a:xfrm>
           <a:effectLst>
             <a:outerShdw blurRad="50800" dist="38100" algn="l" rotWithShape="0">
@@ -3060,39 +2882,7 @@
                 </a:effectLst>
                 <a:latin typeface="Algerian" panose="04020705040A02060702" pitchFamily="82" charset="0"/>
               </a:rPr>
-              <a:t>TEAM“</a:t>
-            </a:r>
-            <a:r>
-              <a:rPr lang="en-US" sz="8000" i="1" dirty="0" smtClean="0">
-                <a:solidFill>
-                  <a:srgbClr val="FF0000"/>
-                </a:solidFill>
-                <a:effectLst>
-                  <a:outerShdw blurRad="38100" dist="38100" dir="2700000" algn="tl">
-                    <a:srgbClr val="000000">
-                      <a:alpha val="43137"/>
-                    </a:srgbClr>
-                  </a:outerShdw>
-                </a:effectLst>
-                <a:latin typeface="Algerian" panose="04020705040A02060702" pitchFamily="82" charset="0"/>
-              </a:rPr>
-              <a:t>MOON ORCHID</a:t>
-            </a:r>
-            <a:r>
-              <a:rPr lang="en-US" sz="8000" i="1" dirty="0" smtClean="0">
-                <a:solidFill>
-                  <a:srgbClr val="FF0000"/>
-                </a:solidFill>
-                <a:effectLst>
-                  <a:outerShdw blurRad="38100" dist="38100" dir="2700000" algn="tl">
-                    <a:srgbClr val="000000">
-                      <a:alpha val="43137"/>
-                    </a:srgbClr>
-                  </a:outerShdw>
-                </a:effectLst>
-                <a:latin typeface="Algerian" panose="04020705040A02060702" pitchFamily="82" charset="0"/>
-              </a:rPr>
-              <a:t>”</a:t>
+              <a:t>TEAM“MOON ORCHID”</a:t>
             </a:r>
             <a:r>
               <a:rPr lang="en-US" dirty="0">
@@ -3153,37 +2943,8 @@
                 </a:effectLst>
                 <a:latin typeface="Algerian" panose="04020705040A02060702" pitchFamily="82" charset="0"/>
               </a:rPr>
-              <a:t>Iliya Boyanov</a:t>
+              <a:t>Iliya Boyanov </a:t>
             </a:r>
-            <a:r>
-              <a:rPr lang="en-US" sz="4800" b="1" dirty="0" smtClean="0">
-                <a:solidFill>
-                  <a:srgbClr val="FF0000"/>
-                </a:solidFill>
-                <a:effectLst>
-                  <a:outerShdw blurRad="38100" dist="38100" dir="2700000" algn="tl">
-                    <a:srgbClr val="000000">
-                      <a:alpha val="43137"/>
-                    </a:srgbClr>
-                  </a:outerShdw>
-                </a:effectLst>
-                <a:latin typeface="Algerian" panose="04020705040A02060702" pitchFamily="82" charset="0"/>
-              </a:rPr>
-              <a:t> </a:t>
-            </a:r>
-            <a:endParaRPr lang="en-US" sz="4800" b="1" dirty="0" smtClean="0">
-              <a:solidFill>
-                <a:srgbClr val="FF0000"/>
-              </a:solidFill>
-              <a:effectLst>
-                <a:outerShdw blurRad="38100" dist="38100" dir="2700000" algn="tl">
-                  <a:srgbClr val="000000">
-                    <a:alpha val="43137"/>
-                  </a:srgbClr>
-                </a:outerShdw>
-              </a:effectLst>
-              <a:latin typeface="Algerian" panose="04020705040A02060702" pitchFamily="82" charset="0"/>
-            </a:endParaRPr>
           </a:p>
           <a:p>
             <a:pPr marL="571500" indent="-571500" algn="l">
@@ -3263,19 +3024,6 @@
               </a:rPr>
               <a:t>Plamena Nikolova</a:t>
             </a:r>
-            <a:endParaRPr lang="en-US" sz="4800" b="1" dirty="0" smtClean="0">
-              <a:solidFill>
-                <a:srgbClr val="FF0000"/>
-              </a:solidFill>
-              <a:effectLst>
-                <a:outerShdw blurRad="38100" dist="38100" dir="2700000" algn="tl">
-                  <a:srgbClr val="000000">
-                    <a:alpha val="43137"/>
-                  </a:srgbClr>
-                </a:outerShdw>
-              </a:effectLst>
-              <a:latin typeface="Algerian" panose="04020705040A02060702" pitchFamily="82" charset="0"/>
-            </a:endParaRPr>
           </a:p>
         </p:txBody>
       </p:sp>
@@ -3320,6 +3068,138 @@
           </a:p>
         </p:txBody>
       </p:sp>
+      <p:pic>
+        <p:nvPicPr>
+          <p:cNvPr id="3" name="Picture 2"/>
+          <p:cNvPicPr>
+            <a:picLocks noChangeAspect="1"/>
+          </p:cNvPicPr>
+          <p:nvPr/>
+        </p:nvPicPr>
+        <p:blipFill>
+          <a:blip r:embed="rId2">
+            <a:extLst>
+              <a:ext uri="{28A0092B-C50C-407E-A947-70E740481C1C}">
+                <a14:useLocalDpi xmlns:a14="http://schemas.microsoft.com/office/drawing/2010/main" val="0"/>
+              </a:ext>
+            </a:extLst>
+          </a:blip>
+          <a:stretch>
+            <a:fillRect/>
+          </a:stretch>
+        </p:blipFill>
+        <p:spPr>
+          <a:xfrm>
+            <a:off x="333400" y="327171"/>
+            <a:ext cx="1523810" cy="1752381"/>
+          </a:xfrm>
+          <a:prstGeom prst="rect">
+            <a:avLst/>
+          </a:prstGeom>
+          <a:ln>
+            <a:noFill/>
+          </a:ln>
+          <a:effectLst>
+            <a:softEdge rad="112500"/>
+          </a:effectLst>
+        </p:spPr>
+      </p:pic>
+      <p:pic>
+        <p:nvPicPr>
+          <p:cNvPr id="6" name="Picture 5"/>
+          <p:cNvPicPr>
+            <a:picLocks noChangeAspect="1"/>
+          </p:cNvPicPr>
+          <p:nvPr/>
+        </p:nvPicPr>
+        <p:blipFill>
+          <a:blip r:embed="rId3" cstate="print">
+            <a:extLst>
+              <a:ext uri="{28A0092B-C50C-407E-A947-70E740481C1C}">
+                <a14:useLocalDpi xmlns:a14="http://schemas.microsoft.com/office/drawing/2010/main" val="0"/>
+              </a:ext>
+            </a:extLst>
+          </a:blip>
+          <a:stretch>
+            <a:fillRect/>
+          </a:stretch>
+        </p:blipFill>
+        <p:spPr>
+          <a:xfrm>
+            <a:off x="2027676" y="3546675"/>
+            <a:ext cx="1331729" cy="1681162"/>
+          </a:xfrm>
+          <a:prstGeom prst="rect">
+            <a:avLst/>
+          </a:prstGeom>
+          <a:ln>
+            <a:noFill/>
+          </a:ln>
+          <a:effectLst>
+            <a:softEdge rad="112500"/>
+          </a:effectLst>
+        </p:spPr>
+      </p:pic>
+      <p:pic>
+        <p:nvPicPr>
+          <p:cNvPr id="8" name="Picture 7"/>
+          <p:cNvPicPr>
+            <a:picLocks noChangeAspect="1"/>
+          </p:cNvPicPr>
+          <p:nvPr/>
+        </p:nvPicPr>
+        <p:blipFill>
+          <a:blip r:embed="rId4"/>
+          <a:stretch>
+            <a:fillRect/>
+          </a:stretch>
+        </p:blipFill>
+        <p:spPr>
+          <a:xfrm>
+            <a:off x="191729" y="4294407"/>
+            <a:ext cx="1608436" cy="2289533"/>
+          </a:xfrm>
+          <a:prstGeom prst="rect">
+            <a:avLst/>
+          </a:prstGeom>
+        </p:spPr>
+      </p:pic>
+      <p:pic>
+        <p:nvPicPr>
+          <p:cNvPr id="9" name="Picture 8"/>
+          <p:cNvPicPr>
+            <a:picLocks noChangeAspect="1"/>
+          </p:cNvPicPr>
+          <p:nvPr/>
+        </p:nvPicPr>
+        <p:blipFill>
+          <a:blip r:embed="rId5" cstate="print">
+            <a:extLst>
+              <a:ext uri="{28A0092B-C50C-407E-A947-70E740481C1C}">
+                <a14:useLocalDpi xmlns:a14="http://schemas.microsoft.com/office/drawing/2010/main" val="0"/>
+              </a:ext>
+            </a:extLst>
+          </a:blip>
+          <a:stretch>
+            <a:fillRect/>
+          </a:stretch>
+        </p:blipFill>
+        <p:spPr>
+          <a:xfrm>
+            <a:off x="2039254" y="1676400"/>
+            <a:ext cx="1494356" cy="1870275"/>
+          </a:xfrm>
+          <a:prstGeom prst="rect">
+            <a:avLst/>
+          </a:prstGeom>
+          <a:ln>
+            <a:noFill/>
+          </a:ln>
+          <a:effectLst>
+            <a:softEdge rad="112500"/>
+          </a:effectLst>
+        </p:spPr>
+      </p:pic>
     </p:spTree>
     <p:extLst>
       <p:ext uri="{BB962C8B-B14F-4D97-AF65-F5344CB8AC3E}">
@@ -3788,6 +3668,370 @@
                                         <p:tav tm="0">
                                           <p:val>
                                             <p:strVal val="#ppt_y+.1"/>
+                                          </p:val>
+                                        </p:tav>
+                                        <p:tav tm="100000">
+                                          <p:val>
+                                            <p:strVal val="#ppt_y"/>
+                                          </p:val>
+                                        </p:tav>
+                                      </p:tavLst>
+                                    </p:anim>
+                                  </p:childTnLst>
+                                </p:cTn>
+                              </p:par>
+                            </p:childTnLst>
+                          </p:cTn>
+                        </p:par>
+                      </p:childTnLst>
+                    </p:cTn>
+                  </p:par>
+                  <p:par>
+                    <p:cTn id="31" fill="hold">
+                      <p:stCondLst>
+                        <p:cond delay="indefinite"/>
+                      </p:stCondLst>
+                      <p:childTnLst>
+                        <p:par>
+                          <p:cTn id="32" fill="hold">
+                            <p:stCondLst>
+                              <p:cond delay="0"/>
+                            </p:stCondLst>
+                            <p:childTnLst>
+                              <p:par>
+                                <p:cTn id="33" presetID="2" presetClass="entr" presetSubtype="4" fill="hold" nodeType="clickEffect">
+                                  <p:stCondLst>
+                                    <p:cond delay="0"/>
+                                  </p:stCondLst>
+                                  <p:childTnLst>
+                                    <p:set>
+                                      <p:cBhvr>
+                                        <p:cTn id="34" dur="1" fill="hold">
+                                          <p:stCondLst>
+                                            <p:cond delay="0"/>
+                                          </p:stCondLst>
+                                        </p:cTn>
+                                        <p:tgtEl>
+                                          <p:spTgt spid="3"/>
+                                        </p:tgtEl>
+                                        <p:attrNameLst>
+                                          <p:attrName>style.visibility</p:attrName>
+                                        </p:attrNameLst>
+                                      </p:cBhvr>
+                                      <p:to>
+                                        <p:strVal val="visible"/>
+                                      </p:to>
+                                    </p:set>
+                                    <p:anim calcmode="lin" valueType="num">
+                                      <p:cBhvr additive="base">
+                                        <p:cTn id="35" dur="500" fill="hold"/>
+                                        <p:tgtEl>
+                                          <p:spTgt spid="3"/>
+                                        </p:tgtEl>
+                                        <p:attrNameLst>
+                                          <p:attrName>ppt_x</p:attrName>
+                                        </p:attrNameLst>
+                                      </p:cBhvr>
+                                      <p:tavLst>
+                                        <p:tav tm="0">
+                                          <p:val>
+                                            <p:strVal val="#ppt_x"/>
+                                          </p:val>
+                                        </p:tav>
+                                        <p:tav tm="100000">
+                                          <p:val>
+                                            <p:strVal val="#ppt_x"/>
+                                          </p:val>
+                                        </p:tav>
+                                      </p:tavLst>
+                                    </p:anim>
+                                    <p:anim calcmode="lin" valueType="num">
+                                      <p:cBhvr additive="base">
+                                        <p:cTn id="36" dur="500" fill="hold"/>
+                                        <p:tgtEl>
+                                          <p:spTgt spid="3"/>
+                                        </p:tgtEl>
+                                        <p:attrNameLst>
+                                          <p:attrName>ppt_y</p:attrName>
+                                        </p:attrNameLst>
+                                      </p:cBhvr>
+                                      <p:tavLst>
+                                        <p:tav tm="0">
+                                          <p:val>
+                                            <p:strVal val="1+#ppt_h/2"/>
+                                          </p:val>
+                                        </p:tav>
+                                        <p:tav tm="100000">
+                                          <p:val>
+                                            <p:strVal val="#ppt_y"/>
+                                          </p:val>
+                                        </p:tav>
+                                      </p:tavLst>
+                                    </p:anim>
+                                  </p:childTnLst>
+                                </p:cTn>
+                              </p:par>
+                            </p:childTnLst>
+                          </p:cTn>
+                        </p:par>
+                      </p:childTnLst>
+                    </p:cTn>
+                  </p:par>
+                  <p:par>
+                    <p:cTn id="37" fill="hold">
+                      <p:stCondLst>
+                        <p:cond delay="indefinite"/>
+                      </p:stCondLst>
+                      <p:childTnLst>
+                        <p:par>
+                          <p:cTn id="38" fill="hold">
+                            <p:stCondLst>
+                              <p:cond delay="0"/>
+                            </p:stCondLst>
+                            <p:childTnLst>
+                              <p:par>
+                                <p:cTn id="39" presetID="2" presetClass="entr" presetSubtype="4" fill="hold" nodeType="clickEffect">
+                                  <p:stCondLst>
+                                    <p:cond delay="0"/>
+                                  </p:stCondLst>
+                                  <p:childTnLst>
+                                    <p:set>
+                                      <p:cBhvr>
+                                        <p:cTn id="40" dur="1" fill="hold">
+                                          <p:stCondLst>
+                                            <p:cond delay="0"/>
+                                          </p:stCondLst>
+                                        </p:cTn>
+                                        <p:tgtEl>
+                                          <p:spTgt spid="9"/>
+                                        </p:tgtEl>
+                                        <p:attrNameLst>
+                                          <p:attrName>style.visibility</p:attrName>
+                                        </p:attrNameLst>
+                                      </p:cBhvr>
+                                      <p:to>
+                                        <p:strVal val="visible"/>
+                                      </p:to>
+                                    </p:set>
+                                    <p:anim calcmode="lin" valueType="num">
+                                      <p:cBhvr additive="base">
+                                        <p:cTn id="41" dur="500" fill="hold"/>
+                                        <p:tgtEl>
+                                          <p:spTgt spid="9"/>
+                                        </p:tgtEl>
+                                        <p:attrNameLst>
+                                          <p:attrName>ppt_x</p:attrName>
+                                        </p:attrNameLst>
+                                      </p:cBhvr>
+                                      <p:tavLst>
+                                        <p:tav tm="0">
+                                          <p:val>
+                                            <p:strVal val="#ppt_x"/>
+                                          </p:val>
+                                        </p:tav>
+                                        <p:tav tm="100000">
+                                          <p:val>
+                                            <p:strVal val="#ppt_x"/>
+                                          </p:val>
+                                        </p:tav>
+                                      </p:tavLst>
+                                    </p:anim>
+                                    <p:anim calcmode="lin" valueType="num">
+                                      <p:cBhvr additive="base">
+                                        <p:cTn id="42" dur="500" fill="hold"/>
+                                        <p:tgtEl>
+                                          <p:spTgt spid="9"/>
+                                        </p:tgtEl>
+                                        <p:attrNameLst>
+                                          <p:attrName>ppt_y</p:attrName>
+                                        </p:attrNameLst>
+                                      </p:cBhvr>
+                                      <p:tavLst>
+                                        <p:tav tm="0">
+                                          <p:val>
+                                            <p:strVal val="1+#ppt_h/2"/>
+                                          </p:val>
+                                        </p:tav>
+                                        <p:tav tm="100000">
+                                          <p:val>
+                                            <p:strVal val="#ppt_y"/>
+                                          </p:val>
+                                        </p:tav>
+                                      </p:tavLst>
+                                    </p:anim>
+                                  </p:childTnLst>
+                                </p:cTn>
+                              </p:par>
+                            </p:childTnLst>
+                          </p:cTn>
+                        </p:par>
+                      </p:childTnLst>
+                    </p:cTn>
+                  </p:par>
+                  <p:par>
+                    <p:cTn id="43" fill="hold">
+                      <p:stCondLst>
+                        <p:cond delay="indefinite"/>
+                      </p:stCondLst>
+                      <p:childTnLst>
+                        <p:par>
+                          <p:cTn id="44" fill="hold">
+                            <p:stCondLst>
+                              <p:cond delay="0"/>
+                            </p:stCondLst>
+                            <p:childTnLst>
+                              <p:par>
+                                <p:cTn id="45" presetID="2" presetClass="entr" presetSubtype="4" fill="hold" nodeType="clickEffect">
+                                  <p:stCondLst>
+                                    <p:cond delay="0"/>
+                                  </p:stCondLst>
+                                  <p:childTnLst>
+                                    <p:set>
+                                      <p:cBhvr>
+                                        <p:cTn id="46" dur="1" fill="hold">
+                                          <p:stCondLst>
+                                            <p:cond delay="0"/>
+                                          </p:stCondLst>
+                                        </p:cTn>
+                                        <p:tgtEl>
+                                          <p:spTgt spid="6"/>
+                                        </p:tgtEl>
+                                        <p:attrNameLst>
+                                          <p:attrName>style.visibility</p:attrName>
+                                        </p:attrNameLst>
+                                      </p:cBhvr>
+                                      <p:to>
+                                        <p:strVal val="visible"/>
+                                      </p:to>
+                                    </p:set>
+                                    <p:anim calcmode="lin" valueType="num">
+                                      <p:cBhvr additive="base">
+                                        <p:cTn id="47" dur="500" fill="hold"/>
+                                        <p:tgtEl>
+                                          <p:spTgt spid="6"/>
+                                        </p:tgtEl>
+                                        <p:attrNameLst>
+                                          <p:attrName>ppt_x</p:attrName>
+                                        </p:attrNameLst>
+                                      </p:cBhvr>
+                                      <p:tavLst>
+                                        <p:tav tm="0">
+                                          <p:val>
+                                            <p:strVal val="#ppt_x"/>
+                                          </p:val>
+                                        </p:tav>
+                                        <p:tav tm="100000">
+                                          <p:val>
+                                            <p:strVal val="#ppt_x"/>
+                                          </p:val>
+                                        </p:tav>
+                                      </p:tavLst>
+                                    </p:anim>
+                                    <p:anim calcmode="lin" valueType="num">
+                                      <p:cBhvr additive="base">
+                                        <p:cTn id="48" dur="500" fill="hold"/>
+                                        <p:tgtEl>
+                                          <p:spTgt spid="6"/>
+                                        </p:tgtEl>
+                                        <p:attrNameLst>
+                                          <p:attrName>ppt_y</p:attrName>
+                                        </p:attrNameLst>
+                                      </p:cBhvr>
+                                      <p:tavLst>
+                                        <p:tav tm="0">
+                                          <p:val>
+                                            <p:strVal val="1+#ppt_h/2"/>
+                                          </p:val>
+                                        </p:tav>
+                                        <p:tav tm="100000">
+                                          <p:val>
+                                            <p:strVal val="#ppt_y"/>
+                                          </p:val>
+                                        </p:tav>
+                                      </p:tavLst>
+                                    </p:anim>
+                                  </p:childTnLst>
+                                </p:cTn>
+                              </p:par>
+                            </p:childTnLst>
+                          </p:cTn>
+                        </p:par>
+                      </p:childTnLst>
+                    </p:cTn>
+                  </p:par>
+                  <p:par>
+                    <p:cTn id="49" fill="hold">
+                      <p:stCondLst>
+                        <p:cond delay="indefinite"/>
+                      </p:stCondLst>
+                      <p:childTnLst>
+                        <p:par>
+                          <p:cTn id="50" fill="hold">
+                            <p:stCondLst>
+                              <p:cond delay="0"/>
+                            </p:stCondLst>
+                            <p:childTnLst>
+                              <p:par>
+                                <p:cTn id="51" presetID="2" presetClass="entr" presetSubtype="4" fill="hold" nodeType="clickEffect">
+                                  <p:stCondLst>
+                                    <p:cond delay="0"/>
+                                  </p:stCondLst>
+                                  <p:childTnLst>
+                                    <p:set>
+                                      <p:cBhvr>
+                                        <p:cTn id="52" dur="1" fill="hold">
+                                          <p:stCondLst>
+                                            <p:cond delay="0"/>
+                                          </p:stCondLst>
+                                        </p:cTn>
+                                        <p:tgtEl>
+                                          <p:spTgt spid="8"/>
+                                        </p:tgtEl>
+                                        <p:attrNameLst>
+                                          <p:attrName>style.visibility</p:attrName>
+                                        </p:attrNameLst>
+                                      </p:cBhvr>
+                                      <p:to>
+                                        <p:strVal val="visible"/>
+                                      </p:to>
+                                    </p:set>
+                                    <p:anim calcmode="lin" valueType="num">
+                                      <p:cBhvr additive="base">
+                                        <p:cTn id="53" dur="500" fill="hold"/>
+                                        <p:tgtEl>
+                                          <p:spTgt spid="8"/>
+                                        </p:tgtEl>
+                                        <p:attrNameLst>
+                                          <p:attrName>ppt_x</p:attrName>
+                                        </p:attrNameLst>
+                                      </p:cBhvr>
+                                      <p:tavLst>
+                                        <p:tav tm="0">
+                                          <p:val>
+                                            <p:strVal val="#ppt_x"/>
+                                          </p:val>
+                                        </p:tav>
+                                        <p:tav tm="100000">
+                                          <p:val>
+                                            <p:strVal val="#ppt_x"/>
+                                          </p:val>
+                                        </p:tav>
+                                      </p:tavLst>
+                                    </p:anim>
+                                    <p:anim calcmode="lin" valueType="num">
+                                      <p:cBhvr additive="base">
+                                        <p:cTn id="54" dur="500" fill="hold"/>
+                                        <p:tgtEl>
+                                          <p:spTgt spid="8"/>
+                                        </p:tgtEl>
+                                        <p:attrNameLst>
+                                          <p:attrName>ppt_y</p:attrName>
+                                        </p:attrNameLst>
+                                      </p:cBhvr>
+                                      <p:tavLst>
+                                        <p:tav tm="0">
+                                          <p:val>
+                                            <p:strVal val="1+#ppt_h/2"/>
                                           </p:val>
                                         </p:tav>
                                         <p:tav tm="100000">
@@ -3853,6 +4097,3554 @@
       </p:grpSpPr>
       <p:sp>
         <p:nvSpPr>
+          <p:cNvPr id="4" name="Title 3"/>
+          <p:cNvSpPr>
+            <a:spLocks noGrp="1"/>
+          </p:cNvSpPr>
+          <p:nvPr>
+            <p:ph type="ctrTitle"/>
+          </p:nvPr>
+        </p:nvSpPr>
+        <p:spPr>
+          <a:xfrm>
+            <a:off x="3046412" y="202176"/>
+            <a:ext cx="8987207" cy="2000251"/>
+          </a:xfrm>
+          <a:effectLst>
+            <a:outerShdw blurRad="50800" dist="38100" algn="l" rotWithShape="0">
+              <a:prstClr val="black">
+                <a:alpha val="40000"/>
+              </a:prstClr>
+            </a:outerShdw>
+          </a:effectLst>
+        </p:spPr>
+        <p:txBody>
+          <a:bodyPr>
+            <a:normAutofit fontScale="90000"/>
+          </a:bodyPr>
+          <a:lstStyle/>
+          <a:p>
+            <a:pPr algn="ctr"/>
+            <a:r>
+              <a:rPr lang="en-US" sz="6700" dirty="0" smtClean="0">
+                <a:solidFill>
+                  <a:srgbClr val="FFFF00"/>
+                </a:solidFill>
+              </a:rPr>
+              <a:t>                                       </a:t>
+            </a:r>
+            <a:r>
+              <a:rPr lang="en-US" sz="8000" i="1" dirty="0" smtClean="0">
+                <a:solidFill>
+                  <a:srgbClr val="FF0000"/>
+                </a:solidFill>
+                <a:effectLst>
+                  <a:outerShdw blurRad="38100" dist="38100" dir="2700000" algn="tl">
+                    <a:srgbClr val="000000">
+                      <a:alpha val="43137"/>
+                    </a:srgbClr>
+                  </a:outerShdw>
+                </a:effectLst>
+                <a:latin typeface="Algerian" panose="04020705040A02060702" pitchFamily="82" charset="0"/>
+              </a:rPr>
+              <a:t>TEAM“MOON ORCHID”</a:t>
+            </a:r>
+            <a:r>
+              <a:rPr lang="en-US" dirty="0">
+                <a:solidFill>
+                  <a:srgbClr val="FFFF00"/>
+                </a:solidFill>
+              </a:rPr>
+              <a:t/>
+            </a:r>
+            <a:br>
+              <a:rPr lang="en-US" dirty="0">
+                <a:solidFill>
+                  <a:srgbClr val="FFFF00"/>
+                </a:solidFill>
+              </a:rPr>
+            </a:br>
+            <a:endParaRPr lang="bg-BG" dirty="0"/>
+          </a:p>
+        </p:txBody>
+      </p:sp>
+      <p:sp>
+        <p:nvSpPr>
+          <p:cNvPr id="5" name="Subtitle 4"/>
+          <p:cNvSpPr>
+            <a:spLocks noGrp="1"/>
+          </p:cNvSpPr>
+          <p:nvPr>
+            <p:ph type="subTitle" idx="1"/>
+          </p:nvPr>
+        </p:nvSpPr>
+        <p:spPr>
+          <a:xfrm>
+            <a:off x="3579812" y="2202427"/>
+            <a:ext cx="8168942" cy="3664973"/>
+          </a:xfrm>
+        </p:spPr>
+        <p:txBody>
+          <a:bodyPr>
+            <a:noAutofit/>
+          </a:bodyPr>
+          <a:lstStyle/>
+          <a:p>
+            <a:pPr marL="571500" indent="-571500" algn="l">
+              <a:buFont typeface="Wingdings" panose="05000000000000000000" pitchFamily="2" charset="2"/>
+              <a:buChar char="Ø"/>
+            </a:pPr>
+            <a:r>
+              <a:rPr lang="en-US" sz="4800" b="1" dirty="0" smtClean="0">
+                <a:solidFill>
+                  <a:srgbClr val="FF0000"/>
+                </a:solidFill>
+                <a:effectLst>
+                  <a:outerShdw blurRad="38100" dist="38100" dir="2700000" algn="tl">
+                    <a:srgbClr val="000000">
+                      <a:alpha val="43137"/>
+                    </a:srgbClr>
+                  </a:outerShdw>
+                </a:effectLst>
+                <a:latin typeface="Algerian" panose="04020705040A02060702" pitchFamily="82" charset="0"/>
+              </a:rPr>
+              <a:t>Master in the judge system</a:t>
+            </a:r>
+          </a:p>
+          <a:p>
+            <a:pPr marL="571500" indent="-571500" algn="l">
+              <a:buFont typeface="Wingdings" panose="05000000000000000000" pitchFamily="2" charset="2"/>
+              <a:buChar char="Ø"/>
+            </a:pPr>
+            <a:r>
+              <a:rPr lang="en-US" sz="4800" b="1" dirty="0" smtClean="0">
+                <a:solidFill>
+                  <a:srgbClr val="FF0000"/>
+                </a:solidFill>
+                <a:effectLst>
+                  <a:outerShdw blurRad="38100" dist="38100" dir="2700000" algn="tl">
+                    <a:srgbClr val="000000">
+                      <a:alpha val="43137"/>
+                    </a:srgbClr>
+                  </a:outerShdw>
+                </a:effectLst>
+                <a:latin typeface="Algerian" panose="04020705040A02060702" pitchFamily="82" charset="0"/>
+              </a:rPr>
+              <a:t>Javascript exam 400/400</a:t>
+            </a:r>
+            <a:endParaRPr lang="en-US" sz="4800" b="1" dirty="0">
+              <a:solidFill>
+                <a:srgbClr val="FF0000"/>
+              </a:solidFill>
+              <a:effectLst>
+                <a:outerShdw blurRad="38100" dist="38100" dir="2700000" algn="tl">
+                  <a:srgbClr val="000000">
+                    <a:alpha val="43137"/>
+                  </a:srgbClr>
+                </a:outerShdw>
+              </a:effectLst>
+              <a:latin typeface="Algerian" panose="04020705040A02060702" pitchFamily="82" charset="0"/>
+            </a:endParaRPr>
+          </a:p>
+        </p:txBody>
+      </p:sp>
+      <p:sp>
+        <p:nvSpPr>
+          <p:cNvPr id="2" name="Slide Number Placeholder 1"/>
+          <p:cNvSpPr>
+            <a:spLocks noGrp="1"/>
+          </p:cNvSpPr>
+          <p:nvPr>
+            <p:ph type="sldNum" sz="quarter" idx="4294967295"/>
+          </p:nvPr>
+        </p:nvSpPr>
+        <p:spPr>
+          <a:xfrm>
+            <a:off x="11760200" y="6524625"/>
+            <a:ext cx="428625" cy="196850"/>
+          </a:xfrm>
+        </p:spPr>
+        <p:txBody>
+          <a:bodyPr/>
+          <a:lstStyle/>
+          <a:p>
+            <a:fld id="{C014DD1E-5D91-48A3-AD6D-45FBA980D106}" type="slidenum">
+              <a:rPr lang="en-US" smtClean="0">
+                <a:solidFill>
+                  <a:prstClr val="white">
+                    <a:tint val="75000"/>
+                  </a:prstClr>
+                </a:solidFill>
+              </a:rPr>
+              <a:pPr/>
+              <a:t>3</a:t>
+            </a:fld>
+            <a:endParaRPr lang="en-US" dirty="0">
+              <a:solidFill>
+                <a:prstClr val="white">
+                  <a:tint val="75000"/>
+                </a:prstClr>
+              </a:solidFill>
+            </a:endParaRPr>
+          </a:p>
+        </p:txBody>
+      </p:sp>
+      <p:pic>
+        <p:nvPicPr>
+          <p:cNvPr id="3" name="Picture 2"/>
+          <p:cNvPicPr>
+            <a:picLocks noChangeAspect="1"/>
+          </p:cNvPicPr>
+          <p:nvPr/>
+        </p:nvPicPr>
+        <p:blipFill>
+          <a:blip r:embed="rId2">
+            <a:extLst>
+              <a:ext uri="{28A0092B-C50C-407E-A947-70E740481C1C}">
+                <a14:useLocalDpi xmlns:a14="http://schemas.microsoft.com/office/drawing/2010/main" val="0"/>
+              </a:ext>
+            </a:extLst>
+          </a:blip>
+          <a:stretch>
+            <a:fillRect/>
+          </a:stretch>
+        </p:blipFill>
+        <p:spPr>
+          <a:xfrm>
+            <a:off x="684212" y="2133600"/>
+            <a:ext cx="2971800" cy="3417569"/>
+          </a:xfrm>
+          <a:prstGeom prst="rect">
+            <a:avLst/>
+          </a:prstGeom>
+          <a:ln>
+            <a:noFill/>
+          </a:ln>
+          <a:effectLst>
+            <a:softEdge rad="112500"/>
+          </a:effectLst>
+        </p:spPr>
+      </p:pic>
+    </p:spTree>
+    <p:extLst>
+      <p:ext uri="{BB962C8B-B14F-4D97-AF65-F5344CB8AC3E}">
+        <p14:creationId xmlns:p14="http://schemas.microsoft.com/office/powerpoint/2010/main" val="2680269620"/>
+      </p:ext>
+    </p:extLst>
+  </p:cSld>
+  <p:clrMapOvr>
+    <a:masterClrMapping/>
+  </p:clrMapOvr>
+  <mc:AlternateContent xmlns:mc="http://schemas.openxmlformats.org/markup-compatibility/2006" xmlns:p14="http://schemas.microsoft.com/office/powerpoint/2010/main">
+    <mc:Choice Requires="p14">
+      <p:transition p14:dur="0"/>
+    </mc:Choice>
+    <mc:Fallback xmlns="">
+      <p:transition/>
+    </mc:Fallback>
+  </mc:AlternateContent>
+  <p:timing>
+    <p:tnLst>
+      <p:par>
+        <p:cTn id="1" dur="indefinite" restart="never" nodeType="tmRoot">
+          <p:childTnLst>
+            <p:seq concurrent="1" nextAc="seek">
+              <p:cTn id="2" dur="indefinite" nodeType="mainSeq">
+                <p:childTnLst>
+                  <p:par>
+                    <p:cTn id="3" fill="hold">
+                      <p:stCondLst>
+                        <p:cond delay="indefinite"/>
+                      </p:stCondLst>
+                      <p:childTnLst>
+                        <p:par>
+                          <p:cTn id="4" fill="hold">
+                            <p:stCondLst>
+                              <p:cond delay="0"/>
+                            </p:stCondLst>
+                            <p:childTnLst>
+                              <p:par>
+                                <p:cTn id="5" presetID="2" presetClass="entr" presetSubtype="4" fill="hold" nodeType="clickEffect">
+                                  <p:stCondLst>
+                                    <p:cond delay="0"/>
+                                  </p:stCondLst>
+                                  <p:childTnLst>
+                                    <p:set>
+                                      <p:cBhvr>
+                                        <p:cTn id="6" dur="1" fill="hold">
+                                          <p:stCondLst>
+                                            <p:cond delay="0"/>
+                                          </p:stCondLst>
+                                        </p:cTn>
+                                        <p:tgtEl>
+                                          <p:spTgt spid="3"/>
+                                        </p:tgtEl>
+                                        <p:attrNameLst>
+                                          <p:attrName>style.visibility</p:attrName>
+                                        </p:attrNameLst>
+                                      </p:cBhvr>
+                                      <p:to>
+                                        <p:strVal val="visible"/>
+                                      </p:to>
+                                    </p:set>
+                                    <p:anim calcmode="lin" valueType="num">
+                                      <p:cBhvr additive="base">
+                                        <p:cTn id="7" dur="500" fill="hold"/>
+                                        <p:tgtEl>
+                                          <p:spTgt spid="3"/>
+                                        </p:tgtEl>
+                                        <p:attrNameLst>
+                                          <p:attrName>ppt_x</p:attrName>
+                                        </p:attrNameLst>
+                                      </p:cBhvr>
+                                      <p:tavLst>
+                                        <p:tav tm="0">
+                                          <p:val>
+                                            <p:strVal val="#ppt_x"/>
+                                          </p:val>
+                                        </p:tav>
+                                        <p:tav tm="100000">
+                                          <p:val>
+                                            <p:strVal val="#ppt_x"/>
+                                          </p:val>
+                                        </p:tav>
+                                      </p:tavLst>
+                                    </p:anim>
+                                    <p:anim calcmode="lin" valueType="num">
+                                      <p:cBhvr additive="base">
+                                        <p:cTn id="8" dur="500" fill="hold"/>
+                                        <p:tgtEl>
+                                          <p:spTgt spid="3"/>
+                                        </p:tgtEl>
+                                        <p:attrNameLst>
+                                          <p:attrName>ppt_y</p:attrName>
+                                        </p:attrNameLst>
+                                      </p:cBhvr>
+                                      <p:tavLst>
+                                        <p:tav tm="0">
+                                          <p:val>
+                                            <p:strVal val="1+#ppt_h/2"/>
+                                          </p:val>
+                                        </p:tav>
+                                        <p:tav tm="100000">
+                                          <p:val>
+                                            <p:strVal val="#ppt_y"/>
+                                          </p:val>
+                                        </p:tav>
+                                      </p:tavLst>
+                                    </p:anim>
+                                  </p:childTnLst>
+                                </p:cTn>
+                              </p:par>
+                            </p:childTnLst>
+                          </p:cTn>
+                        </p:par>
+                      </p:childTnLst>
+                    </p:cTn>
+                  </p:par>
+                  <p:par>
+                    <p:cTn id="9" fill="hold">
+                      <p:stCondLst>
+                        <p:cond delay="indefinite"/>
+                      </p:stCondLst>
+                      <p:childTnLst>
+                        <p:par>
+                          <p:cTn id="10" fill="hold">
+                            <p:stCondLst>
+                              <p:cond delay="0"/>
+                            </p:stCondLst>
+                            <p:childTnLst>
+                              <p:par>
+                                <p:cTn id="11" presetID="42" presetClass="entr" presetSubtype="0" fill="hold" grpId="0" nodeType="clickEffect">
+                                  <p:stCondLst>
+                                    <p:cond delay="0"/>
+                                  </p:stCondLst>
+                                  <p:childTnLst>
+                                    <p:set>
+                                      <p:cBhvr>
+                                        <p:cTn id="12" dur="1" fill="hold">
+                                          <p:stCondLst>
+                                            <p:cond delay="0"/>
+                                          </p:stCondLst>
+                                        </p:cTn>
+                                        <p:tgtEl>
+                                          <p:spTgt spid="5">
+                                            <p:txEl>
+                                              <p:pRg st="0" end="0"/>
+                                            </p:txEl>
+                                          </p:spTgt>
+                                        </p:tgtEl>
+                                        <p:attrNameLst>
+                                          <p:attrName>style.visibility</p:attrName>
+                                        </p:attrNameLst>
+                                      </p:cBhvr>
+                                      <p:to>
+                                        <p:strVal val="visible"/>
+                                      </p:to>
+                                    </p:set>
+                                    <p:animEffect transition="in" filter="fade">
+                                      <p:cBhvr>
+                                        <p:cTn id="13" dur="1000"/>
+                                        <p:tgtEl>
+                                          <p:spTgt spid="5">
+                                            <p:txEl>
+                                              <p:pRg st="0" end="0"/>
+                                            </p:txEl>
+                                          </p:spTgt>
+                                        </p:tgtEl>
+                                      </p:cBhvr>
+                                    </p:animEffect>
+                                    <p:anim calcmode="lin" valueType="num">
+                                      <p:cBhvr>
+                                        <p:cTn id="14" dur="1000" fill="hold"/>
+                                        <p:tgtEl>
+                                          <p:spTgt spid="5">
+                                            <p:txEl>
+                                              <p:pRg st="0" end="0"/>
+                                            </p:txEl>
+                                          </p:spTgt>
+                                        </p:tgtEl>
+                                        <p:attrNameLst>
+                                          <p:attrName>ppt_x</p:attrName>
+                                        </p:attrNameLst>
+                                      </p:cBhvr>
+                                      <p:tavLst>
+                                        <p:tav tm="0">
+                                          <p:val>
+                                            <p:strVal val="#ppt_x"/>
+                                          </p:val>
+                                        </p:tav>
+                                        <p:tav tm="100000">
+                                          <p:val>
+                                            <p:strVal val="#ppt_x"/>
+                                          </p:val>
+                                        </p:tav>
+                                      </p:tavLst>
+                                    </p:anim>
+                                    <p:anim calcmode="lin" valueType="num">
+                                      <p:cBhvr>
+                                        <p:cTn id="15" dur="1000" fill="hold"/>
+                                        <p:tgtEl>
+                                          <p:spTgt spid="5">
+                                            <p:txEl>
+                                              <p:pRg st="0" end="0"/>
+                                            </p:txEl>
+                                          </p:spTgt>
+                                        </p:tgtEl>
+                                        <p:attrNameLst>
+                                          <p:attrName>ppt_y</p:attrName>
+                                        </p:attrNameLst>
+                                      </p:cBhvr>
+                                      <p:tavLst>
+                                        <p:tav tm="0">
+                                          <p:val>
+                                            <p:strVal val="#ppt_y+.1"/>
+                                          </p:val>
+                                        </p:tav>
+                                        <p:tav tm="100000">
+                                          <p:val>
+                                            <p:strVal val="#ppt_y"/>
+                                          </p:val>
+                                        </p:tav>
+                                      </p:tavLst>
+                                    </p:anim>
+                                  </p:childTnLst>
+                                </p:cTn>
+                              </p:par>
+                            </p:childTnLst>
+                          </p:cTn>
+                        </p:par>
+                      </p:childTnLst>
+                    </p:cTn>
+                  </p:par>
+                  <p:par>
+                    <p:cTn id="16" fill="hold">
+                      <p:stCondLst>
+                        <p:cond delay="indefinite"/>
+                      </p:stCondLst>
+                      <p:childTnLst>
+                        <p:par>
+                          <p:cTn id="17" fill="hold">
+                            <p:stCondLst>
+                              <p:cond delay="0"/>
+                            </p:stCondLst>
+                            <p:childTnLst>
+                              <p:par>
+                                <p:cTn id="18" presetID="42" presetClass="entr" presetSubtype="0" fill="hold" grpId="0" nodeType="clickEffect">
+                                  <p:stCondLst>
+                                    <p:cond delay="0"/>
+                                  </p:stCondLst>
+                                  <p:childTnLst>
+                                    <p:set>
+                                      <p:cBhvr>
+                                        <p:cTn id="19" dur="1" fill="hold">
+                                          <p:stCondLst>
+                                            <p:cond delay="0"/>
+                                          </p:stCondLst>
+                                        </p:cTn>
+                                        <p:tgtEl>
+                                          <p:spTgt spid="5">
+                                            <p:txEl>
+                                              <p:pRg st="1" end="1"/>
+                                            </p:txEl>
+                                          </p:spTgt>
+                                        </p:tgtEl>
+                                        <p:attrNameLst>
+                                          <p:attrName>style.visibility</p:attrName>
+                                        </p:attrNameLst>
+                                      </p:cBhvr>
+                                      <p:to>
+                                        <p:strVal val="visible"/>
+                                      </p:to>
+                                    </p:set>
+                                    <p:animEffect transition="in" filter="fade">
+                                      <p:cBhvr>
+                                        <p:cTn id="20" dur="1000"/>
+                                        <p:tgtEl>
+                                          <p:spTgt spid="5">
+                                            <p:txEl>
+                                              <p:pRg st="1" end="1"/>
+                                            </p:txEl>
+                                          </p:spTgt>
+                                        </p:tgtEl>
+                                      </p:cBhvr>
+                                    </p:animEffect>
+                                    <p:anim calcmode="lin" valueType="num">
+                                      <p:cBhvr>
+                                        <p:cTn id="21" dur="1000" fill="hold"/>
+                                        <p:tgtEl>
+                                          <p:spTgt spid="5">
+                                            <p:txEl>
+                                              <p:pRg st="1" end="1"/>
+                                            </p:txEl>
+                                          </p:spTgt>
+                                        </p:tgtEl>
+                                        <p:attrNameLst>
+                                          <p:attrName>ppt_x</p:attrName>
+                                        </p:attrNameLst>
+                                      </p:cBhvr>
+                                      <p:tavLst>
+                                        <p:tav tm="0">
+                                          <p:val>
+                                            <p:strVal val="#ppt_x"/>
+                                          </p:val>
+                                        </p:tav>
+                                        <p:tav tm="100000">
+                                          <p:val>
+                                            <p:strVal val="#ppt_x"/>
+                                          </p:val>
+                                        </p:tav>
+                                      </p:tavLst>
+                                    </p:anim>
+                                    <p:anim calcmode="lin" valueType="num">
+                                      <p:cBhvr>
+                                        <p:cTn id="22" dur="1000" fill="hold"/>
+                                        <p:tgtEl>
+                                          <p:spTgt spid="5">
+                                            <p:txEl>
+                                              <p:pRg st="1" end="1"/>
+                                            </p:txEl>
+                                          </p:spTgt>
+                                        </p:tgtEl>
+                                        <p:attrNameLst>
+                                          <p:attrName>ppt_y</p:attrName>
+                                        </p:attrNameLst>
+                                      </p:cBhvr>
+                                      <p:tavLst>
+                                        <p:tav tm="0">
+                                          <p:val>
+                                            <p:strVal val="#ppt_y+.1"/>
+                                          </p:val>
+                                        </p:tav>
+                                        <p:tav tm="100000">
+                                          <p:val>
+                                            <p:strVal val="#ppt_y"/>
+                                          </p:val>
+                                        </p:tav>
+                                      </p:tavLst>
+                                    </p:anim>
+                                  </p:childTnLst>
+                                </p:cTn>
+                              </p:par>
+                            </p:childTnLst>
+                          </p:cTn>
+                        </p:par>
+                      </p:childTnLst>
+                    </p:cTn>
+                  </p:par>
+                </p:childTnLst>
+              </p:cTn>
+              <p:prevCondLst>
+                <p:cond evt="onPrev" delay="0">
+                  <p:tgtEl>
+                    <p:sldTgt/>
+                  </p:tgtEl>
+                </p:cond>
+              </p:prevCondLst>
+              <p:nextCondLst>
+                <p:cond evt="onNext" delay="0">
+                  <p:tgtEl>
+                    <p:sldTgt/>
+                  </p:tgtEl>
+                </p:cond>
+              </p:nextCondLst>
+            </p:seq>
+          </p:childTnLst>
+        </p:cTn>
+      </p:par>
+    </p:tnLst>
+    <p:bldLst>
+      <p:bldP spid="5" grpId="0" build="p"/>
+    </p:bldLst>
+  </p:timing>
+</p:sld>
+</file>
+
+<file path=ppt/slides/slide4.xml><?xml version="1.0" encoding="utf-8"?>
+<p:sld xmlns:a="http://schemas.openxmlformats.org/drawingml/2006/main" xmlns:r="http://schemas.openxmlformats.org/officeDocument/2006/relationships" xmlns:p="http://schemas.openxmlformats.org/presentationml/2006/main">
+  <p:cSld>
+    <p:spTree>
+      <p:nvGrpSpPr>
+        <p:cNvPr id="1" name=""/>
+        <p:cNvGrpSpPr/>
+        <p:nvPr/>
+      </p:nvGrpSpPr>
+      <p:grpSpPr>
+        <a:xfrm>
+          <a:off x="0" y="0"/>
+          <a:ext cx="0" cy="0"/>
+          <a:chOff x="0" y="0"/>
+          <a:chExt cx="0" cy="0"/>
+        </a:xfrm>
+      </p:grpSpPr>
+      <p:sp>
+        <p:nvSpPr>
+          <p:cNvPr id="4" name="Title 3"/>
+          <p:cNvSpPr>
+            <a:spLocks noGrp="1"/>
+          </p:cNvSpPr>
+          <p:nvPr>
+            <p:ph type="ctrTitle"/>
+          </p:nvPr>
+        </p:nvSpPr>
+        <p:spPr>
+          <a:xfrm>
+            <a:off x="3046412" y="202176"/>
+            <a:ext cx="8987207" cy="2000251"/>
+          </a:xfrm>
+          <a:effectLst>
+            <a:outerShdw blurRad="50800" dist="38100" algn="l" rotWithShape="0">
+              <a:prstClr val="black">
+                <a:alpha val="40000"/>
+              </a:prstClr>
+            </a:outerShdw>
+          </a:effectLst>
+        </p:spPr>
+        <p:txBody>
+          <a:bodyPr>
+            <a:normAutofit fontScale="90000"/>
+          </a:bodyPr>
+          <a:lstStyle/>
+          <a:p>
+            <a:pPr algn="ctr"/>
+            <a:r>
+              <a:rPr lang="en-US" sz="6700" dirty="0" smtClean="0">
+                <a:solidFill>
+                  <a:srgbClr val="FFFF00"/>
+                </a:solidFill>
+              </a:rPr>
+              <a:t>                                       </a:t>
+            </a:r>
+            <a:r>
+              <a:rPr lang="en-US" sz="8000" i="1" dirty="0" smtClean="0">
+                <a:solidFill>
+                  <a:srgbClr val="FF0000"/>
+                </a:solidFill>
+                <a:effectLst>
+                  <a:outerShdw blurRad="38100" dist="38100" dir="2700000" algn="tl">
+                    <a:srgbClr val="000000">
+                      <a:alpha val="43137"/>
+                    </a:srgbClr>
+                  </a:outerShdw>
+                </a:effectLst>
+                <a:latin typeface="Algerian" panose="04020705040A02060702" pitchFamily="82" charset="0"/>
+              </a:rPr>
+              <a:t>TEAM“MOON ORCHID”</a:t>
+            </a:r>
+            <a:r>
+              <a:rPr lang="en-US" dirty="0">
+                <a:solidFill>
+                  <a:srgbClr val="FFFF00"/>
+                </a:solidFill>
+              </a:rPr>
+              <a:t/>
+            </a:r>
+            <a:br>
+              <a:rPr lang="en-US" dirty="0">
+                <a:solidFill>
+                  <a:srgbClr val="FFFF00"/>
+                </a:solidFill>
+              </a:rPr>
+            </a:br>
+            <a:endParaRPr lang="bg-BG" dirty="0"/>
+          </a:p>
+        </p:txBody>
+      </p:sp>
+      <p:sp>
+        <p:nvSpPr>
+          <p:cNvPr id="5" name="Subtitle 4"/>
+          <p:cNvSpPr>
+            <a:spLocks noGrp="1"/>
+          </p:cNvSpPr>
+          <p:nvPr>
+            <p:ph type="subTitle" idx="1"/>
+          </p:nvPr>
+        </p:nvSpPr>
+        <p:spPr>
+          <a:xfrm>
+            <a:off x="3579812" y="2202427"/>
+            <a:ext cx="8168942" cy="3664973"/>
+          </a:xfrm>
+        </p:spPr>
+        <p:txBody>
+          <a:bodyPr>
+            <a:noAutofit/>
+          </a:bodyPr>
+          <a:lstStyle/>
+          <a:p>
+            <a:pPr marL="571500" indent="-571500" algn="l">
+              <a:buFont typeface="Wingdings" panose="05000000000000000000" pitchFamily="2" charset="2"/>
+              <a:buChar char="Ø"/>
+            </a:pPr>
+            <a:r>
+              <a:rPr lang="en-US" sz="4800" b="1" dirty="0" smtClean="0">
+                <a:solidFill>
+                  <a:srgbClr val="FF0000"/>
+                </a:solidFill>
+                <a:effectLst>
+                  <a:outerShdw blurRad="38100" dist="38100" dir="2700000" algn="tl">
+                    <a:srgbClr val="000000">
+                      <a:alpha val="43137"/>
+                    </a:srgbClr>
+                  </a:outerShdw>
+                </a:effectLst>
+                <a:latin typeface="Algerian" panose="04020705040A02060702" pitchFamily="82" charset="0"/>
+              </a:rPr>
+              <a:t>Part of the coding team</a:t>
+            </a:r>
+            <a:endParaRPr lang="en-US" sz="4800" b="1" dirty="0">
+              <a:solidFill>
+                <a:srgbClr val="FF0000"/>
+              </a:solidFill>
+              <a:effectLst>
+                <a:outerShdw blurRad="38100" dist="38100" dir="2700000" algn="tl">
+                  <a:srgbClr val="000000">
+                    <a:alpha val="43137"/>
+                  </a:srgbClr>
+                </a:outerShdw>
+              </a:effectLst>
+              <a:latin typeface="Algerian" panose="04020705040A02060702" pitchFamily="82" charset="0"/>
+            </a:endParaRPr>
+          </a:p>
+        </p:txBody>
+      </p:sp>
+      <p:sp>
+        <p:nvSpPr>
+          <p:cNvPr id="2" name="Slide Number Placeholder 1"/>
+          <p:cNvSpPr>
+            <a:spLocks noGrp="1"/>
+          </p:cNvSpPr>
+          <p:nvPr>
+            <p:ph type="sldNum" sz="quarter" idx="4294967295"/>
+          </p:nvPr>
+        </p:nvSpPr>
+        <p:spPr>
+          <a:xfrm>
+            <a:off x="11760200" y="6524625"/>
+            <a:ext cx="428625" cy="196850"/>
+          </a:xfrm>
+        </p:spPr>
+        <p:txBody>
+          <a:bodyPr/>
+          <a:lstStyle/>
+          <a:p>
+            <a:fld id="{C014DD1E-5D91-48A3-AD6D-45FBA980D106}" type="slidenum">
+              <a:rPr lang="en-US" smtClean="0">
+                <a:solidFill>
+                  <a:prstClr val="white">
+                    <a:tint val="75000"/>
+                  </a:prstClr>
+                </a:solidFill>
+              </a:rPr>
+              <a:pPr/>
+              <a:t>4</a:t>
+            </a:fld>
+            <a:endParaRPr lang="en-US" dirty="0">
+              <a:solidFill>
+                <a:prstClr val="white">
+                  <a:tint val="75000"/>
+                </a:prstClr>
+              </a:solidFill>
+            </a:endParaRPr>
+          </a:p>
+        </p:txBody>
+      </p:sp>
+      <p:pic>
+        <p:nvPicPr>
+          <p:cNvPr id="6" name="Picture 5"/>
+          <p:cNvPicPr>
+            <a:picLocks noChangeAspect="1"/>
+          </p:cNvPicPr>
+          <p:nvPr/>
+        </p:nvPicPr>
+        <p:blipFill>
+          <a:blip r:embed="rId2" cstate="print">
+            <a:extLst>
+              <a:ext uri="{28A0092B-C50C-407E-A947-70E740481C1C}">
+                <a14:useLocalDpi xmlns:a14="http://schemas.microsoft.com/office/drawing/2010/main" val="0"/>
+              </a:ext>
+            </a:extLst>
+          </a:blip>
+          <a:stretch>
+            <a:fillRect/>
+          </a:stretch>
+        </p:blipFill>
+        <p:spPr>
+          <a:xfrm>
+            <a:off x="806613" y="2202426"/>
+            <a:ext cx="2380369" cy="2979173"/>
+          </a:xfrm>
+          <a:prstGeom prst="rect">
+            <a:avLst/>
+          </a:prstGeom>
+          <a:ln>
+            <a:noFill/>
+          </a:ln>
+          <a:effectLst>
+            <a:softEdge rad="112500"/>
+          </a:effectLst>
+        </p:spPr>
+      </p:pic>
+    </p:spTree>
+    <p:extLst>
+      <p:ext uri="{BB962C8B-B14F-4D97-AF65-F5344CB8AC3E}">
+        <p14:creationId xmlns:p14="http://schemas.microsoft.com/office/powerpoint/2010/main" val="3554466648"/>
+      </p:ext>
+    </p:extLst>
+  </p:cSld>
+  <p:clrMapOvr>
+    <a:masterClrMapping/>
+  </p:clrMapOvr>
+  <mc:AlternateContent xmlns:mc="http://schemas.openxmlformats.org/markup-compatibility/2006" xmlns:p14="http://schemas.microsoft.com/office/powerpoint/2010/main">
+    <mc:Choice Requires="p14">
+      <p:transition p14:dur="0"/>
+    </mc:Choice>
+    <mc:Fallback xmlns="">
+      <p:transition/>
+    </mc:Fallback>
+  </mc:AlternateContent>
+  <p:timing>
+    <p:tnLst>
+      <p:par>
+        <p:cTn id="1" dur="indefinite" restart="never" nodeType="tmRoot">
+          <p:childTnLst>
+            <p:seq concurrent="1" nextAc="seek">
+              <p:cTn id="2" dur="indefinite" nodeType="mainSeq">
+                <p:childTnLst>
+                  <p:par>
+                    <p:cTn id="3" fill="hold">
+                      <p:stCondLst>
+                        <p:cond delay="indefinite"/>
+                      </p:stCondLst>
+                      <p:childTnLst>
+                        <p:par>
+                          <p:cTn id="4" fill="hold">
+                            <p:stCondLst>
+                              <p:cond delay="0"/>
+                            </p:stCondLst>
+                            <p:childTnLst>
+                              <p:par>
+                                <p:cTn id="5" presetID="2" presetClass="entr" presetSubtype="4" fill="hold" nodeType="clickEffect">
+                                  <p:stCondLst>
+                                    <p:cond delay="0"/>
+                                  </p:stCondLst>
+                                  <p:childTnLst>
+                                    <p:set>
+                                      <p:cBhvr>
+                                        <p:cTn id="6" dur="1" fill="hold">
+                                          <p:stCondLst>
+                                            <p:cond delay="0"/>
+                                          </p:stCondLst>
+                                        </p:cTn>
+                                        <p:tgtEl>
+                                          <p:spTgt spid="6"/>
+                                        </p:tgtEl>
+                                        <p:attrNameLst>
+                                          <p:attrName>style.visibility</p:attrName>
+                                        </p:attrNameLst>
+                                      </p:cBhvr>
+                                      <p:to>
+                                        <p:strVal val="visible"/>
+                                      </p:to>
+                                    </p:set>
+                                    <p:anim calcmode="lin" valueType="num">
+                                      <p:cBhvr additive="base">
+                                        <p:cTn id="7" dur="500" fill="hold"/>
+                                        <p:tgtEl>
+                                          <p:spTgt spid="6"/>
+                                        </p:tgtEl>
+                                        <p:attrNameLst>
+                                          <p:attrName>ppt_x</p:attrName>
+                                        </p:attrNameLst>
+                                      </p:cBhvr>
+                                      <p:tavLst>
+                                        <p:tav tm="0">
+                                          <p:val>
+                                            <p:strVal val="#ppt_x"/>
+                                          </p:val>
+                                        </p:tav>
+                                        <p:tav tm="100000">
+                                          <p:val>
+                                            <p:strVal val="#ppt_x"/>
+                                          </p:val>
+                                        </p:tav>
+                                      </p:tavLst>
+                                    </p:anim>
+                                    <p:anim calcmode="lin" valueType="num">
+                                      <p:cBhvr additive="base">
+                                        <p:cTn id="8" dur="500" fill="hold"/>
+                                        <p:tgtEl>
+                                          <p:spTgt spid="6"/>
+                                        </p:tgtEl>
+                                        <p:attrNameLst>
+                                          <p:attrName>ppt_y</p:attrName>
+                                        </p:attrNameLst>
+                                      </p:cBhvr>
+                                      <p:tavLst>
+                                        <p:tav tm="0">
+                                          <p:val>
+                                            <p:strVal val="1+#ppt_h/2"/>
+                                          </p:val>
+                                        </p:tav>
+                                        <p:tav tm="100000">
+                                          <p:val>
+                                            <p:strVal val="#ppt_y"/>
+                                          </p:val>
+                                        </p:tav>
+                                      </p:tavLst>
+                                    </p:anim>
+                                  </p:childTnLst>
+                                </p:cTn>
+                              </p:par>
+                            </p:childTnLst>
+                          </p:cTn>
+                        </p:par>
+                      </p:childTnLst>
+                    </p:cTn>
+                  </p:par>
+                  <p:par>
+                    <p:cTn id="9" fill="hold">
+                      <p:stCondLst>
+                        <p:cond delay="indefinite"/>
+                      </p:stCondLst>
+                      <p:childTnLst>
+                        <p:par>
+                          <p:cTn id="10" fill="hold">
+                            <p:stCondLst>
+                              <p:cond delay="0"/>
+                            </p:stCondLst>
+                            <p:childTnLst>
+                              <p:par>
+                                <p:cTn id="11" presetID="42" presetClass="entr" presetSubtype="0" fill="hold" grpId="0" nodeType="clickEffect">
+                                  <p:stCondLst>
+                                    <p:cond delay="0"/>
+                                  </p:stCondLst>
+                                  <p:childTnLst>
+                                    <p:set>
+                                      <p:cBhvr>
+                                        <p:cTn id="12" dur="1" fill="hold">
+                                          <p:stCondLst>
+                                            <p:cond delay="0"/>
+                                          </p:stCondLst>
+                                        </p:cTn>
+                                        <p:tgtEl>
+                                          <p:spTgt spid="5">
+                                            <p:txEl>
+                                              <p:pRg st="0" end="0"/>
+                                            </p:txEl>
+                                          </p:spTgt>
+                                        </p:tgtEl>
+                                        <p:attrNameLst>
+                                          <p:attrName>style.visibility</p:attrName>
+                                        </p:attrNameLst>
+                                      </p:cBhvr>
+                                      <p:to>
+                                        <p:strVal val="visible"/>
+                                      </p:to>
+                                    </p:set>
+                                    <p:animEffect transition="in" filter="fade">
+                                      <p:cBhvr>
+                                        <p:cTn id="13" dur="1000"/>
+                                        <p:tgtEl>
+                                          <p:spTgt spid="5">
+                                            <p:txEl>
+                                              <p:pRg st="0" end="0"/>
+                                            </p:txEl>
+                                          </p:spTgt>
+                                        </p:tgtEl>
+                                      </p:cBhvr>
+                                    </p:animEffect>
+                                    <p:anim calcmode="lin" valueType="num">
+                                      <p:cBhvr>
+                                        <p:cTn id="14" dur="1000" fill="hold"/>
+                                        <p:tgtEl>
+                                          <p:spTgt spid="5">
+                                            <p:txEl>
+                                              <p:pRg st="0" end="0"/>
+                                            </p:txEl>
+                                          </p:spTgt>
+                                        </p:tgtEl>
+                                        <p:attrNameLst>
+                                          <p:attrName>ppt_x</p:attrName>
+                                        </p:attrNameLst>
+                                      </p:cBhvr>
+                                      <p:tavLst>
+                                        <p:tav tm="0">
+                                          <p:val>
+                                            <p:strVal val="#ppt_x"/>
+                                          </p:val>
+                                        </p:tav>
+                                        <p:tav tm="100000">
+                                          <p:val>
+                                            <p:strVal val="#ppt_x"/>
+                                          </p:val>
+                                        </p:tav>
+                                      </p:tavLst>
+                                    </p:anim>
+                                    <p:anim calcmode="lin" valueType="num">
+                                      <p:cBhvr>
+                                        <p:cTn id="15" dur="1000" fill="hold"/>
+                                        <p:tgtEl>
+                                          <p:spTgt spid="5">
+                                            <p:txEl>
+                                              <p:pRg st="0" end="0"/>
+                                            </p:txEl>
+                                          </p:spTgt>
+                                        </p:tgtEl>
+                                        <p:attrNameLst>
+                                          <p:attrName>ppt_y</p:attrName>
+                                        </p:attrNameLst>
+                                      </p:cBhvr>
+                                      <p:tavLst>
+                                        <p:tav tm="0">
+                                          <p:val>
+                                            <p:strVal val="#ppt_y+.1"/>
+                                          </p:val>
+                                        </p:tav>
+                                        <p:tav tm="100000">
+                                          <p:val>
+                                            <p:strVal val="#ppt_y"/>
+                                          </p:val>
+                                        </p:tav>
+                                      </p:tavLst>
+                                    </p:anim>
+                                  </p:childTnLst>
+                                </p:cTn>
+                              </p:par>
+                            </p:childTnLst>
+                          </p:cTn>
+                        </p:par>
+                      </p:childTnLst>
+                    </p:cTn>
+                  </p:par>
+                </p:childTnLst>
+              </p:cTn>
+              <p:prevCondLst>
+                <p:cond evt="onPrev" delay="0">
+                  <p:tgtEl>
+                    <p:sldTgt/>
+                  </p:tgtEl>
+                </p:cond>
+              </p:prevCondLst>
+              <p:nextCondLst>
+                <p:cond evt="onNext" delay="0">
+                  <p:tgtEl>
+                    <p:sldTgt/>
+                  </p:tgtEl>
+                </p:cond>
+              </p:nextCondLst>
+            </p:seq>
+          </p:childTnLst>
+        </p:cTn>
+      </p:par>
+    </p:tnLst>
+    <p:bldLst>
+      <p:bldP spid="5" grpId="0" build="p"/>
+    </p:bldLst>
+  </p:timing>
+</p:sld>
+</file>
+
+<file path=ppt/slides/slide5.xml><?xml version="1.0" encoding="utf-8"?>
+<p:sld xmlns:a="http://schemas.openxmlformats.org/drawingml/2006/main" xmlns:r="http://schemas.openxmlformats.org/officeDocument/2006/relationships" xmlns:p="http://schemas.openxmlformats.org/presentationml/2006/main">
+  <p:cSld>
+    <p:spTree>
+      <p:nvGrpSpPr>
+        <p:cNvPr id="1" name=""/>
+        <p:cNvGrpSpPr/>
+        <p:nvPr/>
+      </p:nvGrpSpPr>
+      <p:grpSpPr>
+        <a:xfrm>
+          <a:off x="0" y="0"/>
+          <a:ext cx="0" cy="0"/>
+          <a:chOff x="0" y="0"/>
+          <a:chExt cx="0" cy="0"/>
+        </a:xfrm>
+      </p:grpSpPr>
+      <p:sp>
+        <p:nvSpPr>
+          <p:cNvPr id="4" name="Title 3"/>
+          <p:cNvSpPr>
+            <a:spLocks noGrp="1"/>
+          </p:cNvSpPr>
+          <p:nvPr>
+            <p:ph type="ctrTitle"/>
+          </p:nvPr>
+        </p:nvSpPr>
+        <p:spPr>
+          <a:xfrm>
+            <a:off x="3046412" y="202176"/>
+            <a:ext cx="8987207" cy="2000251"/>
+          </a:xfrm>
+          <a:effectLst>
+            <a:outerShdw blurRad="50800" dist="38100" algn="l" rotWithShape="0">
+              <a:prstClr val="black">
+                <a:alpha val="40000"/>
+              </a:prstClr>
+            </a:outerShdw>
+          </a:effectLst>
+        </p:spPr>
+        <p:txBody>
+          <a:bodyPr>
+            <a:normAutofit fontScale="90000"/>
+          </a:bodyPr>
+          <a:lstStyle/>
+          <a:p>
+            <a:pPr algn="ctr"/>
+            <a:r>
+              <a:rPr lang="en-US" sz="6700" dirty="0" smtClean="0">
+                <a:solidFill>
+                  <a:srgbClr val="FFFF00"/>
+                </a:solidFill>
+              </a:rPr>
+              <a:t>                                       </a:t>
+            </a:r>
+            <a:r>
+              <a:rPr lang="en-US" sz="8000" i="1" dirty="0" smtClean="0">
+                <a:solidFill>
+                  <a:srgbClr val="FF0000"/>
+                </a:solidFill>
+                <a:effectLst>
+                  <a:outerShdw blurRad="38100" dist="38100" dir="2700000" algn="tl">
+                    <a:srgbClr val="000000">
+                      <a:alpha val="43137"/>
+                    </a:srgbClr>
+                  </a:outerShdw>
+                </a:effectLst>
+                <a:latin typeface="Algerian" panose="04020705040A02060702" pitchFamily="82" charset="0"/>
+              </a:rPr>
+              <a:t>TEAM“MOON ORCHID”</a:t>
+            </a:r>
+            <a:r>
+              <a:rPr lang="en-US" dirty="0">
+                <a:solidFill>
+                  <a:srgbClr val="FFFF00"/>
+                </a:solidFill>
+              </a:rPr>
+              <a:t/>
+            </a:r>
+            <a:br>
+              <a:rPr lang="en-US" dirty="0">
+                <a:solidFill>
+                  <a:srgbClr val="FFFF00"/>
+                </a:solidFill>
+              </a:rPr>
+            </a:br>
+            <a:endParaRPr lang="bg-BG" dirty="0"/>
+          </a:p>
+        </p:txBody>
+      </p:sp>
+      <p:sp>
+        <p:nvSpPr>
+          <p:cNvPr id="5" name="Subtitle 4"/>
+          <p:cNvSpPr>
+            <a:spLocks noGrp="1"/>
+          </p:cNvSpPr>
+          <p:nvPr>
+            <p:ph type="subTitle" idx="1"/>
+          </p:nvPr>
+        </p:nvSpPr>
+        <p:spPr>
+          <a:xfrm>
+            <a:off x="3579812" y="2202427"/>
+            <a:ext cx="8168942" cy="3664973"/>
+          </a:xfrm>
+        </p:spPr>
+        <p:txBody>
+          <a:bodyPr>
+            <a:noAutofit/>
+          </a:bodyPr>
+          <a:lstStyle/>
+          <a:p>
+            <a:pPr marL="571500" indent="-571500" algn="l">
+              <a:buFont typeface="Wingdings" panose="05000000000000000000" pitchFamily="2" charset="2"/>
+              <a:buChar char="Ø"/>
+            </a:pPr>
+            <a:r>
+              <a:rPr lang="en-US" sz="4800" b="1" dirty="0" smtClean="0">
+                <a:solidFill>
+                  <a:srgbClr val="FF0000"/>
+                </a:solidFill>
+                <a:effectLst>
+                  <a:outerShdw blurRad="38100" dist="38100" dir="2700000" algn="tl">
+                    <a:srgbClr val="000000">
+                      <a:alpha val="43137"/>
+                    </a:srgbClr>
+                  </a:outerShdw>
+                </a:effectLst>
+                <a:latin typeface="Algerian" panose="04020705040A02060702" pitchFamily="82" charset="0"/>
+              </a:rPr>
+              <a:t>Our designer </a:t>
+            </a:r>
+          </a:p>
+          <a:p>
+            <a:pPr marL="571500" indent="-571500" algn="l">
+              <a:buFont typeface="Wingdings" panose="05000000000000000000" pitchFamily="2" charset="2"/>
+              <a:buChar char="Ø"/>
+            </a:pPr>
+            <a:r>
+              <a:rPr lang="en-US" sz="3600" b="1" dirty="0">
+                <a:solidFill>
+                  <a:srgbClr val="FF0000"/>
+                </a:solidFill>
+                <a:effectLst>
+                  <a:outerShdw blurRad="38100" dist="38100" dir="2700000" algn="tl">
+                    <a:srgbClr val="000000">
+                      <a:alpha val="43137"/>
+                    </a:srgbClr>
+                  </a:outerShdw>
+                </a:effectLst>
+                <a:latin typeface="Algerian" panose="04020705040A02060702" pitchFamily="82" charset="0"/>
+              </a:rPr>
+              <a:t>https://</a:t>
+            </a:r>
+            <a:r>
+              <a:rPr lang="en-US" sz="3600" b="1" dirty="0" smtClean="0">
+                <a:solidFill>
+                  <a:srgbClr val="FF0000"/>
+                </a:solidFill>
+                <a:effectLst>
+                  <a:outerShdw blurRad="38100" dist="38100" dir="2700000" algn="tl">
+                    <a:srgbClr val="000000">
+                      <a:alpha val="43137"/>
+                    </a:srgbClr>
+                  </a:outerShdw>
+                </a:effectLst>
+                <a:latin typeface="Algerian" panose="04020705040A02060702" pitchFamily="82" charset="0"/>
+              </a:rPr>
+              <a:t>www.youtube.com/user/MANCHEV720966</a:t>
+            </a:r>
+          </a:p>
+          <a:p>
+            <a:pPr marL="571500" indent="-571500" algn="l">
+              <a:buFont typeface="Wingdings" panose="05000000000000000000" pitchFamily="2" charset="2"/>
+              <a:buChar char="Ø"/>
+            </a:pPr>
+            <a:endParaRPr lang="en-US" sz="4800" b="1" dirty="0">
+              <a:solidFill>
+                <a:srgbClr val="FF0000"/>
+              </a:solidFill>
+              <a:effectLst>
+                <a:outerShdw blurRad="38100" dist="38100" dir="2700000" algn="tl">
+                  <a:srgbClr val="000000">
+                    <a:alpha val="43137"/>
+                  </a:srgbClr>
+                </a:outerShdw>
+              </a:effectLst>
+              <a:latin typeface="Algerian" panose="04020705040A02060702" pitchFamily="82" charset="0"/>
+            </a:endParaRPr>
+          </a:p>
+        </p:txBody>
+      </p:sp>
+      <p:sp>
+        <p:nvSpPr>
+          <p:cNvPr id="2" name="Slide Number Placeholder 1"/>
+          <p:cNvSpPr>
+            <a:spLocks noGrp="1"/>
+          </p:cNvSpPr>
+          <p:nvPr>
+            <p:ph type="sldNum" sz="quarter" idx="4294967295"/>
+          </p:nvPr>
+        </p:nvSpPr>
+        <p:spPr>
+          <a:xfrm>
+            <a:off x="11760200" y="6524625"/>
+            <a:ext cx="428625" cy="196850"/>
+          </a:xfrm>
+        </p:spPr>
+        <p:txBody>
+          <a:bodyPr/>
+          <a:lstStyle/>
+          <a:p>
+            <a:fld id="{C014DD1E-5D91-48A3-AD6D-45FBA980D106}" type="slidenum">
+              <a:rPr lang="en-US" smtClean="0">
+                <a:solidFill>
+                  <a:prstClr val="white">
+                    <a:tint val="75000"/>
+                  </a:prstClr>
+                </a:solidFill>
+              </a:rPr>
+              <a:pPr/>
+              <a:t>5</a:t>
+            </a:fld>
+            <a:endParaRPr lang="en-US" dirty="0">
+              <a:solidFill>
+                <a:prstClr val="white">
+                  <a:tint val="75000"/>
+                </a:prstClr>
+              </a:solidFill>
+            </a:endParaRPr>
+          </a:p>
+        </p:txBody>
+      </p:sp>
+      <p:pic>
+        <p:nvPicPr>
+          <p:cNvPr id="7" name="Picture 6"/>
+          <p:cNvPicPr>
+            <a:picLocks noChangeAspect="1"/>
+          </p:cNvPicPr>
+          <p:nvPr/>
+        </p:nvPicPr>
+        <p:blipFill>
+          <a:blip r:embed="rId2" cstate="print">
+            <a:extLst>
+              <a:ext uri="{28A0092B-C50C-407E-A947-70E740481C1C}">
+                <a14:useLocalDpi xmlns:a14="http://schemas.microsoft.com/office/drawing/2010/main" val="0"/>
+              </a:ext>
+            </a:extLst>
+          </a:blip>
+          <a:stretch>
+            <a:fillRect/>
+          </a:stretch>
+        </p:blipFill>
+        <p:spPr>
+          <a:xfrm>
+            <a:off x="936642" y="2192488"/>
+            <a:ext cx="2066011" cy="2608112"/>
+          </a:xfrm>
+          <a:prstGeom prst="rect">
+            <a:avLst/>
+          </a:prstGeom>
+          <a:ln>
+            <a:noFill/>
+          </a:ln>
+          <a:effectLst>
+            <a:softEdge rad="112500"/>
+          </a:effectLst>
+        </p:spPr>
+      </p:pic>
+    </p:spTree>
+    <p:extLst>
+      <p:ext uri="{BB962C8B-B14F-4D97-AF65-F5344CB8AC3E}">
+        <p14:creationId xmlns:p14="http://schemas.microsoft.com/office/powerpoint/2010/main" val="2471467910"/>
+      </p:ext>
+    </p:extLst>
+  </p:cSld>
+  <p:clrMapOvr>
+    <a:masterClrMapping/>
+  </p:clrMapOvr>
+  <mc:AlternateContent xmlns:mc="http://schemas.openxmlformats.org/markup-compatibility/2006" xmlns:p14="http://schemas.microsoft.com/office/powerpoint/2010/main">
+    <mc:Choice Requires="p14">
+      <p:transition p14:dur="10"/>
+    </mc:Choice>
+    <mc:Fallback xmlns="">
+      <p:transition/>
+    </mc:Fallback>
+  </mc:AlternateContent>
+  <p:timing>
+    <p:tnLst>
+      <p:par>
+        <p:cTn id="1" dur="indefinite" restart="never" nodeType="tmRoot">
+          <p:childTnLst>
+            <p:seq concurrent="1" nextAc="seek">
+              <p:cTn id="2" dur="indefinite" nodeType="mainSeq">
+                <p:childTnLst>
+                  <p:par>
+                    <p:cTn id="3" fill="hold">
+                      <p:stCondLst>
+                        <p:cond delay="indefinite"/>
+                      </p:stCondLst>
+                      <p:childTnLst>
+                        <p:par>
+                          <p:cTn id="4" fill="hold">
+                            <p:stCondLst>
+                              <p:cond delay="0"/>
+                            </p:stCondLst>
+                            <p:childTnLst>
+                              <p:par>
+                                <p:cTn id="5" presetID="2" presetClass="entr" presetSubtype="4" fill="hold" nodeType="clickEffect">
+                                  <p:stCondLst>
+                                    <p:cond delay="0"/>
+                                  </p:stCondLst>
+                                  <p:childTnLst>
+                                    <p:set>
+                                      <p:cBhvr>
+                                        <p:cTn id="6" dur="1" fill="hold">
+                                          <p:stCondLst>
+                                            <p:cond delay="0"/>
+                                          </p:stCondLst>
+                                        </p:cTn>
+                                        <p:tgtEl>
+                                          <p:spTgt spid="7"/>
+                                        </p:tgtEl>
+                                        <p:attrNameLst>
+                                          <p:attrName>style.visibility</p:attrName>
+                                        </p:attrNameLst>
+                                      </p:cBhvr>
+                                      <p:to>
+                                        <p:strVal val="visible"/>
+                                      </p:to>
+                                    </p:set>
+                                    <p:anim calcmode="lin" valueType="num">
+                                      <p:cBhvr additive="base">
+                                        <p:cTn id="7" dur="500" fill="hold"/>
+                                        <p:tgtEl>
+                                          <p:spTgt spid="7"/>
+                                        </p:tgtEl>
+                                        <p:attrNameLst>
+                                          <p:attrName>ppt_x</p:attrName>
+                                        </p:attrNameLst>
+                                      </p:cBhvr>
+                                      <p:tavLst>
+                                        <p:tav tm="0">
+                                          <p:val>
+                                            <p:strVal val="#ppt_x"/>
+                                          </p:val>
+                                        </p:tav>
+                                        <p:tav tm="100000">
+                                          <p:val>
+                                            <p:strVal val="#ppt_x"/>
+                                          </p:val>
+                                        </p:tav>
+                                      </p:tavLst>
+                                    </p:anim>
+                                    <p:anim calcmode="lin" valueType="num">
+                                      <p:cBhvr additive="base">
+                                        <p:cTn id="8" dur="500" fill="hold"/>
+                                        <p:tgtEl>
+                                          <p:spTgt spid="7"/>
+                                        </p:tgtEl>
+                                        <p:attrNameLst>
+                                          <p:attrName>ppt_y</p:attrName>
+                                        </p:attrNameLst>
+                                      </p:cBhvr>
+                                      <p:tavLst>
+                                        <p:tav tm="0">
+                                          <p:val>
+                                            <p:strVal val="1+#ppt_h/2"/>
+                                          </p:val>
+                                        </p:tav>
+                                        <p:tav tm="100000">
+                                          <p:val>
+                                            <p:strVal val="#ppt_y"/>
+                                          </p:val>
+                                        </p:tav>
+                                      </p:tavLst>
+                                    </p:anim>
+                                  </p:childTnLst>
+                                </p:cTn>
+                              </p:par>
+                            </p:childTnLst>
+                          </p:cTn>
+                        </p:par>
+                      </p:childTnLst>
+                    </p:cTn>
+                  </p:par>
+                  <p:par>
+                    <p:cTn id="9" fill="hold">
+                      <p:stCondLst>
+                        <p:cond delay="indefinite"/>
+                      </p:stCondLst>
+                      <p:childTnLst>
+                        <p:par>
+                          <p:cTn id="10" fill="hold">
+                            <p:stCondLst>
+                              <p:cond delay="0"/>
+                            </p:stCondLst>
+                            <p:childTnLst>
+                              <p:par>
+                                <p:cTn id="11" presetID="42" presetClass="entr" presetSubtype="0" fill="hold" grpId="0" nodeType="clickEffect">
+                                  <p:stCondLst>
+                                    <p:cond delay="0"/>
+                                  </p:stCondLst>
+                                  <p:childTnLst>
+                                    <p:set>
+                                      <p:cBhvr>
+                                        <p:cTn id="12" dur="1" fill="hold">
+                                          <p:stCondLst>
+                                            <p:cond delay="0"/>
+                                          </p:stCondLst>
+                                        </p:cTn>
+                                        <p:tgtEl>
+                                          <p:spTgt spid="5">
+                                            <p:txEl>
+                                              <p:pRg st="0" end="0"/>
+                                            </p:txEl>
+                                          </p:spTgt>
+                                        </p:tgtEl>
+                                        <p:attrNameLst>
+                                          <p:attrName>style.visibility</p:attrName>
+                                        </p:attrNameLst>
+                                      </p:cBhvr>
+                                      <p:to>
+                                        <p:strVal val="visible"/>
+                                      </p:to>
+                                    </p:set>
+                                    <p:animEffect transition="in" filter="fade">
+                                      <p:cBhvr>
+                                        <p:cTn id="13" dur="1000"/>
+                                        <p:tgtEl>
+                                          <p:spTgt spid="5">
+                                            <p:txEl>
+                                              <p:pRg st="0" end="0"/>
+                                            </p:txEl>
+                                          </p:spTgt>
+                                        </p:tgtEl>
+                                      </p:cBhvr>
+                                    </p:animEffect>
+                                    <p:anim calcmode="lin" valueType="num">
+                                      <p:cBhvr>
+                                        <p:cTn id="14" dur="1000" fill="hold"/>
+                                        <p:tgtEl>
+                                          <p:spTgt spid="5">
+                                            <p:txEl>
+                                              <p:pRg st="0" end="0"/>
+                                            </p:txEl>
+                                          </p:spTgt>
+                                        </p:tgtEl>
+                                        <p:attrNameLst>
+                                          <p:attrName>ppt_x</p:attrName>
+                                        </p:attrNameLst>
+                                      </p:cBhvr>
+                                      <p:tavLst>
+                                        <p:tav tm="0">
+                                          <p:val>
+                                            <p:strVal val="#ppt_x"/>
+                                          </p:val>
+                                        </p:tav>
+                                        <p:tav tm="100000">
+                                          <p:val>
+                                            <p:strVal val="#ppt_x"/>
+                                          </p:val>
+                                        </p:tav>
+                                      </p:tavLst>
+                                    </p:anim>
+                                    <p:anim calcmode="lin" valueType="num">
+                                      <p:cBhvr>
+                                        <p:cTn id="15" dur="1000" fill="hold"/>
+                                        <p:tgtEl>
+                                          <p:spTgt spid="5">
+                                            <p:txEl>
+                                              <p:pRg st="0" end="0"/>
+                                            </p:txEl>
+                                          </p:spTgt>
+                                        </p:tgtEl>
+                                        <p:attrNameLst>
+                                          <p:attrName>ppt_y</p:attrName>
+                                        </p:attrNameLst>
+                                      </p:cBhvr>
+                                      <p:tavLst>
+                                        <p:tav tm="0">
+                                          <p:val>
+                                            <p:strVal val="#ppt_y+.1"/>
+                                          </p:val>
+                                        </p:tav>
+                                        <p:tav tm="100000">
+                                          <p:val>
+                                            <p:strVal val="#ppt_y"/>
+                                          </p:val>
+                                        </p:tav>
+                                      </p:tavLst>
+                                    </p:anim>
+                                  </p:childTnLst>
+                                </p:cTn>
+                              </p:par>
+                            </p:childTnLst>
+                          </p:cTn>
+                        </p:par>
+                      </p:childTnLst>
+                    </p:cTn>
+                  </p:par>
+                  <p:par>
+                    <p:cTn id="16" fill="hold">
+                      <p:stCondLst>
+                        <p:cond delay="indefinite"/>
+                      </p:stCondLst>
+                      <p:childTnLst>
+                        <p:par>
+                          <p:cTn id="17" fill="hold">
+                            <p:stCondLst>
+                              <p:cond delay="0"/>
+                            </p:stCondLst>
+                            <p:childTnLst>
+                              <p:par>
+                                <p:cTn id="18" presetID="42" presetClass="entr" presetSubtype="0" fill="hold" grpId="0" nodeType="clickEffect">
+                                  <p:stCondLst>
+                                    <p:cond delay="0"/>
+                                  </p:stCondLst>
+                                  <p:childTnLst>
+                                    <p:set>
+                                      <p:cBhvr>
+                                        <p:cTn id="19" dur="1" fill="hold">
+                                          <p:stCondLst>
+                                            <p:cond delay="0"/>
+                                          </p:stCondLst>
+                                        </p:cTn>
+                                        <p:tgtEl>
+                                          <p:spTgt spid="5">
+                                            <p:txEl>
+                                              <p:pRg st="1" end="1"/>
+                                            </p:txEl>
+                                          </p:spTgt>
+                                        </p:tgtEl>
+                                        <p:attrNameLst>
+                                          <p:attrName>style.visibility</p:attrName>
+                                        </p:attrNameLst>
+                                      </p:cBhvr>
+                                      <p:to>
+                                        <p:strVal val="visible"/>
+                                      </p:to>
+                                    </p:set>
+                                    <p:animEffect transition="in" filter="fade">
+                                      <p:cBhvr>
+                                        <p:cTn id="20" dur="1000"/>
+                                        <p:tgtEl>
+                                          <p:spTgt spid="5">
+                                            <p:txEl>
+                                              <p:pRg st="1" end="1"/>
+                                            </p:txEl>
+                                          </p:spTgt>
+                                        </p:tgtEl>
+                                      </p:cBhvr>
+                                    </p:animEffect>
+                                    <p:anim calcmode="lin" valueType="num">
+                                      <p:cBhvr>
+                                        <p:cTn id="21" dur="1000" fill="hold"/>
+                                        <p:tgtEl>
+                                          <p:spTgt spid="5">
+                                            <p:txEl>
+                                              <p:pRg st="1" end="1"/>
+                                            </p:txEl>
+                                          </p:spTgt>
+                                        </p:tgtEl>
+                                        <p:attrNameLst>
+                                          <p:attrName>ppt_x</p:attrName>
+                                        </p:attrNameLst>
+                                      </p:cBhvr>
+                                      <p:tavLst>
+                                        <p:tav tm="0">
+                                          <p:val>
+                                            <p:strVal val="#ppt_x"/>
+                                          </p:val>
+                                        </p:tav>
+                                        <p:tav tm="100000">
+                                          <p:val>
+                                            <p:strVal val="#ppt_x"/>
+                                          </p:val>
+                                        </p:tav>
+                                      </p:tavLst>
+                                    </p:anim>
+                                    <p:anim calcmode="lin" valueType="num">
+                                      <p:cBhvr>
+                                        <p:cTn id="22" dur="1000" fill="hold"/>
+                                        <p:tgtEl>
+                                          <p:spTgt spid="5">
+                                            <p:txEl>
+                                              <p:pRg st="1" end="1"/>
+                                            </p:txEl>
+                                          </p:spTgt>
+                                        </p:tgtEl>
+                                        <p:attrNameLst>
+                                          <p:attrName>ppt_y</p:attrName>
+                                        </p:attrNameLst>
+                                      </p:cBhvr>
+                                      <p:tavLst>
+                                        <p:tav tm="0">
+                                          <p:val>
+                                            <p:strVal val="#ppt_y+.1"/>
+                                          </p:val>
+                                        </p:tav>
+                                        <p:tav tm="100000">
+                                          <p:val>
+                                            <p:strVal val="#ppt_y"/>
+                                          </p:val>
+                                        </p:tav>
+                                      </p:tavLst>
+                                    </p:anim>
+                                  </p:childTnLst>
+                                </p:cTn>
+                              </p:par>
+                            </p:childTnLst>
+                          </p:cTn>
+                        </p:par>
+                      </p:childTnLst>
+                    </p:cTn>
+                  </p:par>
+                </p:childTnLst>
+              </p:cTn>
+              <p:prevCondLst>
+                <p:cond evt="onPrev" delay="0">
+                  <p:tgtEl>
+                    <p:sldTgt/>
+                  </p:tgtEl>
+                </p:cond>
+              </p:prevCondLst>
+              <p:nextCondLst>
+                <p:cond evt="onNext" delay="0">
+                  <p:tgtEl>
+                    <p:sldTgt/>
+                  </p:tgtEl>
+                </p:cond>
+              </p:nextCondLst>
+            </p:seq>
+          </p:childTnLst>
+        </p:cTn>
+      </p:par>
+    </p:tnLst>
+    <p:bldLst>
+      <p:bldP spid="5" grpId="0" build="p"/>
+    </p:bldLst>
+  </p:timing>
+</p:sld>
+</file>
+
+<file path=ppt/slides/slide6.xml><?xml version="1.0" encoding="utf-8"?>
+<p:sld xmlns:a="http://schemas.openxmlformats.org/drawingml/2006/main" xmlns:r="http://schemas.openxmlformats.org/officeDocument/2006/relationships" xmlns:p="http://schemas.openxmlformats.org/presentationml/2006/main">
+  <p:cSld>
+    <p:spTree>
+      <p:nvGrpSpPr>
+        <p:cNvPr id="1" name=""/>
+        <p:cNvGrpSpPr/>
+        <p:nvPr/>
+      </p:nvGrpSpPr>
+      <p:grpSpPr>
+        <a:xfrm>
+          <a:off x="0" y="0"/>
+          <a:ext cx="0" cy="0"/>
+          <a:chOff x="0" y="0"/>
+          <a:chExt cx="0" cy="0"/>
+        </a:xfrm>
+      </p:grpSpPr>
+      <p:sp>
+        <p:nvSpPr>
+          <p:cNvPr id="4" name="Title 3"/>
+          <p:cNvSpPr>
+            <a:spLocks noGrp="1"/>
+          </p:cNvSpPr>
+          <p:nvPr>
+            <p:ph type="ctrTitle"/>
+          </p:nvPr>
+        </p:nvSpPr>
+        <p:spPr>
+          <a:xfrm>
+            <a:off x="3046412" y="202176"/>
+            <a:ext cx="8987207" cy="2000251"/>
+          </a:xfrm>
+          <a:effectLst>
+            <a:outerShdw blurRad="50800" dist="38100" algn="l" rotWithShape="0">
+              <a:prstClr val="black">
+                <a:alpha val="40000"/>
+              </a:prstClr>
+            </a:outerShdw>
+          </a:effectLst>
+        </p:spPr>
+        <p:txBody>
+          <a:bodyPr>
+            <a:normAutofit fontScale="90000"/>
+          </a:bodyPr>
+          <a:lstStyle/>
+          <a:p>
+            <a:pPr algn="ctr"/>
+            <a:r>
+              <a:rPr lang="en-US" sz="6700" dirty="0" smtClean="0">
+                <a:solidFill>
+                  <a:srgbClr val="FFFF00"/>
+                </a:solidFill>
+              </a:rPr>
+              <a:t>                                       </a:t>
+            </a:r>
+            <a:r>
+              <a:rPr lang="en-US" sz="8000" i="1" dirty="0" smtClean="0">
+                <a:solidFill>
+                  <a:srgbClr val="FF0000"/>
+                </a:solidFill>
+                <a:effectLst>
+                  <a:outerShdw blurRad="38100" dist="38100" dir="2700000" algn="tl">
+                    <a:srgbClr val="000000">
+                      <a:alpha val="43137"/>
+                    </a:srgbClr>
+                  </a:outerShdw>
+                </a:effectLst>
+                <a:latin typeface="Algerian" panose="04020705040A02060702" pitchFamily="82" charset="0"/>
+              </a:rPr>
+              <a:t>TEAM“MOON ORCHID”</a:t>
+            </a:r>
+            <a:r>
+              <a:rPr lang="en-US" dirty="0">
+                <a:solidFill>
+                  <a:srgbClr val="FFFF00"/>
+                </a:solidFill>
+              </a:rPr>
+              <a:t/>
+            </a:r>
+            <a:br>
+              <a:rPr lang="en-US" dirty="0">
+                <a:solidFill>
+                  <a:srgbClr val="FFFF00"/>
+                </a:solidFill>
+              </a:rPr>
+            </a:br>
+            <a:endParaRPr lang="bg-BG" dirty="0"/>
+          </a:p>
+        </p:txBody>
+      </p:sp>
+      <p:sp>
+        <p:nvSpPr>
+          <p:cNvPr id="5" name="Subtitle 4"/>
+          <p:cNvSpPr>
+            <a:spLocks noGrp="1"/>
+          </p:cNvSpPr>
+          <p:nvPr>
+            <p:ph type="subTitle" idx="1"/>
+          </p:nvPr>
+        </p:nvSpPr>
+        <p:spPr>
+          <a:xfrm>
+            <a:off x="3579812" y="2202427"/>
+            <a:ext cx="8168942" cy="3664973"/>
+          </a:xfrm>
+        </p:spPr>
+        <p:txBody>
+          <a:bodyPr>
+            <a:noAutofit/>
+          </a:bodyPr>
+          <a:lstStyle/>
+          <a:p>
+            <a:pPr marL="571500" indent="-571500" algn="l">
+              <a:buFont typeface="Wingdings" panose="05000000000000000000" pitchFamily="2" charset="2"/>
+              <a:buChar char="Ø"/>
+            </a:pPr>
+            <a:r>
+              <a:rPr lang="en-US" sz="4800" b="1" dirty="0" smtClean="0">
+                <a:solidFill>
+                  <a:srgbClr val="FF0000"/>
+                </a:solidFill>
+                <a:effectLst>
+                  <a:outerShdw blurRad="38100" dist="38100" dir="2700000" algn="tl">
+                    <a:srgbClr val="000000">
+                      <a:alpha val="43137"/>
+                    </a:srgbClr>
+                  </a:outerShdw>
+                </a:effectLst>
+                <a:latin typeface="Algerian" panose="04020705040A02060702" pitchFamily="82" charset="0"/>
+              </a:rPr>
+              <a:t>Spammer in softuni forum</a:t>
+            </a:r>
+          </a:p>
+          <a:p>
+            <a:pPr marL="571500" indent="-571500" algn="l">
+              <a:buFont typeface="Wingdings" panose="05000000000000000000" pitchFamily="2" charset="2"/>
+              <a:buChar char="Ø"/>
+            </a:pPr>
+            <a:r>
+              <a:rPr lang="en-US" sz="4800" b="1" dirty="0" err="1" smtClean="0">
+                <a:solidFill>
+                  <a:srgbClr val="FF0000"/>
+                </a:solidFill>
+                <a:effectLst>
+                  <a:outerShdw blurRad="38100" dist="38100" dir="2700000" algn="tl">
+                    <a:srgbClr val="000000">
+                      <a:alpha val="43137"/>
+                    </a:srgbClr>
+                  </a:outerShdw>
+                </a:effectLst>
+                <a:latin typeface="Algerian" panose="04020705040A02060702" pitchFamily="82" charset="0"/>
+              </a:rPr>
+              <a:t>Presentator</a:t>
+            </a:r>
+            <a:endParaRPr lang="en-US" sz="4800" b="1" dirty="0">
+              <a:solidFill>
+                <a:srgbClr val="FF0000"/>
+              </a:solidFill>
+              <a:effectLst>
+                <a:outerShdw blurRad="38100" dist="38100" dir="2700000" algn="tl">
+                  <a:srgbClr val="000000">
+                    <a:alpha val="43137"/>
+                  </a:srgbClr>
+                </a:outerShdw>
+              </a:effectLst>
+              <a:latin typeface="Algerian" panose="04020705040A02060702" pitchFamily="82" charset="0"/>
+            </a:endParaRPr>
+          </a:p>
+        </p:txBody>
+      </p:sp>
+      <p:sp>
+        <p:nvSpPr>
+          <p:cNvPr id="2" name="Slide Number Placeholder 1"/>
+          <p:cNvSpPr>
+            <a:spLocks noGrp="1"/>
+          </p:cNvSpPr>
+          <p:nvPr>
+            <p:ph type="sldNum" sz="quarter" idx="4294967295"/>
+          </p:nvPr>
+        </p:nvSpPr>
+        <p:spPr>
+          <a:xfrm>
+            <a:off x="11760200" y="6524625"/>
+            <a:ext cx="428625" cy="196850"/>
+          </a:xfrm>
+        </p:spPr>
+        <p:txBody>
+          <a:bodyPr/>
+          <a:lstStyle/>
+          <a:p>
+            <a:fld id="{C014DD1E-5D91-48A3-AD6D-45FBA980D106}" type="slidenum">
+              <a:rPr lang="en-US" smtClean="0">
+                <a:solidFill>
+                  <a:prstClr val="white">
+                    <a:tint val="75000"/>
+                  </a:prstClr>
+                </a:solidFill>
+              </a:rPr>
+              <a:pPr/>
+              <a:t>6</a:t>
+            </a:fld>
+            <a:endParaRPr lang="en-US" dirty="0">
+              <a:solidFill>
+                <a:prstClr val="white">
+                  <a:tint val="75000"/>
+                </a:prstClr>
+              </a:solidFill>
+            </a:endParaRPr>
+          </a:p>
+        </p:txBody>
+      </p:sp>
+      <p:pic>
+        <p:nvPicPr>
+          <p:cNvPr id="6" name="Picture 5"/>
+          <p:cNvPicPr>
+            <a:picLocks noChangeAspect="1"/>
+          </p:cNvPicPr>
+          <p:nvPr/>
+        </p:nvPicPr>
+        <p:blipFill>
+          <a:blip r:embed="rId2"/>
+          <a:stretch>
+            <a:fillRect/>
+          </a:stretch>
+        </p:blipFill>
+        <p:spPr>
+          <a:xfrm>
+            <a:off x="912122" y="2175923"/>
+            <a:ext cx="2134290" cy="3038061"/>
+          </a:xfrm>
+          <a:prstGeom prst="rect">
+            <a:avLst/>
+          </a:prstGeom>
+        </p:spPr>
+      </p:pic>
+    </p:spTree>
+    <p:extLst>
+      <p:ext uri="{BB962C8B-B14F-4D97-AF65-F5344CB8AC3E}">
+        <p14:creationId xmlns:p14="http://schemas.microsoft.com/office/powerpoint/2010/main" val="1888881110"/>
+      </p:ext>
+    </p:extLst>
+  </p:cSld>
+  <p:clrMapOvr>
+    <a:masterClrMapping/>
+  </p:clrMapOvr>
+  <mc:AlternateContent xmlns:mc="http://schemas.openxmlformats.org/markup-compatibility/2006" xmlns:p14="http://schemas.microsoft.com/office/powerpoint/2010/main">
+    <mc:Choice Requires="p14">
+      <p:transition p14:dur="0"/>
+    </mc:Choice>
+    <mc:Fallback xmlns="">
+      <p:transition/>
+    </mc:Fallback>
+  </mc:AlternateContent>
+  <p:timing>
+    <p:tnLst>
+      <p:par>
+        <p:cTn id="1" dur="indefinite" restart="never" nodeType="tmRoot">
+          <p:childTnLst>
+            <p:seq concurrent="1" nextAc="seek">
+              <p:cTn id="2" dur="indefinite" nodeType="mainSeq">
+                <p:childTnLst>
+                  <p:par>
+                    <p:cTn id="3" fill="hold">
+                      <p:stCondLst>
+                        <p:cond delay="indefinite"/>
+                      </p:stCondLst>
+                      <p:childTnLst>
+                        <p:par>
+                          <p:cTn id="4" fill="hold">
+                            <p:stCondLst>
+                              <p:cond delay="0"/>
+                            </p:stCondLst>
+                            <p:childTnLst>
+                              <p:par>
+                                <p:cTn id="5" presetID="2" presetClass="entr" presetSubtype="4" fill="hold" nodeType="clickEffect">
+                                  <p:stCondLst>
+                                    <p:cond delay="0"/>
+                                  </p:stCondLst>
+                                  <p:childTnLst>
+                                    <p:set>
+                                      <p:cBhvr>
+                                        <p:cTn id="6" dur="1" fill="hold">
+                                          <p:stCondLst>
+                                            <p:cond delay="0"/>
+                                          </p:stCondLst>
+                                        </p:cTn>
+                                        <p:tgtEl>
+                                          <p:spTgt spid="6"/>
+                                        </p:tgtEl>
+                                        <p:attrNameLst>
+                                          <p:attrName>style.visibility</p:attrName>
+                                        </p:attrNameLst>
+                                      </p:cBhvr>
+                                      <p:to>
+                                        <p:strVal val="visible"/>
+                                      </p:to>
+                                    </p:set>
+                                    <p:anim calcmode="lin" valueType="num">
+                                      <p:cBhvr additive="base">
+                                        <p:cTn id="7" dur="500" fill="hold"/>
+                                        <p:tgtEl>
+                                          <p:spTgt spid="6"/>
+                                        </p:tgtEl>
+                                        <p:attrNameLst>
+                                          <p:attrName>ppt_x</p:attrName>
+                                        </p:attrNameLst>
+                                      </p:cBhvr>
+                                      <p:tavLst>
+                                        <p:tav tm="0">
+                                          <p:val>
+                                            <p:strVal val="#ppt_x"/>
+                                          </p:val>
+                                        </p:tav>
+                                        <p:tav tm="100000">
+                                          <p:val>
+                                            <p:strVal val="#ppt_x"/>
+                                          </p:val>
+                                        </p:tav>
+                                      </p:tavLst>
+                                    </p:anim>
+                                    <p:anim calcmode="lin" valueType="num">
+                                      <p:cBhvr additive="base">
+                                        <p:cTn id="8" dur="500" fill="hold"/>
+                                        <p:tgtEl>
+                                          <p:spTgt spid="6"/>
+                                        </p:tgtEl>
+                                        <p:attrNameLst>
+                                          <p:attrName>ppt_y</p:attrName>
+                                        </p:attrNameLst>
+                                      </p:cBhvr>
+                                      <p:tavLst>
+                                        <p:tav tm="0">
+                                          <p:val>
+                                            <p:strVal val="1+#ppt_h/2"/>
+                                          </p:val>
+                                        </p:tav>
+                                        <p:tav tm="100000">
+                                          <p:val>
+                                            <p:strVal val="#ppt_y"/>
+                                          </p:val>
+                                        </p:tav>
+                                      </p:tavLst>
+                                    </p:anim>
+                                  </p:childTnLst>
+                                </p:cTn>
+                              </p:par>
+                            </p:childTnLst>
+                          </p:cTn>
+                        </p:par>
+                      </p:childTnLst>
+                    </p:cTn>
+                  </p:par>
+                  <p:par>
+                    <p:cTn id="9" fill="hold">
+                      <p:stCondLst>
+                        <p:cond delay="indefinite"/>
+                      </p:stCondLst>
+                      <p:childTnLst>
+                        <p:par>
+                          <p:cTn id="10" fill="hold">
+                            <p:stCondLst>
+                              <p:cond delay="0"/>
+                            </p:stCondLst>
+                            <p:childTnLst>
+                              <p:par>
+                                <p:cTn id="11" presetID="42" presetClass="entr" presetSubtype="0" fill="hold" grpId="0" nodeType="clickEffect">
+                                  <p:stCondLst>
+                                    <p:cond delay="0"/>
+                                  </p:stCondLst>
+                                  <p:childTnLst>
+                                    <p:set>
+                                      <p:cBhvr>
+                                        <p:cTn id="12" dur="1" fill="hold">
+                                          <p:stCondLst>
+                                            <p:cond delay="0"/>
+                                          </p:stCondLst>
+                                        </p:cTn>
+                                        <p:tgtEl>
+                                          <p:spTgt spid="5">
+                                            <p:txEl>
+                                              <p:pRg st="0" end="0"/>
+                                            </p:txEl>
+                                          </p:spTgt>
+                                        </p:tgtEl>
+                                        <p:attrNameLst>
+                                          <p:attrName>style.visibility</p:attrName>
+                                        </p:attrNameLst>
+                                      </p:cBhvr>
+                                      <p:to>
+                                        <p:strVal val="visible"/>
+                                      </p:to>
+                                    </p:set>
+                                    <p:animEffect transition="in" filter="fade">
+                                      <p:cBhvr>
+                                        <p:cTn id="13" dur="1000"/>
+                                        <p:tgtEl>
+                                          <p:spTgt spid="5">
+                                            <p:txEl>
+                                              <p:pRg st="0" end="0"/>
+                                            </p:txEl>
+                                          </p:spTgt>
+                                        </p:tgtEl>
+                                      </p:cBhvr>
+                                    </p:animEffect>
+                                    <p:anim calcmode="lin" valueType="num">
+                                      <p:cBhvr>
+                                        <p:cTn id="14" dur="1000" fill="hold"/>
+                                        <p:tgtEl>
+                                          <p:spTgt spid="5">
+                                            <p:txEl>
+                                              <p:pRg st="0" end="0"/>
+                                            </p:txEl>
+                                          </p:spTgt>
+                                        </p:tgtEl>
+                                        <p:attrNameLst>
+                                          <p:attrName>ppt_x</p:attrName>
+                                        </p:attrNameLst>
+                                      </p:cBhvr>
+                                      <p:tavLst>
+                                        <p:tav tm="0">
+                                          <p:val>
+                                            <p:strVal val="#ppt_x"/>
+                                          </p:val>
+                                        </p:tav>
+                                        <p:tav tm="100000">
+                                          <p:val>
+                                            <p:strVal val="#ppt_x"/>
+                                          </p:val>
+                                        </p:tav>
+                                      </p:tavLst>
+                                    </p:anim>
+                                    <p:anim calcmode="lin" valueType="num">
+                                      <p:cBhvr>
+                                        <p:cTn id="15" dur="1000" fill="hold"/>
+                                        <p:tgtEl>
+                                          <p:spTgt spid="5">
+                                            <p:txEl>
+                                              <p:pRg st="0" end="0"/>
+                                            </p:txEl>
+                                          </p:spTgt>
+                                        </p:tgtEl>
+                                        <p:attrNameLst>
+                                          <p:attrName>ppt_y</p:attrName>
+                                        </p:attrNameLst>
+                                      </p:cBhvr>
+                                      <p:tavLst>
+                                        <p:tav tm="0">
+                                          <p:val>
+                                            <p:strVal val="#ppt_y+.1"/>
+                                          </p:val>
+                                        </p:tav>
+                                        <p:tav tm="100000">
+                                          <p:val>
+                                            <p:strVal val="#ppt_y"/>
+                                          </p:val>
+                                        </p:tav>
+                                      </p:tavLst>
+                                    </p:anim>
+                                  </p:childTnLst>
+                                </p:cTn>
+                              </p:par>
+                            </p:childTnLst>
+                          </p:cTn>
+                        </p:par>
+                      </p:childTnLst>
+                    </p:cTn>
+                  </p:par>
+                  <p:par>
+                    <p:cTn id="16" fill="hold">
+                      <p:stCondLst>
+                        <p:cond delay="indefinite"/>
+                      </p:stCondLst>
+                      <p:childTnLst>
+                        <p:par>
+                          <p:cTn id="17" fill="hold">
+                            <p:stCondLst>
+                              <p:cond delay="0"/>
+                            </p:stCondLst>
+                            <p:childTnLst>
+                              <p:par>
+                                <p:cTn id="18" presetID="42" presetClass="entr" presetSubtype="0" fill="hold" grpId="0" nodeType="clickEffect">
+                                  <p:stCondLst>
+                                    <p:cond delay="0"/>
+                                  </p:stCondLst>
+                                  <p:childTnLst>
+                                    <p:set>
+                                      <p:cBhvr>
+                                        <p:cTn id="19" dur="1" fill="hold">
+                                          <p:stCondLst>
+                                            <p:cond delay="0"/>
+                                          </p:stCondLst>
+                                        </p:cTn>
+                                        <p:tgtEl>
+                                          <p:spTgt spid="5">
+                                            <p:txEl>
+                                              <p:pRg st="1" end="1"/>
+                                            </p:txEl>
+                                          </p:spTgt>
+                                        </p:tgtEl>
+                                        <p:attrNameLst>
+                                          <p:attrName>style.visibility</p:attrName>
+                                        </p:attrNameLst>
+                                      </p:cBhvr>
+                                      <p:to>
+                                        <p:strVal val="visible"/>
+                                      </p:to>
+                                    </p:set>
+                                    <p:animEffect transition="in" filter="fade">
+                                      <p:cBhvr>
+                                        <p:cTn id="20" dur="1000"/>
+                                        <p:tgtEl>
+                                          <p:spTgt spid="5">
+                                            <p:txEl>
+                                              <p:pRg st="1" end="1"/>
+                                            </p:txEl>
+                                          </p:spTgt>
+                                        </p:tgtEl>
+                                      </p:cBhvr>
+                                    </p:animEffect>
+                                    <p:anim calcmode="lin" valueType="num">
+                                      <p:cBhvr>
+                                        <p:cTn id="21" dur="1000" fill="hold"/>
+                                        <p:tgtEl>
+                                          <p:spTgt spid="5">
+                                            <p:txEl>
+                                              <p:pRg st="1" end="1"/>
+                                            </p:txEl>
+                                          </p:spTgt>
+                                        </p:tgtEl>
+                                        <p:attrNameLst>
+                                          <p:attrName>ppt_x</p:attrName>
+                                        </p:attrNameLst>
+                                      </p:cBhvr>
+                                      <p:tavLst>
+                                        <p:tav tm="0">
+                                          <p:val>
+                                            <p:strVal val="#ppt_x"/>
+                                          </p:val>
+                                        </p:tav>
+                                        <p:tav tm="100000">
+                                          <p:val>
+                                            <p:strVal val="#ppt_x"/>
+                                          </p:val>
+                                        </p:tav>
+                                      </p:tavLst>
+                                    </p:anim>
+                                    <p:anim calcmode="lin" valueType="num">
+                                      <p:cBhvr>
+                                        <p:cTn id="22" dur="1000" fill="hold"/>
+                                        <p:tgtEl>
+                                          <p:spTgt spid="5">
+                                            <p:txEl>
+                                              <p:pRg st="1" end="1"/>
+                                            </p:txEl>
+                                          </p:spTgt>
+                                        </p:tgtEl>
+                                        <p:attrNameLst>
+                                          <p:attrName>ppt_y</p:attrName>
+                                        </p:attrNameLst>
+                                      </p:cBhvr>
+                                      <p:tavLst>
+                                        <p:tav tm="0">
+                                          <p:val>
+                                            <p:strVal val="#ppt_y+.1"/>
+                                          </p:val>
+                                        </p:tav>
+                                        <p:tav tm="100000">
+                                          <p:val>
+                                            <p:strVal val="#ppt_y"/>
+                                          </p:val>
+                                        </p:tav>
+                                      </p:tavLst>
+                                    </p:anim>
+                                  </p:childTnLst>
+                                </p:cTn>
+                              </p:par>
+                            </p:childTnLst>
+                          </p:cTn>
+                        </p:par>
+                      </p:childTnLst>
+                    </p:cTn>
+                  </p:par>
+                </p:childTnLst>
+              </p:cTn>
+              <p:prevCondLst>
+                <p:cond evt="onPrev" delay="0">
+                  <p:tgtEl>
+                    <p:sldTgt/>
+                  </p:tgtEl>
+                </p:cond>
+              </p:prevCondLst>
+              <p:nextCondLst>
+                <p:cond evt="onNext" delay="0">
+                  <p:tgtEl>
+                    <p:sldTgt/>
+                  </p:tgtEl>
+                </p:cond>
+              </p:nextCondLst>
+            </p:seq>
+          </p:childTnLst>
+        </p:cTn>
+      </p:par>
+    </p:tnLst>
+    <p:bldLst>
+      <p:bldP spid="5" grpId="0" build="p"/>
+    </p:bldLst>
+  </p:timing>
+</p:sld>
+</file>
+
+<file path=ppt/slides/slide7.xml><?xml version="1.0" encoding="utf-8"?>
+<p:sld xmlns:a="http://schemas.openxmlformats.org/drawingml/2006/main" xmlns:r="http://schemas.openxmlformats.org/officeDocument/2006/relationships" xmlns:p="http://schemas.openxmlformats.org/presentationml/2006/main">
+  <p:cSld>
+    <p:spTree>
+      <p:nvGrpSpPr>
+        <p:cNvPr id="1" name=""/>
+        <p:cNvGrpSpPr/>
+        <p:nvPr/>
+      </p:nvGrpSpPr>
+      <p:grpSpPr>
+        <a:xfrm>
+          <a:off x="0" y="0"/>
+          <a:ext cx="0" cy="0"/>
+          <a:chOff x="0" y="0"/>
+          <a:chExt cx="0" cy="0"/>
+        </a:xfrm>
+      </p:grpSpPr>
+      <p:sp>
+        <p:nvSpPr>
+          <p:cNvPr id="4" name="Title 3"/>
+          <p:cNvSpPr>
+            <a:spLocks noGrp="1"/>
+          </p:cNvSpPr>
+          <p:nvPr>
+            <p:ph type="ctrTitle"/>
+          </p:nvPr>
+        </p:nvSpPr>
+        <p:spPr>
+          <a:xfrm>
+            <a:off x="3046412" y="202176"/>
+            <a:ext cx="8987207" cy="2000251"/>
+          </a:xfrm>
+          <a:effectLst>
+            <a:outerShdw blurRad="50800" dist="38100" algn="l" rotWithShape="0">
+              <a:prstClr val="black">
+                <a:alpha val="40000"/>
+              </a:prstClr>
+            </a:outerShdw>
+          </a:effectLst>
+        </p:spPr>
+        <p:txBody>
+          <a:bodyPr>
+            <a:normAutofit fontScale="90000"/>
+          </a:bodyPr>
+          <a:lstStyle/>
+          <a:p>
+            <a:pPr algn="ctr"/>
+            <a:r>
+              <a:rPr lang="en-US" sz="6700" dirty="0" smtClean="0">
+                <a:solidFill>
+                  <a:srgbClr val="FFFF00"/>
+                </a:solidFill>
+              </a:rPr>
+              <a:t>                                       </a:t>
+            </a:r>
+            <a:r>
+              <a:rPr lang="en-US" sz="8000" i="1" dirty="0" smtClean="0">
+                <a:solidFill>
+                  <a:srgbClr val="FF0000"/>
+                </a:solidFill>
+                <a:effectLst>
+                  <a:outerShdw blurRad="38100" dist="38100" dir="2700000" algn="tl">
+                    <a:srgbClr val="000000">
+                      <a:alpha val="43137"/>
+                    </a:srgbClr>
+                  </a:outerShdw>
+                </a:effectLst>
+                <a:latin typeface="Algerian" panose="04020705040A02060702" pitchFamily="82" charset="0"/>
+              </a:rPr>
+              <a:t>TEAM“MOON ORCHID”</a:t>
+            </a:r>
+            <a:r>
+              <a:rPr lang="en-US" dirty="0">
+                <a:solidFill>
+                  <a:srgbClr val="FFFF00"/>
+                </a:solidFill>
+              </a:rPr>
+              <a:t/>
+            </a:r>
+            <a:br>
+              <a:rPr lang="en-US" dirty="0">
+                <a:solidFill>
+                  <a:srgbClr val="FFFF00"/>
+                </a:solidFill>
+              </a:rPr>
+            </a:br>
+            <a:endParaRPr lang="bg-BG" dirty="0"/>
+          </a:p>
+        </p:txBody>
+      </p:sp>
+      <p:sp>
+        <p:nvSpPr>
+          <p:cNvPr id="5" name="Subtitle 4"/>
+          <p:cNvSpPr>
+            <a:spLocks noGrp="1"/>
+          </p:cNvSpPr>
+          <p:nvPr>
+            <p:ph type="subTitle" idx="1"/>
+          </p:nvPr>
+        </p:nvSpPr>
+        <p:spPr>
+          <a:xfrm>
+            <a:off x="3579812" y="2202427"/>
+            <a:ext cx="8168942" cy="3664973"/>
+          </a:xfrm>
+        </p:spPr>
+        <p:txBody>
+          <a:bodyPr>
+            <a:noAutofit/>
+          </a:bodyPr>
+          <a:lstStyle/>
+          <a:p>
+            <a:pPr algn="l"/>
+            <a:r>
+              <a:rPr lang="en-US" sz="4800" b="1" dirty="0" smtClean="0">
+                <a:solidFill>
+                  <a:srgbClr val="FF0000"/>
+                </a:solidFill>
+                <a:effectLst>
+                  <a:outerShdw blurRad="38100" dist="38100" dir="2700000" algn="tl">
+                    <a:srgbClr val="000000">
+                      <a:alpha val="43137"/>
+                    </a:srgbClr>
+                  </a:outerShdw>
+                </a:effectLst>
+                <a:latin typeface="Algerian" panose="04020705040A02060702" pitchFamily="82" charset="0"/>
+              </a:rPr>
+              <a:t>   Our first idea</a:t>
+            </a:r>
+          </a:p>
+          <a:p>
+            <a:pPr algn="l"/>
+            <a:endParaRPr lang="en-US" sz="4800" b="1" dirty="0" smtClean="0">
+              <a:solidFill>
+                <a:srgbClr val="FF0000"/>
+              </a:solidFill>
+              <a:effectLst>
+                <a:outerShdw blurRad="38100" dist="38100" dir="2700000" algn="tl">
+                  <a:srgbClr val="000000">
+                    <a:alpha val="43137"/>
+                  </a:srgbClr>
+                </a:outerShdw>
+              </a:effectLst>
+              <a:latin typeface="Algerian" panose="04020705040A02060702" pitchFamily="82" charset="0"/>
+            </a:endParaRPr>
+          </a:p>
+          <a:p>
+            <a:pPr algn="l"/>
+            <a:r>
+              <a:rPr lang="en-US" sz="4800" b="1" dirty="0" smtClean="0">
+                <a:solidFill>
+                  <a:srgbClr val="FF0000"/>
+                </a:solidFill>
+                <a:effectLst>
+                  <a:outerShdw blurRad="38100" dist="38100" dir="2700000" algn="tl">
+                    <a:srgbClr val="000000">
+                      <a:alpha val="43137"/>
+                    </a:srgbClr>
+                  </a:outerShdw>
+                </a:effectLst>
+                <a:latin typeface="Algerian" panose="04020705040A02060702" pitchFamily="82" charset="0"/>
+              </a:rPr>
+              <a:t>   “super NAkov”</a:t>
+            </a:r>
+            <a:endParaRPr lang="en-US" sz="4800" b="1" dirty="0">
+              <a:solidFill>
+                <a:srgbClr val="FF0000"/>
+              </a:solidFill>
+              <a:effectLst>
+                <a:outerShdw blurRad="38100" dist="38100" dir="2700000" algn="tl">
+                  <a:srgbClr val="000000">
+                    <a:alpha val="43137"/>
+                  </a:srgbClr>
+                </a:outerShdw>
+              </a:effectLst>
+              <a:latin typeface="Algerian" panose="04020705040A02060702" pitchFamily="82" charset="0"/>
+            </a:endParaRPr>
+          </a:p>
+        </p:txBody>
+      </p:sp>
+      <p:sp>
+        <p:nvSpPr>
+          <p:cNvPr id="2" name="Slide Number Placeholder 1"/>
+          <p:cNvSpPr>
+            <a:spLocks noGrp="1"/>
+          </p:cNvSpPr>
+          <p:nvPr>
+            <p:ph type="sldNum" sz="quarter" idx="4294967295"/>
+          </p:nvPr>
+        </p:nvSpPr>
+        <p:spPr>
+          <a:xfrm>
+            <a:off x="11760200" y="6524625"/>
+            <a:ext cx="428625" cy="196850"/>
+          </a:xfrm>
+        </p:spPr>
+        <p:txBody>
+          <a:bodyPr/>
+          <a:lstStyle/>
+          <a:p>
+            <a:fld id="{C014DD1E-5D91-48A3-AD6D-45FBA980D106}" type="slidenum">
+              <a:rPr lang="en-US" smtClean="0">
+                <a:solidFill>
+                  <a:prstClr val="white">
+                    <a:tint val="75000"/>
+                  </a:prstClr>
+                </a:solidFill>
+              </a:rPr>
+              <a:pPr/>
+              <a:t>7</a:t>
+            </a:fld>
+            <a:endParaRPr lang="en-US" dirty="0">
+              <a:solidFill>
+                <a:prstClr val="white">
+                  <a:tint val="75000"/>
+                </a:prstClr>
+              </a:solidFill>
+            </a:endParaRPr>
+          </a:p>
+        </p:txBody>
+      </p:sp>
+      <p:pic>
+        <p:nvPicPr>
+          <p:cNvPr id="3" name="Picture 2"/>
+          <p:cNvPicPr>
+            <a:picLocks noChangeAspect="1"/>
+          </p:cNvPicPr>
+          <p:nvPr/>
+        </p:nvPicPr>
+        <p:blipFill>
+          <a:blip r:embed="rId2">
+            <a:extLst>
+              <a:ext uri="{28A0092B-C50C-407E-A947-70E740481C1C}">
+                <a14:useLocalDpi xmlns:a14="http://schemas.microsoft.com/office/drawing/2010/main" val="0"/>
+              </a:ext>
+            </a:extLst>
+          </a:blip>
+          <a:stretch>
+            <a:fillRect/>
+          </a:stretch>
+        </p:blipFill>
+        <p:spPr>
+          <a:xfrm>
+            <a:off x="808037" y="1752600"/>
+            <a:ext cx="1971675" cy="4305300"/>
+          </a:xfrm>
+          <a:prstGeom prst="rect">
+            <a:avLst/>
+          </a:prstGeom>
+        </p:spPr>
+      </p:pic>
+    </p:spTree>
+    <p:extLst>
+      <p:ext uri="{BB962C8B-B14F-4D97-AF65-F5344CB8AC3E}">
+        <p14:creationId xmlns:p14="http://schemas.microsoft.com/office/powerpoint/2010/main" val="3945181169"/>
+      </p:ext>
+    </p:extLst>
+  </p:cSld>
+  <p:clrMapOvr>
+    <a:masterClrMapping/>
+  </p:clrMapOvr>
+  <mc:AlternateContent xmlns:mc="http://schemas.openxmlformats.org/markup-compatibility/2006" xmlns:p14="http://schemas.microsoft.com/office/powerpoint/2010/main">
+    <mc:Choice Requires="p14">
+      <p:transition p14:dur="0"/>
+    </mc:Choice>
+    <mc:Fallback xmlns="">
+      <p:transition/>
+    </mc:Fallback>
+  </mc:AlternateContent>
+  <p:timing>
+    <p:tnLst>
+      <p:par>
+        <p:cTn id="1" dur="indefinite" restart="never" nodeType="tmRoot">
+          <p:childTnLst>
+            <p:seq concurrent="1" nextAc="seek">
+              <p:cTn id="2" dur="indefinite" nodeType="mainSeq">
+                <p:childTnLst>
+                  <p:par>
+                    <p:cTn id="3" fill="hold">
+                      <p:stCondLst>
+                        <p:cond delay="indefinite"/>
+                      </p:stCondLst>
+                      <p:childTnLst>
+                        <p:par>
+                          <p:cTn id="4" fill="hold">
+                            <p:stCondLst>
+                              <p:cond delay="0"/>
+                            </p:stCondLst>
+                            <p:childTnLst>
+                              <p:par>
+                                <p:cTn id="5" presetID="42" presetClass="entr" presetSubtype="0" fill="hold" grpId="0" nodeType="clickEffect">
+                                  <p:stCondLst>
+                                    <p:cond delay="0"/>
+                                  </p:stCondLst>
+                                  <p:childTnLst>
+                                    <p:set>
+                                      <p:cBhvr>
+                                        <p:cTn id="6" dur="1" fill="hold">
+                                          <p:stCondLst>
+                                            <p:cond delay="0"/>
+                                          </p:stCondLst>
+                                        </p:cTn>
+                                        <p:tgtEl>
+                                          <p:spTgt spid="5">
+                                            <p:txEl>
+                                              <p:pRg st="0" end="0"/>
+                                            </p:txEl>
+                                          </p:spTgt>
+                                        </p:tgtEl>
+                                        <p:attrNameLst>
+                                          <p:attrName>style.visibility</p:attrName>
+                                        </p:attrNameLst>
+                                      </p:cBhvr>
+                                      <p:to>
+                                        <p:strVal val="visible"/>
+                                      </p:to>
+                                    </p:set>
+                                    <p:animEffect transition="in" filter="fade">
+                                      <p:cBhvr>
+                                        <p:cTn id="7" dur="1000"/>
+                                        <p:tgtEl>
+                                          <p:spTgt spid="5">
+                                            <p:txEl>
+                                              <p:pRg st="0" end="0"/>
+                                            </p:txEl>
+                                          </p:spTgt>
+                                        </p:tgtEl>
+                                      </p:cBhvr>
+                                    </p:animEffect>
+                                    <p:anim calcmode="lin" valueType="num">
+                                      <p:cBhvr>
+                                        <p:cTn id="8" dur="1000" fill="hold"/>
+                                        <p:tgtEl>
+                                          <p:spTgt spid="5">
+                                            <p:txEl>
+                                              <p:pRg st="0" end="0"/>
+                                            </p:txEl>
+                                          </p:spTgt>
+                                        </p:tgtEl>
+                                        <p:attrNameLst>
+                                          <p:attrName>ppt_x</p:attrName>
+                                        </p:attrNameLst>
+                                      </p:cBhvr>
+                                      <p:tavLst>
+                                        <p:tav tm="0">
+                                          <p:val>
+                                            <p:strVal val="#ppt_x"/>
+                                          </p:val>
+                                        </p:tav>
+                                        <p:tav tm="100000">
+                                          <p:val>
+                                            <p:strVal val="#ppt_x"/>
+                                          </p:val>
+                                        </p:tav>
+                                      </p:tavLst>
+                                    </p:anim>
+                                    <p:anim calcmode="lin" valueType="num">
+                                      <p:cBhvr>
+                                        <p:cTn id="9" dur="1000" fill="hold"/>
+                                        <p:tgtEl>
+                                          <p:spTgt spid="5">
+                                            <p:txEl>
+                                              <p:pRg st="0" end="0"/>
+                                            </p:txEl>
+                                          </p:spTgt>
+                                        </p:tgtEl>
+                                        <p:attrNameLst>
+                                          <p:attrName>ppt_y</p:attrName>
+                                        </p:attrNameLst>
+                                      </p:cBhvr>
+                                      <p:tavLst>
+                                        <p:tav tm="0">
+                                          <p:val>
+                                            <p:strVal val="#ppt_y+.1"/>
+                                          </p:val>
+                                        </p:tav>
+                                        <p:tav tm="100000">
+                                          <p:val>
+                                            <p:strVal val="#ppt_y"/>
+                                          </p:val>
+                                        </p:tav>
+                                      </p:tavLst>
+                                    </p:anim>
+                                  </p:childTnLst>
+                                </p:cTn>
+                              </p:par>
+                            </p:childTnLst>
+                          </p:cTn>
+                        </p:par>
+                      </p:childTnLst>
+                    </p:cTn>
+                  </p:par>
+                  <p:par>
+                    <p:cTn id="10" fill="hold">
+                      <p:stCondLst>
+                        <p:cond delay="indefinite"/>
+                      </p:stCondLst>
+                      <p:childTnLst>
+                        <p:par>
+                          <p:cTn id="11" fill="hold">
+                            <p:stCondLst>
+                              <p:cond delay="0"/>
+                            </p:stCondLst>
+                            <p:childTnLst>
+                              <p:par>
+                                <p:cTn id="12" presetID="42" presetClass="entr" presetSubtype="0" fill="hold" grpId="0" nodeType="clickEffect">
+                                  <p:stCondLst>
+                                    <p:cond delay="0"/>
+                                  </p:stCondLst>
+                                  <p:childTnLst>
+                                    <p:set>
+                                      <p:cBhvr>
+                                        <p:cTn id="13" dur="1" fill="hold">
+                                          <p:stCondLst>
+                                            <p:cond delay="0"/>
+                                          </p:stCondLst>
+                                        </p:cTn>
+                                        <p:tgtEl>
+                                          <p:spTgt spid="5">
+                                            <p:txEl>
+                                              <p:pRg st="2" end="2"/>
+                                            </p:txEl>
+                                          </p:spTgt>
+                                        </p:tgtEl>
+                                        <p:attrNameLst>
+                                          <p:attrName>style.visibility</p:attrName>
+                                        </p:attrNameLst>
+                                      </p:cBhvr>
+                                      <p:to>
+                                        <p:strVal val="visible"/>
+                                      </p:to>
+                                    </p:set>
+                                    <p:animEffect transition="in" filter="fade">
+                                      <p:cBhvr>
+                                        <p:cTn id="14" dur="1000"/>
+                                        <p:tgtEl>
+                                          <p:spTgt spid="5">
+                                            <p:txEl>
+                                              <p:pRg st="2" end="2"/>
+                                            </p:txEl>
+                                          </p:spTgt>
+                                        </p:tgtEl>
+                                      </p:cBhvr>
+                                    </p:animEffect>
+                                    <p:anim calcmode="lin" valueType="num">
+                                      <p:cBhvr>
+                                        <p:cTn id="15" dur="1000" fill="hold"/>
+                                        <p:tgtEl>
+                                          <p:spTgt spid="5">
+                                            <p:txEl>
+                                              <p:pRg st="2" end="2"/>
+                                            </p:txEl>
+                                          </p:spTgt>
+                                        </p:tgtEl>
+                                        <p:attrNameLst>
+                                          <p:attrName>ppt_x</p:attrName>
+                                        </p:attrNameLst>
+                                      </p:cBhvr>
+                                      <p:tavLst>
+                                        <p:tav tm="0">
+                                          <p:val>
+                                            <p:strVal val="#ppt_x"/>
+                                          </p:val>
+                                        </p:tav>
+                                        <p:tav tm="100000">
+                                          <p:val>
+                                            <p:strVal val="#ppt_x"/>
+                                          </p:val>
+                                        </p:tav>
+                                      </p:tavLst>
+                                    </p:anim>
+                                    <p:anim calcmode="lin" valueType="num">
+                                      <p:cBhvr>
+                                        <p:cTn id="16" dur="1000" fill="hold"/>
+                                        <p:tgtEl>
+                                          <p:spTgt spid="5">
+                                            <p:txEl>
+                                              <p:pRg st="2" end="2"/>
+                                            </p:txEl>
+                                          </p:spTgt>
+                                        </p:tgtEl>
+                                        <p:attrNameLst>
+                                          <p:attrName>ppt_y</p:attrName>
+                                        </p:attrNameLst>
+                                      </p:cBhvr>
+                                      <p:tavLst>
+                                        <p:tav tm="0">
+                                          <p:val>
+                                            <p:strVal val="#ppt_y+.1"/>
+                                          </p:val>
+                                        </p:tav>
+                                        <p:tav tm="100000">
+                                          <p:val>
+                                            <p:strVal val="#ppt_y"/>
+                                          </p:val>
+                                        </p:tav>
+                                      </p:tavLst>
+                                    </p:anim>
+                                  </p:childTnLst>
+                                </p:cTn>
+                              </p:par>
+                            </p:childTnLst>
+                          </p:cTn>
+                        </p:par>
+                      </p:childTnLst>
+                    </p:cTn>
+                  </p:par>
+                  <p:par>
+                    <p:cTn id="17" fill="hold">
+                      <p:stCondLst>
+                        <p:cond delay="indefinite"/>
+                      </p:stCondLst>
+                      <p:childTnLst>
+                        <p:par>
+                          <p:cTn id="18" fill="hold">
+                            <p:stCondLst>
+                              <p:cond delay="0"/>
+                            </p:stCondLst>
+                            <p:childTnLst>
+                              <p:par>
+                                <p:cTn id="19" presetID="42" presetClass="entr" presetSubtype="0" fill="hold" nodeType="clickEffect">
+                                  <p:stCondLst>
+                                    <p:cond delay="0"/>
+                                  </p:stCondLst>
+                                  <p:childTnLst>
+                                    <p:set>
+                                      <p:cBhvr>
+                                        <p:cTn id="20" dur="1" fill="hold">
+                                          <p:stCondLst>
+                                            <p:cond delay="0"/>
+                                          </p:stCondLst>
+                                        </p:cTn>
+                                        <p:tgtEl>
+                                          <p:spTgt spid="3"/>
+                                        </p:tgtEl>
+                                        <p:attrNameLst>
+                                          <p:attrName>style.visibility</p:attrName>
+                                        </p:attrNameLst>
+                                      </p:cBhvr>
+                                      <p:to>
+                                        <p:strVal val="visible"/>
+                                      </p:to>
+                                    </p:set>
+                                    <p:animEffect transition="in" filter="fade">
+                                      <p:cBhvr>
+                                        <p:cTn id="21" dur="1000"/>
+                                        <p:tgtEl>
+                                          <p:spTgt spid="3"/>
+                                        </p:tgtEl>
+                                      </p:cBhvr>
+                                    </p:animEffect>
+                                    <p:anim calcmode="lin" valueType="num">
+                                      <p:cBhvr>
+                                        <p:cTn id="22" dur="1000" fill="hold"/>
+                                        <p:tgtEl>
+                                          <p:spTgt spid="3"/>
+                                        </p:tgtEl>
+                                        <p:attrNameLst>
+                                          <p:attrName>ppt_x</p:attrName>
+                                        </p:attrNameLst>
+                                      </p:cBhvr>
+                                      <p:tavLst>
+                                        <p:tav tm="0">
+                                          <p:val>
+                                            <p:strVal val="#ppt_x"/>
+                                          </p:val>
+                                        </p:tav>
+                                        <p:tav tm="100000">
+                                          <p:val>
+                                            <p:strVal val="#ppt_x"/>
+                                          </p:val>
+                                        </p:tav>
+                                      </p:tavLst>
+                                    </p:anim>
+                                    <p:anim calcmode="lin" valueType="num">
+                                      <p:cBhvr>
+                                        <p:cTn id="23" dur="1000" fill="hold"/>
+                                        <p:tgtEl>
+                                          <p:spTgt spid="3"/>
+                                        </p:tgtEl>
+                                        <p:attrNameLst>
+                                          <p:attrName>ppt_y</p:attrName>
+                                        </p:attrNameLst>
+                                      </p:cBhvr>
+                                      <p:tavLst>
+                                        <p:tav tm="0">
+                                          <p:val>
+                                            <p:strVal val="#ppt_y+.1"/>
+                                          </p:val>
+                                        </p:tav>
+                                        <p:tav tm="100000">
+                                          <p:val>
+                                            <p:strVal val="#ppt_y"/>
+                                          </p:val>
+                                        </p:tav>
+                                      </p:tavLst>
+                                    </p:anim>
+                                  </p:childTnLst>
+                                </p:cTn>
+                              </p:par>
+                            </p:childTnLst>
+                          </p:cTn>
+                        </p:par>
+                      </p:childTnLst>
+                    </p:cTn>
+                  </p:par>
+                </p:childTnLst>
+              </p:cTn>
+              <p:prevCondLst>
+                <p:cond evt="onPrev" delay="0">
+                  <p:tgtEl>
+                    <p:sldTgt/>
+                  </p:tgtEl>
+                </p:cond>
+              </p:prevCondLst>
+              <p:nextCondLst>
+                <p:cond evt="onNext" delay="0">
+                  <p:tgtEl>
+                    <p:sldTgt/>
+                  </p:tgtEl>
+                </p:cond>
+              </p:nextCondLst>
+            </p:seq>
+          </p:childTnLst>
+        </p:cTn>
+      </p:par>
+    </p:tnLst>
+    <p:bldLst>
+      <p:bldP spid="5" grpId="0" build="p"/>
+    </p:bldLst>
+  </p:timing>
+</p:sld>
+</file>
+
+<file path=ppt/slides/slide8.xml><?xml version="1.0" encoding="utf-8"?>
+<p:sld xmlns:a="http://schemas.openxmlformats.org/drawingml/2006/main" xmlns:r="http://schemas.openxmlformats.org/officeDocument/2006/relationships" xmlns:p="http://schemas.openxmlformats.org/presentationml/2006/main">
+  <p:cSld>
+    <p:spTree>
+      <p:nvGrpSpPr>
+        <p:cNvPr id="1" name=""/>
+        <p:cNvGrpSpPr/>
+        <p:nvPr/>
+      </p:nvGrpSpPr>
+      <p:grpSpPr>
+        <a:xfrm>
+          <a:off x="0" y="0"/>
+          <a:ext cx="0" cy="0"/>
+          <a:chOff x="0" y="0"/>
+          <a:chExt cx="0" cy="0"/>
+        </a:xfrm>
+      </p:grpSpPr>
+      <p:sp>
+        <p:nvSpPr>
+          <p:cNvPr id="4" name="Title 3"/>
+          <p:cNvSpPr>
+            <a:spLocks noGrp="1"/>
+          </p:cNvSpPr>
+          <p:nvPr>
+            <p:ph type="ctrTitle"/>
+          </p:nvPr>
+        </p:nvSpPr>
+        <p:spPr>
+          <a:xfrm>
+            <a:off x="3046412" y="202176"/>
+            <a:ext cx="8987207" cy="2000251"/>
+          </a:xfrm>
+          <a:effectLst>
+            <a:outerShdw blurRad="50800" dist="38100" algn="l" rotWithShape="0">
+              <a:prstClr val="black">
+                <a:alpha val="40000"/>
+              </a:prstClr>
+            </a:outerShdw>
+          </a:effectLst>
+        </p:spPr>
+        <p:txBody>
+          <a:bodyPr>
+            <a:normAutofit fontScale="90000"/>
+          </a:bodyPr>
+          <a:lstStyle/>
+          <a:p>
+            <a:pPr algn="ctr"/>
+            <a:r>
+              <a:rPr lang="en-US" sz="6700" dirty="0" smtClean="0">
+                <a:solidFill>
+                  <a:srgbClr val="FFFF00"/>
+                </a:solidFill>
+              </a:rPr>
+              <a:t>                                       </a:t>
+            </a:r>
+            <a:r>
+              <a:rPr lang="en-US" sz="8000" i="1" dirty="0" smtClean="0">
+                <a:solidFill>
+                  <a:srgbClr val="FF0000"/>
+                </a:solidFill>
+                <a:effectLst>
+                  <a:outerShdw blurRad="38100" dist="38100" dir="2700000" algn="tl">
+                    <a:srgbClr val="000000">
+                      <a:alpha val="43137"/>
+                    </a:srgbClr>
+                  </a:outerShdw>
+                </a:effectLst>
+                <a:latin typeface="Algerian" panose="04020705040A02060702" pitchFamily="82" charset="0"/>
+              </a:rPr>
+              <a:t>TEAM“MOON ORCHID”</a:t>
+            </a:r>
+            <a:r>
+              <a:rPr lang="en-US" dirty="0">
+                <a:solidFill>
+                  <a:srgbClr val="FFFF00"/>
+                </a:solidFill>
+              </a:rPr>
+              <a:t/>
+            </a:r>
+            <a:br>
+              <a:rPr lang="en-US" dirty="0">
+                <a:solidFill>
+                  <a:srgbClr val="FFFF00"/>
+                </a:solidFill>
+              </a:rPr>
+            </a:br>
+            <a:endParaRPr lang="bg-BG" dirty="0"/>
+          </a:p>
+        </p:txBody>
+      </p:sp>
+      <p:sp>
+        <p:nvSpPr>
+          <p:cNvPr id="5" name="Subtitle 4"/>
+          <p:cNvSpPr>
+            <a:spLocks noGrp="1"/>
+          </p:cNvSpPr>
+          <p:nvPr>
+            <p:ph type="subTitle" idx="1"/>
+          </p:nvPr>
+        </p:nvSpPr>
+        <p:spPr>
+          <a:xfrm>
+            <a:off x="1293812" y="2362201"/>
+            <a:ext cx="9982200" cy="2590800"/>
+          </a:xfrm>
+        </p:spPr>
+        <p:txBody>
+          <a:bodyPr>
+            <a:noAutofit/>
+          </a:bodyPr>
+          <a:lstStyle/>
+          <a:p>
+            <a:pPr algn="l"/>
+            <a:r>
+              <a:rPr lang="en-US" sz="4800" b="1" dirty="0" smtClean="0">
+                <a:solidFill>
+                  <a:srgbClr val="FF0000"/>
+                </a:solidFill>
+                <a:effectLst>
+                  <a:outerShdw blurRad="38100" dist="38100" dir="2700000" algn="tl">
+                    <a:srgbClr val="000000">
+                      <a:alpha val="43137"/>
+                    </a:srgbClr>
+                  </a:outerShdw>
+                </a:effectLst>
+                <a:latin typeface="Algerian" panose="04020705040A02060702" pitchFamily="82" charset="0"/>
+              </a:rPr>
+              <a:t>   Our second and main idea </a:t>
+            </a:r>
+          </a:p>
+          <a:p>
+            <a:pPr algn="l"/>
+            <a:endParaRPr lang="en-US" sz="4800" b="1" dirty="0" smtClean="0">
+              <a:solidFill>
+                <a:srgbClr val="FF0000"/>
+              </a:solidFill>
+              <a:effectLst>
+                <a:outerShdw blurRad="38100" dist="38100" dir="2700000" algn="tl">
+                  <a:srgbClr val="000000">
+                    <a:alpha val="43137"/>
+                  </a:srgbClr>
+                </a:outerShdw>
+              </a:effectLst>
+              <a:latin typeface="Algerian" panose="04020705040A02060702" pitchFamily="82" charset="0"/>
+            </a:endParaRPr>
+          </a:p>
+          <a:p>
+            <a:pPr algn="l"/>
+            <a:r>
+              <a:rPr lang="en-US" sz="4800" b="1" dirty="0" smtClean="0">
+                <a:solidFill>
+                  <a:srgbClr val="FF0000"/>
+                </a:solidFill>
+                <a:effectLst>
+                  <a:outerShdw blurRad="38100" dist="38100" dir="2700000" algn="tl">
+                    <a:srgbClr val="000000">
+                      <a:alpha val="43137"/>
+                    </a:srgbClr>
+                  </a:outerShdw>
+                </a:effectLst>
+                <a:latin typeface="Algerian" panose="04020705040A02060702" pitchFamily="82" charset="0"/>
+              </a:rPr>
+              <a:t>   game </a:t>
+            </a:r>
+            <a:r>
+              <a:rPr lang="en-US" sz="4800" b="1" smtClean="0">
+                <a:solidFill>
+                  <a:srgbClr val="FF0000"/>
+                </a:solidFill>
+                <a:effectLst>
+                  <a:outerShdw blurRad="38100" dist="38100" dir="2700000" algn="tl">
+                    <a:srgbClr val="000000">
+                      <a:alpha val="43137"/>
+                    </a:srgbClr>
+                  </a:outerShdw>
+                </a:effectLst>
+                <a:latin typeface="Algerian" panose="04020705040A02060702" pitchFamily="82" charset="0"/>
+              </a:rPr>
+              <a:t>“</a:t>
+            </a:r>
+            <a:r>
+              <a:rPr lang="en-US" sz="4800" b="1" smtClean="0">
+                <a:solidFill>
+                  <a:srgbClr val="FF0000"/>
+                </a:solidFill>
+                <a:effectLst>
+                  <a:outerShdw blurRad="38100" dist="38100" dir="2700000" algn="tl">
+                    <a:srgbClr val="000000">
+                      <a:alpha val="43137"/>
+                    </a:srgbClr>
+                  </a:outerShdw>
+                </a:effectLst>
+                <a:latin typeface="Algerian" panose="04020705040A02060702" pitchFamily="82" charset="0"/>
+              </a:rPr>
+              <a:t>sheep </a:t>
+            </a:r>
+            <a:r>
+              <a:rPr lang="en-US" sz="4800" b="1" dirty="0" smtClean="0">
+                <a:solidFill>
+                  <a:srgbClr val="FF0000"/>
+                </a:solidFill>
+                <a:effectLst>
+                  <a:outerShdw blurRad="38100" dist="38100" dir="2700000" algn="tl">
+                    <a:srgbClr val="000000">
+                      <a:alpha val="43137"/>
+                    </a:srgbClr>
+                  </a:outerShdw>
+                </a:effectLst>
+                <a:latin typeface="Algerian" panose="04020705040A02060702" pitchFamily="82" charset="0"/>
+              </a:rPr>
+              <a:t>collector”</a:t>
+            </a:r>
+            <a:endParaRPr lang="en-US" sz="4800" b="1" dirty="0">
+              <a:solidFill>
+                <a:srgbClr val="FF0000"/>
+              </a:solidFill>
+              <a:effectLst>
+                <a:outerShdw blurRad="38100" dist="38100" dir="2700000" algn="tl">
+                  <a:srgbClr val="000000">
+                    <a:alpha val="43137"/>
+                  </a:srgbClr>
+                </a:outerShdw>
+              </a:effectLst>
+              <a:latin typeface="Algerian" panose="04020705040A02060702" pitchFamily="82" charset="0"/>
+            </a:endParaRPr>
+          </a:p>
+        </p:txBody>
+      </p:sp>
+      <p:sp>
+        <p:nvSpPr>
+          <p:cNvPr id="2" name="Slide Number Placeholder 1"/>
+          <p:cNvSpPr>
+            <a:spLocks noGrp="1"/>
+          </p:cNvSpPr>
+          <p:nvPr>
+            <p:ph type="sldNum" sz="quarter" idx="4294967295"/>
+          </p:nvPr>
+        </p:nvSpPr>
+        <p:spPr>
+          <a:xfrm>
+            <a:off x="11760200" y="6524625"/>
+            <a:ext cx="428625" cy="196850"/>
+          </a:xfrm>
+        </p:spPr>
+        <p:txBody>
+          <a:bodyPr/>
+          <a:lstStyle/>
+          <a:p>
+            <a:fld id="{C014DD1E-5D91-48A3-AD6D-45FBA980D106}" type="slidenum">
+              <a:rPr lang="en-US" smtClean="0">
+                <a:solidFill>
+                  <a:prstClr val="white">
+                    <a:tint val="75000"/>
+                  </a:prstClr>
+                </a:solidFill>
+              </a:rPr>
+              <a:pPr/>
+              <a:t>8</a:t>
+            </a:fld>
+            <a:endParaRPr lang="en-US" dirty="0">
+              <a:solidFill>
+                <a:prstClr val="white">
+                  <a:tint val="75000"/>
+                </a:prstClr>
+              </a:solidFill>
+            </a:endParaRPr>
+          </a:p>
+        </p:txBody>
+      </p:sp>
+    </p:spTree>
+    <p:extLst>
+      <p:ext uri="{BB962C8B-B14F-4D97-AF65-F5344CB8AC3E}">
+        <p14:creationId xmlns:p14="http://schemas.microsoft.com/office/powerpoint/2010/main" val="551771995"/>
+      </p:ext>
+    </p:extLst>
+  </p:cSld>
+  <p:clrMapOvr>
+    <a:masterClrMapping/>
+  </p:clrMapOvr>
+  <mc:AlternateContent xmlns:mc="http://schemas.openxmlformats.org/markup-compatibility/2006" xmlns:p14="http://schemas.microsoft.com/office/powerpoint/2010/main">
+    <mc:Choice Requires="p14">
+      <p:transition p14:dur="0"/>
+    </mc:Choice>
+    <mc:Fallback xmlns="">
+      <p:transition/>
+    </mc:Fallback>
+  </mc:AlternateContent>
+  <p:timing>
+    <p:tnLst>
+      <p:par>
+        <p:cTn id="1" dur="indefinite" restart="never" nodeType="tmRoot">
+          <p:childTnLst>
+            <p:seq concurrent="1" nextAc="seek">
+              <p:cTn id="2" dur="indefinite" nodeType="mainSeq">
+                <p:childTnLst>
+                  <p:par>
+                    <p:cTn id="3" fill="hold">
+                      <p:stCondLst>
+                        <p:cond delay="indefinite"/>
+                      </p:stCondLst>
+                      <p:childTnLst>
+                        <p:par>
+                          <p:cTn id="4" fill="hold">
+                            <p:stCondLst>
+                              <p:cond delay="0"/>
+                            </p:stCondLst>
+                            <p:childTnLst>
+                              <p:par>
+                                <p:cTn id="5" presetID="42" presetClass="entr" presetSubtype="0" fill="hold" grpId="0" nodeType="clickEffect">
+                                  <p:stCondLst>
+                                    <p:cond delay="0"/>
+                                  </p:stCondLst>
+                                  <p:childTnLst>
+                                    <p:set>
+                                      <p:cBhvr>
+                                        <p:cTn id="6" dur="1" fill="hold">
+                                          <p:stCondLst>
+                                            <p:cond delay="0"/>
+                                          </p:stCondLst>
+                                        </p:cTn>
+                                        <p:tgtEl>
+                                          <p:spTgt spid="5">
+                                            <p:txEl>
+                                              <p:pRg st="0" end="0"/>
+                                            </p:txEl>
+                                          </p:spTgt>
+                                        </p:tgtEl>
+                                        <p:attrNameLst>
+                                          <p:attrName>style.visibility</p:attrName>
+                                        </p:attrNameLst>
+                                      </p:cBhvr>
+                                      <p:to>
+                                        <p:strVal val="visible"/>
+                                      </p:to>
+                                    </p:set>
+                                    <p:animEffect transition="in" filter="fade">
+                                      <p:cBhvr>
+                                        <p:cTn id="7" dur="1000"/>
+                                        <p:tgtEl>
+                                          <p:spTgt spid="5">
+                                            <p:txEl>
+                                              <p:pRg st="0" end="0"/>
+                                            </p:txEl>
+                                          </p:spTgt>
+                                        </p:tgtEl>
+                                      </p:cBhvr>
+                                    </p:animEffect>
+                                    <p:anim calcmode="lin" valueType="num">
+                                      <p:cBhvr>
+                                        <p:cTn id="8" dur="1000" fill="hold"/>
+                                        <p:tgtEl>
+                                          <p:spTgt spid="5">
+                                            <p:txEl>
+                                              <p:pRg st="0" end="0"/>
+                                            </p:txEl>
+                                          </p:spTgt>
+                                        </p:tgtEl>
+                                        <p:attrNameLst>
+                                          <p:attrName>ppt_x</p:attrName>
+                                        </p:attrNameLst>
+                                      </p:cBhvr>
+                                      <p:tavLst>
+                                        <p:tav tm="0">
+                                          <p:val>
+                                            <p:strVal val="#ppt_x"/>
+                                          </p:val>
+                                        </p:tav>
+                                        <p:tav tm="100000">
+                                          <p:val>
+                                            <p:strVal val="#ppt_x"/>
+                                          </p:val>
+                                        </p:tav>
+                                      </p:tavLst>
+                                    </p:anim>
+                                    <p:anim calcmode="lin" valueType="num">
+                                      <p:cBhvr>
+                                        <p:cTn id="9" dur="1000" fill="hold"/>
+                                        <p:tgtEl>
+                                          <p:spTgt spid="5">
+                                            <p:txEl>
+                                              <p:pRg st="0" end="0"/>
+                                            </p:txEl>
+                                          </p:spTgt>
+                                        </p:tgtEl>
+                                        <p:attrNameLst>
+                                          <p:attrName>ppt_y</p:attrName>
+                                        </p:attrNameLst>
+                                      </p:cBhvr>
+                                      <p:tavLst>
+                                        <p:tav tm="0">
+                                          <p:val>
+                                            <p:strVal val="#ppt_y+.1"/>
+                                          </p:val>
+                                        </p:tav>
+                                        <p:tav tm="100000">
+                                          <p:val>
+                                            <p:strVal val="#ppt_y"/>
+                                          </p:val>
+                                        </p:tav>
+                                      </p:tavLst>
+                                    </p:anim>
+                                  </p:childTnLst>
+                                </p:cTn>
+                              </p:par>
+                            </p:childTnLst>
+                          </p:cTn>
+                        </p:par>
+                      </p:childTnLst>
+                    </p:cTn>
+                  </p:par>
+                  <p:par>
+                    <p:cTn id="10" fill="hold">
+                      <p:stCondLst>
+                        <p:cond delay="indefinite"/>
+                      </p:stCondLst>
+                      <p:childTnLst>
+                        <p:par>
+                          <p:cTn id="11" fill="hold">
+                            <p:stCondLst>
+                              <p:cond delay="0"/>
+                            </p:stCondLst>
+                            <p:childTnLst>
+                              <p:par>
+                                <p:cTn id="12" presetID="42" presetClass="entr" presetSubtype="0" fill="hold" grpId="0" nodeType="clickEffect">
+                                  <p:stCondLst>
+                                    <p:cond delay="0"/>
+                                  </p:stCondLst>
+                                  <p:childTnLst>
+                                    <p:set>
+                                      <p:cBhvr>
+                                        <p:cTn id="13" dur="1" fill="hold">
+                                          <p:stCondLst>
+                                            <p:cond delay="0"/>
+                                          </p:stCondLst>
+                                        </p:cTn>
+                                        <p:tgtEl>
+                                          <p:spTgt spid="5">
+                                            <p:txEl>
+                                              <p:pRg st="2" end="2"/>
+                                            </p:txEl>
+                                          </p:spTgt>
+                                        </p:tgtEl>
+                                        <p:attrNameLst>
+                                          <p:attrName>style.visibility</p:attrName>
+                                        </p:attrNameLst>
+                                      </p:cBhvr>
+                                      <p:to>
+                                        <p:strVal val="visible"/>
+                                      </p:to>
+                                    </p:set>
+                                    <p:animEffect transition="in" filter="fade">
+                                      <p:cBhvr>
+                                        <p:cTn id="14" dur="1000"/>
+                                        <p:tgtEl>
+                                          <p:spTgt spid="5">
+                                            <p:txEl>
+                                              <p:pRg st="2" end="2"/>
+                                            </p:txEl>
+                                          </p:spTgt>
+                                        </p:tgtEl>
+                                      </p:cBhvr>
+                                    </p:animEffect>
+                                    <p:anim calcmode="lin" valueType="num">
+                                      <p:cBhvr>
+                                        <p:cTn id="15" dur="1000" fill="hold"/>
+                                        <p:tgtEl>
+                                          <p:spTgt spid="5">
+                                            <p:txEl>
+                                              <p:pRg st="2" end="2"/>
+                                            </p:txEl>
+                                          </p:spTgt>
+                                        </p:tgtEl>
+                                        <p:attrNameLst>
+                                          <p:attrName>ppt_x</p:attrName>
+                                        </p:attrNameLst>
+                                      </p:cBhvr>
+                                      <p:tavLst>
+                                        <p:tav tm="0">
+                                          <p:val>
+                                            <p:strVal val="#ppt_x"/>
+                                          </p:val>
+                                        </p:tav>
+                                        <p:tav tm="100000">
+                                          <p:val>
+                                            <p:strVal val="#ppt_x"/>
+                                          </p:val>
+                                        </p:tav>
+                                      </p:tavLst>
+                                    </p:anim>
+                                    <p:anim calcmode="lin" valueType="num">
+                                      <p:cBhvr>
+                                        <p:cTn id="16" dur="1000" fill="hold"/>
+                                        <p:tgtEl>
+                                          <p:spTgt spid="5">
+                                            <p:txEl>
+                                              <p:pRg st="2" end="2"/>
+                                            </p:txEl>
+                                          </p:spTgt>
+                                        </p:tgtEl>
+                                        <p:attrNameLst>
+                                          <p:attrName>ppt_y</p:attrName>
+                                        </p:attrNameLst>
+                                      </p:cBhvr>
+                                      <p:tavLst>
+                                        <p:tav tm="0">
+                                          <p:val>
+                                            <p:strVal val="#ppt_y+.1"/>
+                                          </p:val>
+                                        </p:tav>
+                                        <p:tav tm="100000">
+                                          <p:val>
+                                            <p:strVal val="#ppt_y"/>
+                                          </p:val>
+                                        </p:tav>
+                                      </p:tavLst>
+                                    </p:anim>
+                                  </p:childTnLst>
+                                </p:cTn>
+                              </p:par>
+                            </p:childTnLst>
+                          </p:cTn>
+                        </p:par>
+                      </p:childTnLst>
+                    </p:cTn>
+                  </p:par>
+                </p:childTnLst>
+              </p:cTn>
+              <p:prevCondLst>
+                <p:cond evt="onPrev" delay="0">
+                  <p:tgtEl>
+                    <p:sldTgt/>
+                  </p:tgtEl>
+                </p:cond>
+              </p:prevCondLst>
+              <p:nextCondLst>
+                <p:cond evt="onNext" delay="0">
+                  <p:tgtEl>
+                    <p:sldTgt/>
+                  </p:tgtEl>
+                </p:cond>
+              </p:nextCondLst>
+            </p:seq>
+          </p:childTnLst>
+        </p:cTn>
+      </p:par>
+    </p:tnLst>
+    <p:bldLst>
+      <p:bldP spid="5" grpId="0" uiExpand="1" build="p"/>
+    </p:bldLst>
+  </p:timing>
+</p:sld>
+</file>
+
+<file path=ppt/slides/slide9.xml><?xml version="1.0" encoding="utf-8"?>
+<p:sld xmlns:a="http://schemas.openxmlformats.org/drawingml/2006/main" xmlns:r="http://schemas.openxmlformats.org/officeDocument/2006/relationships" xmlns:p="http://schemas.openxmlformats.org/presentationml/2006/main">
+  <p:cSld>
+    <p:spTree>
+      <p:nvGrpSpPr>
+        <p:cNvPr id="1" name=""/>
+        <p:cNvGrpSpPr/>
+        <p:nvPr/>
+      </p:nvGrpSpPr>
+      <p:grpSpPr>
+        <a:xfrm>
+          <a:off x="0" y="0"/>
+          <a:ext cx="0" cy="0"/>
+          <a:chOff x="0" y="0"/>
+          <a:chExt cx="0" cy="0"/>
+        </a:xfrm>
+      </p:grpSpPr>
+      <p:sp>
+        <p:nvSpPr>
           <p:cNvPr id="2" name="Slide Number Placeholder 1"/>
           <p:cNvSpPr>
             <a:spLocks noGrp="1"/>
@@ -3875,7 +7667,7 @@
                 </a:solidFill>
               </a:rPr>
               <a:pPr/>
-              <a:t>3</a:t>
+              <a:t>9</a:t>
             </a:fld>
             <a:endParaRPr lang="en-US" dirty="0">
               <a:solidFill>
@@ -3899,8 +7691,8 @@
         </p:nvSpPr>
         <p:spPr>
           <a:xfrm>
-            <a:off x="1141412" y="1143000"/>
-            <a:ext cx="9447213" cy="4267200"/>
+            <a:off x="760412" y="838200"/>
+            <a:ext cx="9828213" cy="4572000"/>
           </a:xfrm>
         </p:spPr>
         <p:txBody>
@@ -3954,6 +7746,67 @@
               </a:rPr>
               <a:t>DEMO</a:t>
             </a:r>
+          </a:p>
+          <a:p>
+            <a:pPr marL="0" indent="0" algn="ctr">
+              <a:buNone/>
+            </a:pPr>
+            <a:r>
+              <a:rPr lang="en-US" b="1" dirty="0">
+                <a:solidFill>
+                  <a:srgbClr val="FF0000"/>
+                </a:solidFill>
+                <a:effectLst>
+                  <a:outerShdw blurRad="38100" dist="38100" dir="2700000" algn="tl">
+                    <a:srgbClr val="000000">
+                      <a:alpha val="43137"/>
+                    </a:srgbClr>
+                  </a:outerShdw>
+                </a:effectLst>
+                <a:latin typeface="Algerian" panose="04020705040A02060702" pitchFamily="82" charset="0"/>
+                <a:ea typeface="+mj-ea"/>
+                <a:cs typeface="+mj-cs"/>
+              </a:rPr>
+              <a:t>https://</a:t>
+            </a:r>
+            <a:r>
+              <a:rPr lang="en-US" b="1" dirty="0" smtClean="0">
+                <a:solidFill>
+                  <a:srgbClr val="FF0000"/>
+                </a:solidFill>
+                <a:effectLst>
+                  <a:outerShdw blurRad="38100" dist="38100" dir="2700000" algn="tl">
+                    <a:srgbClr val="000000">
+                      <a:alpha val="43137"/>
+                    </a:srgbClr>
+                  </a:outerShdw>
+                </a:effectLst>
+                <a:latin typeface="Algerian" panose="04020705040A02060702" pitchFamily="82" charset="0"/>
+                <a:ea typeface="+mj-ea"/>
+                <a:cs typeface="+mj-cs"/>
+              </a:rPr>
+              <a:t>github.com/MoonOrchid/MoonOrchid-Project</a:t>
+            </a:r>
+          </a:p>
+          <a:p>
+            <a:pPr marL="0" indent="0" algn="ctr">
+              <a:buNone/>
+            </a:pPr>
+            <a:endParaRPr lang="en-US" b="1" dirty="0" smtClean="0">
+              <a:solidFill>
+                <a:srgbClr val="FF0000"/>
+              </a:solidFill>
+              <a:effectLst>
+                <a:outerShdw blurRad="38100" dist="38100" dir="2700000" algn="tl">
+                  <a:srgbClr val="000000">
+                    <a:alpha val="43137"/>
+                  </a:srgbClr>
+                </a:outerShdw>
+              </a:effectLst>
+              <a:latin typeface="Algerian" panose="04020705040A02060702" pitchFamily="82" charset="0"/>
+              <a:ea typeface="+mj-ea"/>
+              <a:cs typeface="+mj-cs"/>
+            </a:endParaRPr>
           </a:p>
           <a:p>
             <a:pPr marL="0" indent="0" algn="ctr">

--- a/Presentation.pptx
+++ b/Presentation.pptx
@@ -2645,11 +2645,38 @@
             <a:r>
               <a:rPr lang="en-US" sz="7200" dirty="0" smtClean="0">
                 <a:solidFill>
-                  <a:srgbClr val="FF0000"/>
+                  <a:schemeClr val="tx1"/>
                 </a:solidFill>
                 <a:latin typeface="Algerian" panose="04020705040A02060702" pitchFamily="82" charset="0"/>
               </a:rPr>
-              <a:t>JavaScript Teamwork </a:t>
+              <a:t>JavaScript</a:t>
+            </a:r>
+            <a:r>
+              <a:rPr lang="en-US" sz="7200" dirty="0" smtClean="0">
+                <a:solidFill>
+                  <a:srgbClr val="FF0000"/>
+                </a:solidFill>
+                <a:latin typeface="Algerian" panose="04020705040A02060702" pitchFamily="82" charset="0"/>
+              </a:rPr>
+              <a:t> </a:t>
+            </a:r>
+            <a:r>
+              <a:rPr lang="en-US" sz="7200" dirty="0" smtClean="0">
+                <a:solidFill>
+                  <a:schemeClr val="tx1"/>
+                </a:solidFill>
+                <a:latin typeface="Algerian" panose="04020705040A02060702" pitchFamily="82" charset="0"/>
+              </a:rPr>
+              <a:t>Teamwork</a:t>
+            </a:r>
+            <a:r>
+              <a:rPr lang="en-US" sz="7200" dirty="0" smtClean="0">
+                <a:solidFill>
+                  <a:srgbClr val="FF0000"/>
+                </a:solidFill>
+                <a:latin typeface="Algerian" panose="04020705040A02060702" pitchFamily="82" charset="0"/>
+              </a:rPr>
+              <a:t> </a:t>
             </a:r>
             <a:endParaRPr lang="en-US" sz="7200" dirty="0">
               <a:solidFill>
@@ -2871,7 +2898,7 @@
             <a:r>
               <a:rPr lang="en-US" sz="8000" i="1" dirty="0" smtClean="0">
                 <a:solidFill>
-                  <a:srgbClr val="FF0000"/>
+                  <a:schemeClr val="tx1"/>
                 </a:solidFill>
                 <a:effectLst>
                   <a:outerShdw blurRad="38100" dist="38100" dir="2700000" algn="tl">
@@ -2932,7 +2959,7 @@
             <a:r>
               <a:rPr lang="en-US" sz="4800" b="1" dirty="0" smtClean="0">
                 <a:solidFill>
-                  <a:srgbClr val="FF0000"/>
+                  <a:schemeClr val="tx1"/>
                 </a:solidFill>
                 <a:effectLst>
                   <a:outerShdw blurRad="38100" dist="38100" dir="2700000" algn="tl">
@@ -2954,7 +2981,7 @@
             <a:r>
               <a:rPr lang="en-US" sz="4800" b="1" dirty="0" smtClean="0">
                 <a:solidFill>
-                  <a:srgbClr val="FF0000"/>
+                  <a:schemeClr val="tx1"/>
                 </a:solidFill>
                 <a:effectLst>
                   <a:outerShdw blurRad="38100" dist="38100" dir="2700000" algn="tl">
@@ -2969,7 +2996,7 @@
             </a:r>
             <a:endParaRPr lang="en-US" sz="4800" b="1" dirty="0">
               <a:solidFill>
-                <a:srgbClr val="FF0000"/>
+                <a:schemeClr val="tx1"/>
               </a:solidFill>
               <a:effectLst>
                 <a:outerShdw blurRad="38100" dist="38100" dir="2700000" algn="tl">
@@ -2989,7 +3016,7 @@
             <a:r>
               <a:rPr lang="en-US" sz="4800" b="1" dirty="0" smtClean="0">
                 <a:solidFill>
-                  <a:srgbClr val="FF0000"/>
+                  <a:schemeClr val="tx1"/>
                 </a:solidFill>
                 <a:effectLst>
                   <a:outerShdw blurRad="38100" dist="38100" dir="2700000" algn="tl">
@@ -3011,7 +3038,7 @@
             <a:r>
               <a:rPr lang="en-US" sz="4800" b="1" dirty="0" smtClean="0">
                 <a:solidFill>
-                  <a:srgbClr val="FF0000"/>
+                  <a:schemeClr val="tx1"/>
                 </a:solidFill>
                 <a:effectLst>
                   <a:outerShdw blurRad="38100" dist="38100" dir="2700000" algn="tl">
@@ -4136,7 +4163,7 @@
             <a:r>
               <a:rPr lang="en-US" sz="8000" i="1" dirty="0" smtClean="0">
                 <a:solidFill>
-                  <a:srgbClr val="FF0000"/>
+                  <a:schemeClr val="tx1"/>
                 </a:solidFill>
                 <a:effectLst>
                   <a:outerShdw blurRad="38100" dist="38100" dir="2700000" algn="tl">
@@ -4197,7 +4224,7 @@
             <a:r>
               <a:rPr lang="en-US" sz="4800" b="1" dirty="0" smtClean="0">
                 <a:solidFill>
-                  <a:srgbClr val="FF0000"/>
+                  <a:schemeClr val="tx1"/>
                 </a:solidFill>
                 <a:effectLst>
                   <a:outerShdw blurRad="38100" dist="38100" dir="2700000" algn="tl">
@@ -4219,7 +4246,7 @@
             <a:r>
               <a:rPr lang="en-US" sz="4800" b="1" dirty="0" smtClean="0">
                 <a:solidFill>
-                  <a:srgbClr val="FF0000"/>
+                  <a:schemeClr val="tx1"/>
                 </a:solidFill>
                 <a:effectLst>
                   <a:outerShdw blurRad="38100" dist="38100" dir="2700000" algn="tl">
@@ -4234,7 +4261,7 @@
             </a:r>
             <a:endParaRPr lang="en-US" sz="4800" b="1" dirty="0">
               <a:solidFill>
-                <a:srgbClr val="FF0000"/>
+                <a:schemeClr val="tx1"/>
               </a:solidFill>
               <a:effectLst>
                 <a:outerShdw blurRad="38100" dist="38100" dir="2700000" algn="tl">
@@ -4758,7 +4785,7 @@
             <a:r>
               <a:rPr lang="en-US" sz="8000" i="1" dirty="0" smtClean="0">
                 <a:solidFill>
-                  <a:srgbClr val="FF0000"/>
+                  <a:schemeClr val="tx1"/>
                 </a:solidFill>
                 <a:effectLst>
                   <a:outerShdw blurRad="38100" dist="38100" dir="2700000" algn="tl">
@@ -4769,7 +4796,23 @@
                 </a:effectLst>
                 <a:latin typeface="Algerian" panose="04020705040A02060702" pitchFamily="82" charset="0"/>
               </a:rPr>
-              <a:t>TEAM“MOON ORCHID”</a:t>
+              <a:t>TEAM“MOON ORCHID</a:t>
+            </a:r>
+            <a:r>
+              <a:rPr lang="en-US" sz="8000" i="1" dirty="0" smtClean="0">
+                <a:solidFill>
+                  <a:srgbClr val="FF0000"/>
+                </a:solidFill>
+                <a:effectLst>
+                  <a:outerShdw blurRad="38100" dist="38100" dir="2700000" algn="tl">
+                    <a:srgbClr val="000000">
+                      <a:alpha val="43137"/>
+                    </a:srgbClr>
+                  </a:outerShdw>
+                </a:effectLst>
+                <a:latin typeface="Algerian" panose="04020705040A02060702" pitchFamily="82" charset="0"/>
+              </a:rPr>
+              <a:t>”</a:t>
             </a:r>
             <a:r>
               <a:rPr lang="en-US" dirty="0">
@@ -4819,7 +4862,7 @@
             <a:r>
               <a:rPr lang="en-US" sz="4800" b="1" dirty="0" smtClean="0">
                 <a:solidFill>
-                  <a:srgbClr val="FF0000"/>
+                  <a:schemeClr val="tx1"/>
                 </a:solidFill>
                 <a:effectLst>
                   <a:outerShdw blurRad="38100" dist="38100" dir="2700000" algn="tl">
@@ -4834,7 +4877,7 @@
             </a:r>
             <a:endParaRPr lang="en-US" sz="4800" b="1" dirty="0">
               <a:solidFill>
-                <a:srgbClr val="FF0000"/>
+                <a:schemeClr val="tx1"/>
               </a:solidFill>
               <a:effectLst>
                 <a:outerShdw blurRad="38100" dist="38100" dir="2700000" algn="tl">
@@ -5243,7 +5286,7 @@
             <a:r>
               <a:rPr lang="en-US" sz="8000" i="1" dirty="0" smtClean="0">
                 <a:solidFill>
-                  <a:srgbClr val="FF0000"/>
+                  <a:schemeClr val="tx1"/>
                 </a:solidFill>
                 <a:effectLst>
                   <a:outerShdw blurRad="38100" dist="38100" dir="2700000" algn="tl">
@@ -5304,7 +5347,7 @@
             <a:r>
               <a:rPr lang="en-US" sz="4800" b="1" dirty="0" smtClean="0">
                 <a:solidFill>
-                  <a:srgbClr val="FF0000"/>
+                  <a:schemeClr val="tx1"/>
                 </a:solidFill>
                 <a:effectLst>
                   <a:outerShdw blurRad="38100" dist="38100" dir="2700000" algn="tl">
@@ -5326,7 +5369,7 @@
             <a:r>
               <a:rPr lang="en-US" sz="3600" b="1" dirty="0">
                 <a:solidFill>
-                  <a:srgbClr val="FF0000"/>
+                  <a:schemeClr val="tx1"/>
                 </a:solidFill>
                 <a:effectLst>
                   <a:outerShdw blurRad="38100" dist="38100" dir="2700000" algn="tl">
@@ -5342,7 +5385,7 @@
             <a:r>
               <a:rPr lang="en-US" sz="3600" b="1" dirty="0" smtClean="0">
                 <a:solidFill>
-                  <a:srgbClr val="FF0000"/>
+                  <a:schemeClr val="tx1"/>
                 </a:solidFill>
                 <a:effectLst>
                   <a:outerShdw blurRad="38100" dist="38100" dir="2700000" algn="tl">
@@ -5887,7 +5930,7 @@
             <a:r>
               <a:rPr lang="en-US" sz="8000" i="1" dirty="0" smtClean="0">
                 <a:solidFill>
-                  <a:srgbClr val="FF0000"/>
+                  <a:schemeClr val="tx1"/>
                 </a:solidFill>
                 <a:effectLst>
                   <a:outerShdw blurRad="38100" dist="38100" dir="2700000" algn="tl">
@@ -5903,7 +5946,7 @@
             <a:r>
               <a:rPr lang="en-US" dirty="0">
                 <a:solidFill>
-                  <a:srgbClr val="FFFF00"/>
+                  <a:schemeClr val="tx1"/>
                 </a:solidFill>
               </a:rPr>
               <a:t/>
@@ -5911,11 +5954,15 @@
             <a:br>
               <a:rPr lang="en-US" dirty="0">
                 <a:solidFill>
-                  <a:srgbClr val="FFFF00"/>
+                  <a:schemeClr val="tx1"/>
                 </a:solidFill>
               </a:rPr>
             </a:br>
-            <a:endParaRPr lang="bg-BG" dirty="0"/>
+            <a:endParaRPr lang="bg-BG" dirty="0">
+              <a:solidFill>
+                <a:schemeClr val="tx1"/>
+              </a:solidFill>
+            </a:endParaRPr>
           </a:p>
         </p:txBody>
       </p:sp>
@@ -5948,7 +5995,7 @@
             <a:r>
               <a:rPr lang="en-US" sz="4800" b="1" dirty="0" smtClean="0">
                 <a:solidFill>
-                  <a:srgbClr val="FF0000"/>
+                  <a:schemeClr val="tx1"/>
                 </a:solidFill>
                 <a:effectLst>
                   <a:outerShdw blurRad="38100" dist="38100" dir="2700000" algn="tl">
@@ -5968,9 +6015,9 @@
               <a:buChar char="Ø"/>
             </a:pPr>
             <a:r>
-              <a:rPr lang="en-US" sz="4800" b="1" dirty="0" err="1" smtClean="0">
-                <a:solidFill>
-                  <a:srgbClr val="FF0000"/>
+              <a:rPr lang="en-US" sz="4800" b="1" dirty="0" smtClean="0">
+                <a:solidFill>
+                  <a:schemeClr val="tx1"/>
                 </a:solidFill>
                 <a:effectLst>
                   <a:outerShdw blurRad="38100" dist="38100" dir="2700000" algn="tl">
@@ -5985,7 +6032,7 @@
             </a:r>
             <a:endParaRPr lang="en-US" sz="4800" b="1" dirty="0">
               <a:solidFill>
-                <a:srgbClr val="FF0000"/>
+                <a:schemeClr val="tx1"/>
               </a:solidFill>
               <a:effectLst>
                 <a:outerShdw blurRad="38100" dist="38100" dir="2700000" algn="tl">
@@ -6497,7 +6544,7 @@
             <a:r>
               <a:rPr lang="en-US" sz="8000" i="1" dirty="0" smtClean="0">
                 <a:solidFill>
-                  <a:srgbClr val="FF0000"/>
+                  <a:schemeClr val="tx1"/>
                 </a:solidFill>
                 <a:effectLst>
                   <a:outerShdw blurRad="38100" dist="38100" dir="2700000" algn="tl">
@@ -6513,7 +6560,7 @@
             <a:r>
               <a:rPr lang="en-US" dirty="0">
                 <a:solidFill>
-                  <a:srgbClr val="FFFF00"/>
+                  <a:schemeClr val="tx1"/>
                 </a:solidFill>
               </a:rPr>
               <a:t/>
@@ -6521,11 +6568,15 @@
             <a:br>
               <a:rPr lang="en-US" dirty="0">
                 <a:solidFill>
-                  <a:srgbClr val="FFFF00"/>
+                  <a:schemeClr val="tx1"/>
                 </a:solidFill>
               </a:rPr>
             </a:br>
-            <a:endParaRPr lang="bg-BG" dirty="0"/>
+            <a:endParaRPr lang="bg-BG" dirty="0">
+              <a:solidFill>
+                <a:schemeClr val="tx1"/>
+              </a:solidFill>
+            </a:endParaRPr>
           </a:p>
         </p:txBody>
       </p:sp>
@@ -6566,14 +6617,30 @@
                 </a:effectLst>
                 <a:latin typeface="Algerian" panose="04020705040A02060702" pitchFamily="82" charset="0"/>
               </a:rPr>
-              <a:t>   Our first idea</a:t>
+              <a:t>   </a:t>
+            </a:r>
+            <a:r>
+              <a:rPr lang="en-US" sz="4800" b="1" dirty="0" smtClean="0">
+                <a:solidFill>
+                  <a:schemeClr val="tx1"/>
+                </a:solidFill>
+                <a:effectLst>
+                  <a:outerShdw blurRad="38100" dist="38100" dir="2700000" algn="tl">
+                    <a:srgbClr val="000000">
+                      <a:alpha val="43137"/>
+                    </a:srgbClr>
+                  </a:outerShdw>
+                </a:effectLst>
+                <a:latin typeface="Algerian" panose="04020705040A02060702" pitchFamily="82" charset="0"/>
+              </a:rPr>
+              <a:t>Our first idea</a:t>
             </a:r>
           </a:p>
           <a:p>
             <a:pPr algn="l"/>
             <a:endParaRPr lang="en-US" sz="4800" b="1" dirty="0" smtClean="0">
               <a:solidFill>
-                <a:srgbClr val="FF0000"/>
+                <a:schemeClr val="tx1"/>
               </a:solidFill>
               <a:effectLst>
                 <a:outerShdw blurRad="38100" dist="38100" dir="2700000" algn="tl">
@@ -6590,7 +6657,7 @@
             <a:r>
               <a:rPr lang="en-US" sz="4800" b="1" dirty="0" smtClean="0">
                 <a:solidFill>
-                  <a:srgbClr val="FF0000"/>
+                  <a:schemeClr val="tx1"/>
                 </a:solidFill>
                 <a:effectLst>
                   <a:outerShdw blurRad="38100" dist="38100" dir="2700000" algn="tl">
@@ -6605,7 +6672,7 @@
             </a:r>
             <a:endParaRPr lang="en-US" sz="4800" b="1" dirty="0">
               <a:solidFill>
-                <a:srgbClr val="FF0000"/>
+                <a:schemeClr val="tx1"/>
               </a:solidFill>
               <a:effectLst>
                 <a:outerShdw blurRad="38100" dist="38100" dir="2700000" algn="tl">
@@ -7131,7 +7198,7 @@
             <a:r>
               <a:rPr lang="en-US" sz="8000" i="1" dirty="0" smtClean="0">
                 <a:solidFill>
-                  <a:srgbClr val="FF0000"/>
+                  <a:schemeClr val="tx1"/>
                 </a:solidFill>
                 <a:effectLst>
                   <a:outerShdw blurRad="38100" dist="38100" dir="2700000" algn="tl">
@@ -7147,7 +7214,7 @@
             <a:r>
               <a:rPr lang="en-US" dirty="0">
                 <a:solidFill>
-                  <a:srgbClr val="FFFF00"/>
+                  <a:schemeClr val="tx1"/>
                 </a:solidFill>
               </a:rPr>
               <a:t/>
@@ -7155,11 +7222,15 @@
             <a:br>
               <a:rPr lang="en-US" dirty="0">
                 <a:solidFill>
-                  <a:srgbClr val="FFFF00"/>
+                  <a:schemeClr val="tx1"/>
                 </a:solidFill>
               </a:rPr>
             </a:br>
-            <a:endParaRPr lang="bg-BG" dirty="0"/>
+            <a:endParaRPr lang="bg-BG" dirty="0">
+              <a:solidFill>
+                <a:schemeClr val="tx1"/>
+              </a:solidFill>
+            </a:endParaRPr>
           </a:p>
         </p:txBody>
       </p:sp>
@@ -7200,14 +7271,30 @@
                 </a:effectLst>
                 <a:latin typeface="Algerian" panose="04020705040A02060702" pitchFamily="82" charset="0"/>
               </a:rPr>
-              <a:t>   Our second and main idea </a:t>
+              <a:t>   </a:t>
+            </a:r>
+            <a:r>
+              <a:rPr lang="en-US" sz="4800" b="1" dirty="0" smtClean="0">
+                <a:solidFill>
+                  <a:schemeClr val="tx1"/>
+                </a:solidFill>
+                <a:effectLst>
+                  <a:outerShdw blurRad="38100" dist="38100" dir="2700000" algn="tl">
+                    <a:srgbClr val="000000">
+                      <a:alpha val="43137"/>
+                    </a:srgbClr>
+                  </a:outerShdw>
+                </a:effectLst>
+                <a:latin typeface="Algerian" panose="04020705040A02060702" pitchFamily="82" charset="0"/>
+              </a:rPr>
+              <a:t>Our second and main idea </a:t>
             </a:r>
           </a:p>
           <a:p>
             <a:pPr algn="l"/>
             <a:endParaRPr lang="en-US" sz="4800" b="1" dirty="0" smtClean="0">
               <a:solidFill>
-                <a:srgbClr val="FF0000"/>
+                <a:schemeClr val="tx1"/>
               </a:solidFill>
               <a:effectLst>
                 <a:outerShdw blurRad="38100" dist="38100" dir="2700000" algn="tl">
@@ -7224,7 +7311,7 @@
             <a:r>
               <a:rPr lang="en-US" sz="4800" b="1" dirty="0" smtClean="0">
                 <a:solidFill>
-                  <a:srgbClr val="FF0000"/>
+                  <a:schemeClr val="tx1"/>
                 </a:solidFill>
                 <a:effectLst>
                   <a:outerShdw blurRad="38100" dist="38100" dir="2700000" algn="tl">
@@ -7235,59 +7322,11 @@
                 </a:effectLst>
                 <a:latin typeface="Algerian" panose="04020705040A02060702" pitchFamily="82" charset="0"/>
               </a:rPr>
-              <a:t>   game </a:t>
-            </a:r>
-            <a:r>
-              <a:rPr lang="en-US" sz="4800" b="1" smtClean="0">
-                <a:solidFill>
-                  <a:srgbClr val="FF0000"/>
-                </a:solidFill>
-                <a:effectLst>
-                  <a:outerShdw blurRad="38100" dist="38100" dir="2700000" algn="tl">
-                    <a:srgbClr val="000000">
-                      <a:alpha val="43137"/>
-                    </a:srgbClr>
-                  </a:outerShdw>
-                </a:effectLst>
-                <a:latin typeface="Algerian" panose="04020705040A02060702" pitchFamily="82" charset="0"/>
-              </a:rPr>
-              <a:t>“</a:t>
-            </a:r>
-            <a:r>
-              <a:rPr lang="en-US" sz="4800" b="1" smtClean="0">
-                <a:solidFill>
-                  <a:srgbClr val="FF0000"/>
-                </a:solidFill>
-                <a:effectLst>
-                  <a:outerShdw blurRad="38100" dist="38100" dir="2700000" algn="tl">
-                    <a:srgbClr val="000000">
-                      <a:alpha val="43137"/>
-                    </a:srgbClr>
-                  </a:outerShdw>
-                </a:effectLst>
-                <a:latin typeface="Algerian" panose="04020705040A02060702" pitchFamily="82" charset="0"/>
-              </a:rPr>
-              <a:t>sheep </a:t>
-            </a:r>
-            <a:r>
-              <a:rPr lang="en-US" sz="4800" b="1" dirty="0" smtClean="0">
-                <a:solidFill>
-                  <a:srgbClr val="FF0000"/>
-                </a:solidFill>
-                <a:effectLst>
-                  <a:outerShdw blurRad="38100" dist="38100" dir="2700000" algn="tl">
-                    <a:srgbClr val="000000">
-                      <a:alpha val="43137"/>
-                    </a:srgbClr>
-                  </a:outerShdw>
-                </a:effectLst>
-                <a:latin typeface="Algerian" panose="04020705040A02060702" pitchFamily="82" charset="0"/>
-              </a:rPr>
-              <a:t>collector”</a:t>
+              <a:t>   game “sheep collector”</a:t>
             </a:r>
             <a:endParaRPr lang="en-US" sz="4800" b="1" dirty="0">
               <a:solidFill>
-                <a:srgbClr val="FF0000"/>
+                <a:schemeClr val="tx1"/>
               </a:solidFill>
               <a:effectLst>
                 <a:outerShdw blurRad="38100" dist="38100" dir="2700000" algn="tl">
@@ -7712,9 +7751,6 @@
             </a:pPr>
             <a:r>
               <a:rPr lang="en-US" sz="9600" b="1" dirty="0">
-                <a:solidFill>
-                  <a:srgbClr val="FF0000"/>
-                </a:solidFill>
                 <a:effectLst>
                   <a:outerShdw blurRad="38100" dist="38100" dir="2700000" algn="tl">
                     <a:srgbClr val="000000">
@@ -7730,9 +7766,6 @@
             </a:r>
             <a:r>
               <a:rPr lang="en-US" sz="9600" b="1" dirty="0" smtClean="0">
-                <a:solidFill>
-                  <a:srgbClr val="FF0000"/>
-                </a:solidFill>
                 <a:effectLst>
                   <a:outerShdw blurRad="38100" dist="38100" dir="2700000" algn="tl">
                     <a:srgbClr val="000000">
@@ -7753,9 +7786,6 @@
             </a:pPr>
             <a:r>
               <a:rPr lang="en-US" b="1" dirty="0">
-                <a:solidFill>
-                  <a:srgbClr val="FF0000"/>
-                </a:solidFill>
                 <a:effectLst>
                   <a:outerShdw blurRad="38100" dist="38100" dir="2700000" algn="tl">
                     <a:srgbClr val="000000">
@@ -7771,9 +7801,6 @@
             </a:r>
             <a:r>
               <a:rPr lang="en-US" b="1" dirty="0" smtClean="0">
-                <a:solidFill>
-                  <a:srgbClr val="FF0000"/>
-                </a:solidFill>
                 <a:effectLst>
                   <a:outerShdw blurRad="38100" dist="38100" dir="2700000" algn="tl">
                     <a:srgbClr val="000000">
@@ -7793,9 +7820,6 @@
               <a:buNone/>
             </a:pPr>
             <a:endParaRPr lang="en-US" b="1" dirty="0" smtClean="0">
-              <a:solidFill>
-                <a:srgbClr val="FF0000"/>
-              </a:solidFill>
               <a:effectLst>
                 <a:outerShdw blurRad="38100" dist="38100" dir="2700000" algn="tl">
                   <a:srgbClr val="000000">

--- a/Presentation.pptx
+++ b/Presentation.pptx
@@ -5,15 +5,21 @@
     <p:sldMasterId id="2147483681" r:id="rId2"/>
   </p:sldMasterIdLst>
   <p:notesMasterIdLst>
-    <p:notesMasterId r:id="rId6"/>
+    <p:notesMasterId r:id="rId12"/>
   </p:notesMasterIdLst>
   <p:handoutMasterIdLst>
-    <p:handoutMasterId r:id="rId7"/>
+    <p:handoutMasterId r:id="rId13"/>
   </p:handoutMasterIdLst>
   <p:sldIdLst>
     <p:sldId id="274" r:id="rId3"/>
     <p:sldId id="352" r:id="rId4"/>
-    <p:sldId id="354" r:id="rId5"/>
+    <p:sldId id="355" r:id="rId5"/>
+    <p:sldId id="356" r:id="rId6"/>
+    <p:sldId id="357" r:id="rId7"/>
+    <p:sldId id="358" r:id="rId8"/>
+    <p:sldId id="359" r:id="rId9"/>
+    <p:sldId id="360" r:id="rId10"/>
+    <p:sldId id="354" r:id="rId11"/>
   </p:sldIdLst>
   <p:sldSz cx="12188825" cy="6858000"/>
   <p:notesSz cx="6858000" cy="9144000"/>
@@ -114,7 +120,7 @@
   </p:defaultTextStyle>
   <p:extLst>
     <p:ext uri="{EFAFB233-063F-42B5-8137-9DF3F51BA10A}">
-      <p15:sldGuideLst xmlns:p15="http://schemas.microsoft.com/office/powerpoint/2012/main">
+      <p15:sldGuideLst xmlns="" xmlns:p15="http://schemas.microsoft.com/office/powerpoint/2012/main">
         <p15:guide id="1" orient="horz" pos="2160" userDrawn="1">
           <p15:clr>
             <a:srgbClr val="A4A3A4"/>
@@ -128,7 +134,7 @@
       </p15:sldGuideLst>
     </p:ext>
     <p:ext uri="{2D200454-40CA-4A62-9FC3-DE9A4176ACB9}">
-      <p15:notesGuideLst xmlns:p15="http://schemas.microsoft.com/office/powerpoint/2012/main">
+      <p15:notesGuideLst xmlns="" xmlns:p15="http://schemas.microsoft.com/office/powerpoint/2012/main">
         <p15:guide id="1" orient="horz" pos="2880">
           <p15:clr>
             <a:srgbClr val="A4A3A4"/>
@@ -234,7 +240,7 @@
             <a:fld id="{FE5B4EDC-59C0-49C7-8ADA-5A781B329E02}" type="datetimeFigureOut">
               <a:rPr lang="en-US"/>
               <a:pPr/>
-              <a:t>7/26/2014</a:t>
+              <a:t>7/31/14</a:t>
             </a:fld>
             <a:endParaRPr dirty="0"/>
           </a:p>
@@ -432,7 +438,7 @@
             <a:fld id="{F2D8D46A-B586-417D-BFBD-8C8FE0AAF762}" type="datetimeFigureOut">
               <a:rPr lang="en-US" smtClean="0"/>
               <a:pPr/>
-              <a:t>7/26/2014</a:t>
+              <a:t>7/31/14</a:t>
             </a:fld>
             <a:endParaRPr lang="en-US"/>
           </a:p>
@@ -1304,7 +1310,7 @@
   <p:timing>
     <p:tnLst>
       <p:par>
-        <p:cTn id="1" dur="indefinite" restart="never" nodeType="tmRoot"/>
+        <p:cTn xmlns:p14="http://schemas.microsoft.com/office/powerpoint/2010/main" id="1" dur="indefinite" restart="never" nodeType="tmRoot"/>
       </p:par>
     </p:tnLst>
   </p:timing>
@@ -1370,7 +1376,7 @@
                 </a:solidFill>
               </a:rPr>
               <a:pPr/>
-              <a:t>7/26/2014</a:t>
+              <a:t>7/31/14</a:t>
             </a:fld>
             <a:endParaRPr lang="en-US" dirty="0">
               <a:solidFill>
@@ -1654,7 +1660,7 @@
   <p:timing>
     <p:tnLst>
       <p:par>
-        <p:cTn id="1" dur="indefinite" restart="never" nodeType="tmRoot"/>
+        <p:cTn xmlns:p14="http://schemas.microsoft.com/office/powerpoint/2010/main" id="1" dur="indefinite" restart="never" nodeType="tmRoot"/>
       </p:par>
     </p:tnLst>
   </p:timing>
@@ -1887,7 +1893,7 @@
   <p:timing>
     <p:tnLst>
       <p:par>
-        <p:cTn id="1" dur="indefinite" restart="never" nodeType="tmRoot"/>
+        <p:cTn xmlns:p14="http://schemas.microsoft.com/office/powerpoint/2010/main" id="1" dur="indefinite" restart="never" nodeType="tmRoot"/>
       </p:par>
     </p:tnLst>
   </p:timing>
@@ -1932,7 +1938,7 @@
   <p:timing>
     <p:tnLst>
       <p:par>
-        <p:cTn id="1" dur="indefinite" restart="never" nodeType="tmRoot"/>
+        <p:cTn xmlns:p14="http://schemas.microsoft.com/office/powerpoint/2010/main" id="1" dur="indefinite" restart="never" nodeType="tmRoot"/>
       </p:par>
     </p:tnLst>
   </p:timing>
@@ -2013,7 +2019,7 @@
                 </a:solidFill>
               </a:rPr>
               <a:pPr/>
-              <a:t>7/26/2014</a:t>
+              <a:t>7/31/14</a:t>
             </a:fld>
             <a:endParaRPr lang="en-US" dirty="0">
               <a:solidFill>
@@ -2242,7 +2248,7 @@
   <p:timing>
     <p:tnLst>
       <p:par>
-        <p:cTn id="1" dur="indefinite" restart="never" nodeType="tmRoot"/>
+        <p:cTn xmlns:p14="http://schemas.microsoft.com/office/powerpoint/2010/main" id="1" dur="indefinite" restart="never" nodeType="tmRoot"/>
       </p:par>
     </p:tnLst>
   </p:timing>
@@ -2580,7 +2586,7 @@
   </p:txStyles>
   <p:extLst mod="1">
     <p:ext uri="{27BBF7A9-308A-43DC-89C8-2F10F3537804}">
-      <p15:sldGuideLst xmlns:p15="http://schemas.microsoft.com/office/powerpoint/2012/main">
+      <p15:sldGuideLst xmlns="" xmlns:p15="http://schemas.microsoft.com/office/powerpoint/2012/main">
         <p15:guide id="1" orient="horz" pos="2160">
           <p15:clr>
             <a:srgbClr val="F26B43"/>
@@ -2626,7 +2632,7 @@
         </p:nvSpPr>
         <p:spPr>
           <a:xfrm>
-            <a:off x="-77788" y="1676400"/>
+            <a:off x="-153988" y="2667000"/>
             <a:ext cx="11428412" cy="1447624"/>
           </a:xfrm>
         </p:spPr>
@@ -2639,54 +2645,40 @@
             <a:r>
               <a:rPr lang="en-US" sz="7200" dirty="0" smtClean="0">
                 <a:solidFill>
-                  <a:srgbClr val="FF0000"/>
+                  <a:schemeClr val="tx1"/>
                 </a:solidFill>
                 <a:latin typeface="Algerian" panose="04020705040A02060702" pitchFamily="82" charset="0"/>
               </a:rPr>
-              <a:t>JavaScript Teamwork </a:t>
+              <a:t>JavaScript</a:t>
+            </a:r>
+            <a:r>
+              <a:rPr lang="en-US" sz="7200" dirty="0" smtClean="0">
+                <a:solidFill>
+                  <a:srgbClr val="FF0000"/>
+                </a:solidFill>
+                <a:latin typeface="Algerian" panose="04020705040A02060702" pitchFamily="82" charset="0"/>
+              </a:rPr>
+              <a:t> </a:t>
+            </a:r>
+            <a:r>
+              <a:rPr lang="en-US" sz="7200" dirty="0" smtClean="0">
+                <a:solidFill>
+                  <a:schemeClr val="tx1"/>
+                </a:solidFill>
+                <a:latin typeface="Algerian" panose="04020705040A02060702" pitchFamily="82" charset="0"/>
+              </a:rPr>
+              <a:t>Teamwork</a:t>
+            </a:r>
+            <a:r>
+              <a:rPr lang="en-US" sz="7200" dirty="0" smtClean="0">
+                <a:solidFill>
+                  <a:srgbClr val="FF0000"/>
+                </a:solidFill>
+                <a:latin typeface="Algerian" panose="04020705040A02060702" pitchFamily="82" charset="0"/>
+              </a:rPr>
+              <a:t> </a:t>
             </a:r>
             <a:endParaRPr lang="en-US" sz="7200" dirty="0">
-              <a:solidFill>
-                <a:srgbClr val="FF0000"/>
-              </a:solidFill>
-              <a:latin typeface="Algerian" panose="04020705040A02060702" pitchFamily="82" charset="0"/>
-            </a:endParaRPr>
-          </a:p>
-        </p:txBody>
-      </p:sp>
-      <p:sp>
-        <p:nvSpPr>
-          <p:cNvPr id="18" name="Subtitle 17"/>
-          <p:cNvSpPr>
-            <a:spLocks noGrp="1"/>
-          </p:cNvSpPr>
-          <p:nvPr>
-            <p:ph type="subTitle" idx="1"/>
-          </p:nvPr>
-        </p:nvSpPr>
-        <p:spPr>
-          <a:xfrm>
-            <a:off x="1781598" y="3505200"/>
-            <a:ext cx="7863628" cy="1219200"/>
-          </a:xfrm>
-        </p:spPr>
-        <p:txBody>
-          <a:bodyPr>
-            <a:normAutofit/>
-          </a:bodyPr>
-          <a:lstStyle/>
-          <a:p>
-            <a:pPr algn="ctr"/>
-            <a:r>
-              <a:rPr lang="en-US" sz="7200" b="1" dirty="0" smtClean="0">
-                <a:solidFill>
-                  <a:srgbClr val="FF0000"/>
-                </a:solidFill>
-                <a:latin typeface="Algerian" panose="04020705040A02060702" pitchFamily="82" charset="0"/>
-              </a:rPr>
-              <a:t>Super Nakov</a:t>
-            </a:r>
-            <a:endParaRPr lang="en-US" sz="7200" b="1" dirty="0">
               <a:solidFill>
                 <a:srgbClr val="FF0000"/>
               </a:solidFill>
@@ -2716,7 +2708,7 @@
   <p:timing>
     <p:tnLst>
       <p:par>
-        <p:cTn id="1" dur="indefinite" restart="never" nodeType="tmRoot">
+        <p:cTn xmlns:p14="http://schemas.microsoft.com/office/powerpoint/2010/main" id="1" dur="indefinite" restart="never" nodeType="tmRoot">
           <p:childTnLst>
             <p:seq concurrent="1" nextAc="seek">
               <p:cTn id="2" dur="indefinite" nodeType="mainSeq">
@@ -2808,148 +2800,6 @@
                                         <p:cTn id="9" dur="500"/>
                                         <p:tgtEl>
                                           <p:spTgt spid="5"/>
-                                        </p:tgtEl>
-                                      </p:cBhvr>
-                                    </p:animEffect>
-                                  </p:childTnLst>
-                                </p:cTn>
-                              </p:par>
-                            </p:childTnLst>
-                          </p:cTn>
-                        </p:par>
-                      </p:childTnLst>
-                    </p:cTn>
-                  </p:par>
-                  <p:par>
-                    <p:cTn id="10" fill="hold">
-                      <p:stCondLst>
-                        <p:cond delay="indefinite"/>
-                      </p:stCondLst>
-                      <p:childTnLst>
-                        <p:par>
-                          <p:cTn id="11" fill="hold">
-                            <p:stCondLst>
-                              <p:cond delay="0"/>
-                            </p:stCondLst>
-                            <p:childTnLst>
-                              <p:par>
-                                <p:cTn id="12" presetID="31" presetClass="entr" presetSubtype="0" fill="hold" grpId="0" nodeType="clickEffect">
-                                  <p:stCondLst>
-                                    <p:cond delay="0"/>
-                                  </p:stCondLst>
-                                  <p:childTnLst>
-                                    <p:set>
-                                      <p:cBhvr>
-                                        <p:cTn id="13" dur="1" fill="hold">
-                                          <p:stCondLst>
-                                            <p:cond delay="0"/>
-                                          </p:stCondLst>
-                                        </p:cTn>
-                                        <p:tgtEl>
-                                          <p:spTgt spid="18">
-                                            <p:txEl>
-                                              <p:pRg st="0" end="0"/>
-                                            </p:txEl>
-                                          </p:spTgt>
-                                        </p:tgtEl>
-                                        <p:attrNameLst>
-                                          <p:attrName>style.visibility</p:attrName>
-                                        </p:attrNameLst>
-                                      </p:cBhvr>
-                                      <p:to>
-                                        <p:strVal val="visible"/>
-                                      </p:to>
-                                    </p:set>
-                                    <p:anim calcmode="lin" valueType="num">
-                                      <p:cBhvr>
-                                        <p:cTn id="14" dur="1000" fill="hold"/>
-                                        <p:tgtEl>
-                                          <p:spTgt spid="18">
-                                            <p:txEl>
-                                              <p:pRg st="0" end="0"/>
-                                            </p:txEl>
-                                          </p:spTgt>
-                                        </p:tgtEl>
-                                        <p:attrNameLst>
-                                          <p:attrName>ppt_w</p:attrName>
-                                        </p:attrNameLst>
-                                      </p:cBhvr>
-                                      <p:tavLst>
-                                        <p:tav tm="0">
-                                          <p:val>
-                                            <p:fltVal val="0"/>
-                                          </p:val>
-                                        </p:tav>
-                                        <p:tav tm="100000">
-                                          <p:val>
-                                            <p:strVal val="#ppt_w"/>
-                                          </p:val>
-                                        </p:tav>
-                                      </p:tavLst>
-                                    </p:anim>
-                                    <p:anim calcmode="lin" valueType="num">
-                                      <p:cBhvr>
-                                        <p:cTn id="15" dur="1000" fill="hold"/>
-                                        <p:tgtEl>
-                                          <p:spTgt spid="18">
-                                            <p:txEl>
-                                              <p:pRg st="0" end="0"/>
-                                            </p:txEl>
-                                          </p:spTgt>
-                                        </p:tgtEl>
-                                        <p:attrNameLst>
-                                          <p:attrName>ppt_h</p:attrName>
-                                        </p:attrNameLst>
-                                      </p:cBhvr>
-                                      <p:tavLst>
-                                        <p:tav tm="0">
-                                          <p:val>
-                                            <p:fltVal val="0"/>
-                                          </p:val>
-                                        </p:tav>
-                                        <p:tav tm="100000">
-                                          <p:val>
-                                            <p:strVal val="#ppt_h"/>
-                                          </p:val>
-                                        </p:tav>
-                                      </p:tavLst>
-                                    </p:anim>
-                                    <p:anim calcmode="lin" valueType="num">
-                                      <p:cBhvr>
-                                        <p:cTn id="16" dur="1000" fill="hold"/>
-                                        <p:tgtEl>
-                                          <p:spTgt spid="18">
-                                            <p:txEl>
-                                              <p:pRg st="0" end="0"/>
-                                            </p:txEl>
-                                          </p:spTgt>
-                                        </p:tgtEl>
-                                        <p:attrNameLst>
-                                          <p:attrName>style.rotation</p:attrName>
-                                        </p:attrNameLst>
-                                      </p:cBhvr>
-                                      <p:tavLst>
-                                        <p:tav tm="0">
-                                          <p:val>
-                                            <p:fltVal val="90"/>
-                                          </p:val>
-                                        </p:tav>
-                                        <p:tav tm="100000">
-                                          <p:val>
-                                            <p:fltVal val="0"/>
-                                          </p:val>
-                                        </p:tav>
-                                      </p:tavLst>
-                                    </p:anim>
-                                    <p:animEffect transition="in" filter="fade">
-                                      <p:cBhvr>
-                                        <p:cTn id="17" dur="1000"/>
-                                        <p:tgtEl>
-                                          <p:spTgt spid="18">
-                                            <p:txEl>
-                                              <p:pRg st="0" end="0"/>
-                                            </p:txEl>
-                                          </p:spTgt>
                                         </p:tgtEl>
                                       </p:cBhvr>
                                     </p:animEffect>
@@ -2985,7 +2835,6 @@
     </p:tnLst>
     <p:bldLst>
       <p:bldP spid="5" grpId="0"/>
-      <p:bldP spid="18" grpId="0" build="p"/>
     </p:bldLst>
   </p:timing>
 </p:sld>
@@ -3020,8 +2869,8 @@
         </p:nvSpPr>
         <p:spPr>
           <a:xfrm>
-            <a:off x="2132011" y="314301"/>
-            <a:ext cx="9616743" cy="2000251"/>
+            <a:off x="3046412" y="202176"/>
+            <a:ext cx="8987207" cy="2000251"/>
           </a:xfrm>
           <a:effectLst>
             <a:outerShdw blurRad="50800" dist="38100" algn="l" rotWithShape="0">
@@ -3049,7 +2898,7 @@
             <a:r>
               <a:rPr lang="en-US" sz="8000" i="1" dirty="0" smtClean="0">
                 <a:solidFill>
-                  <a:srgbClr val="FF0000"/>
+                  <a:schemeClr val="tx1"/>
                 </a:solidFill>
                 <a:effectLst>
                   <a:outerShdw blurRad="38100" dist="38100" dir="2700000" algn="tl">
@@ -3060,39 +2909,7 @@
                 </a:effectLst>
                 <a:latin typeface="Algerian" panose="04020705040A02060702" pitchFamily="82" charset="0"/>
               </a:rPr>
-              <a:t>TEAM“</a:t>
-            </a:r>
-            <a:r>
-              <a:rPr lang="en-US" sz="8000" i="1" dirty="0" smtClean="0">
-                <a:solidFill>
-                  <a:srgbClr val="FF0000"/>
-                </a:solidFill>
-                <a:effectLst>
-                  <a:outerShdw blurRad="38100" dist="38100" dir="2700000" algn="tl">
-                    <a:srgbClr val="000000">
-                      <a:alpha val="43137"/>
-                    </a:srgbClr>
-                  </a:outerShdw>
-                </a:effectLst>
-                <a:latin typeface="Algerian" panose="04020705040A02060702" pitchFamily="82" charset="0"/>
-              </a:rPr>
-              <a:t>MOON ORCHID</a:t>
-            </a:r>
-            <a:r>
-              <a:rPr lang="en-US" sz="8000" i="1" dirty="0" smtClean="0">
-                <a:solidFill>
-                  <a:srgbClr val="FF0000"/>
-                </a:solidFill>
-                <a:effectLst>
-                  <a:outerShdw blurRad="38100" dist="38100" dir="2700000" algn="tl">
-                    <a:srgbClr val="000000">
-                      <a:alpha val="43137"/>
-                    </a:srgbClr>
-                  </a:outerShdw>
-                </a:effectLst>
-                <a:latin typeface="Algerian" panose="04020705040A02060702" pitchFamily="82" charset="0"/>
-              </a:rPr>
-              <a:t>”</a:t>
+              <a:t>TEAM“MOON ORCHID”</a:t>
             </a:r>
             <a:r>
               <a:rPr lang="en-US" dirty="0">
@@ -3142,7 +2959,7 @@
             <a:r>
               <a:rPr lang="en-US" sz="4800" b="1" dirty="0" smtClean="0">
                 <a:solidFill>
-                  <a:srgbClr val="FF0000"/>
+                  <a:schemeClr val="tx1"/>
                 </a:solidFill>
                 <a:effectLst>
                   <a:outerShdw blurRad="38100" dist="38100" dir="2700000" algn="tl">
@@ -3153,12 +2970,18 @@
                 </a:effectLst>
                 <a:latin typeface="Algerian" panose="04020705040A02060702" pitchFamily="82" charset="0"/>
               </a:rPr>
-              <a:t>Iliya Boyanov</a:t>
+              <a:t>Iliya Boyanov </a:t>
             </a:r>
+          </a:p>
+          <a:p>
+            <a:pPr marL="571500" indent="-571500" algn="l">
+              <a:buFont typeface="Wingdings" panose="05000000000000000000" pitchFamily="2" charset="2"/>
+              <a:buChar char="Ø"/>
+            </a:pPr>
             <a:r>
               <a:rPr lang="en-US" sz="4800" b="1" dirty="0" smtClean="0">
                 <a:solidFill>
-                  <a:srgbClr val="FF0000"/>
+                  <a:schemeClr val="tx1"/>
                 </a:solidFill>
                 <a:effectLst>
                   <a:outerShdw blurRad="38100" dist="38100" dir="2700000" algn="tl">
@@ -3169,11 +2992,11 @@
                 </a:effectLst>
                 <a:latin typeface="Algerian" panose="04020705040A02060702" pitchFamily="82" charset="0"/>
               </a:rPr>
-              <a:t> </a:t>
+              <a:t>Vladimir Ivanov</a:t>
             </a:r>
-            <a:endParaRPr lang="en-US" sz="4800" b="1" dirty="0" smtClean="0">
+            <a:endParaRPr lang="en-US" sz="4800" b="1" dirty="0">
               <a:solidFill>
-                <a:srgbClr val="FF0000"/>
+                <a:schemeClr val="tx1"/>
               </a:solidFill>
               <a:effectLst>
                 <a:outerShdw blurRad="38100" dist="38100" dir="2700000" algn="tl">
@@ -3193,42 +3016,7 @@
             <a:r>
               <a:rPr lang="en-US" sz="4800" b="1" dirty="0" smtClean="0">
                 <a:solidFill>
-                  <a:srgbClr val="FF0000"/>
-                </a:solidFill>
-                <a:effectLst>
-                  <a:outerShdw blurRad="38100" dist="38100" dir="2700000" algn="tl">
-                    <a:srgbClr val="000000">
-                      <a:alpha val="43137"/>
-                    </a:srgbClr>
-                  </a:outerShdw>
-                </a:effectLst>
-                <a:latin typeface="Algerian" panose="04020705040A02060702" pitchFamily="82" charset="0"/>
-              </a:rPr>
-              <a:t>Vladimir Ivanov</a:t>
-            </a:r>
-            <a:endParaRPr lang="en-US" sz="4800" b="1" dirty="0">
-              <a:solidFill>
-                <a:srgbClr val="FF0000"/>
-              </a:solidFill>
-              <a:effectLst>
-                <a:outerShdw blurRad="38100" dist="38100" dir="2700000" algn="tl">
-                  <a:srgbClr val="000000">
-                    <a:alpha val="43137"/>
-                  </a:srgbClr>
-                </a:outerShdw>
-              </a:effectLst>
-              <a:latin typeface="Algerian" panose="04020705040A02060702" pitchFamily="82" charset="0"/>
-            </a:endParaRPr>
-          </a:p>
-          <a:p>
-            <a:pPr marL="571500" indent="-571500" algn="l">
-              <a:buFont typeface="Wingdings" panose="05000000000000000000" pitchFamily="2" charset="2"/>
-              <a:buChar char="Ø"/>
-            </a:pPr>
-            <a:r>
-              <a:rPr lang="en-US" sz="4800" b="1" dirty="0" smtClean="0">
-                <a:solidFill>
-                  <a:srgbClr val="FF0000"/>
+                  <a:schemeClr val="tx1"/>
                 </a:solidFill>
                 <a:effectLst>
                   <a:outerShdw blurRad="38100" dist="38100" dir="2700000" algn="tl">
@@ -3250,7 +3038,7 @@
             <a:r>
               <a:rPr lang="en-US" sz="4800" b="1" dirty="0" smtClean="0">
                 <a:solidFill>
-                  <a:srgbClr val="FF0000"/>
+                  <a:schemeClr val="tx1"/>
                 </a:solidFill>
                 <a:effectLst>
                   <a:outerShdw blurRad="38100" dist="38100" dir="2700000" algn="tl">
@@ -3263,19 +3051,6 @@
               </a:rPr>
               <a:t>Plamena Nikolova</a:t>
             </a:r>
-            <a:endParaRPr lang="en-US" sz="4800" b="1" dirty="0" smtClean="0">
-              <a:solidFill>
-                <a:srgbClr val="FF0000"/>
-              </a:solidFill>
-              <a:effectLst>
-                <a:outerShdw blurRad="38100" dist="38100" dir="2700000" algn="tl">
-                  <a:srgbClr val="000000">
-                    <a:alpha val="43137"/>
-                  </a:srgbClr>
-                </a:outerShdw>
-              </a:effectLst>
-              <a:latin typeface="Algerian" panose="04020705040A02060702" pitchFamily="82" charset="0"/>
-            </a:endParaRPr>
           </a:p>
         </p:txBody>
       </p:sp>
@@ -3320,6 +3095,138 @@
           </a:p>
         </p:txBody>
       </p:sp>
+      <p:pic>
+        <p:nvPicPr>
+          <p:cNvPr id="3" name="Picture 2"/>
+          <p:cNvPicPr>
+            <a:picLocks noChangeAspect="1"/>
+          </p:cNvPicPr>
+          <p:nvPr/>
+        </p:nvPicPr>
+        <p:blipFill>
+          <a:blip r:embed="rId2">
+            <a:extLst>
+              <a:ext uri="{28A0092B-C50C-407E-A947-70E740481C1C}">
+                <a14:useLocalDpi xmlns:a14="http://schemas.microsoft.com/office/drawing/2010/main" val="0"/>
+              </a:ext>
+            </a:extLst>
+          </a:blip>
+          <a:stretch>
+            <a:fillRect/>
+          </a:stretch>
+        </p:blipFill>
+        <p:spPr>
+          <a:xfrm>
+            <a:off x="333400" y="327171"/>
+            <a:ext cx="1523810" cy="1752381"/>
+          </a:xfrm>
+          <a:prstGeom prst="rect">
+            <a:avLst/>
+          </a:prstGeom>
+          <a:ln>
+            <a:noFill/>
+          </a:ln>
+          <a:effectLst>
+            <a:softEdge rad="112500"/>
+          </a:effectLst>
+        </p:spPr>
+      </p:pic>
+      <p:pic>
+        <p:nvPicPr>
+          <p:cNvPr id="6" name="Picture 5"/>
+          <p:cNvPicPr>
+            <a:picLocks noChangeAspect="1"/>
+          </p:cNvPicPr>
+          <p:nvPr/>
+        </p:nvPicPr>
+        <p:blipFill>
+          <a:blip r:embed="rId3" cstate="print">
+            <a:extLst>
+              <a:ext uri="{28A0092B-C50C-407E-A947-70E740481C1C}">
+                <a14:useLocalDpi xmlns:a14="http://schemas.microsoft.com/office/drawing/2010/main" val="0"/>
+              </a:ext>
+            </a:extLst>
+          </a:blip>
+          <a:stretch>
+            <a:fillRect/>
+          </a:stretch>
+        </p:blipFill>
+        <p:spPr>
+          <a:xfrm>
+            <a:off x="2027676" y="3546675"/>
+            <a:ext cx="1331729" cy="1681162"/>
+          </a:xfrm>
+          <a:prstGeom prst="rect">
+            <a:avLst/>
+          </a:prstGeom>
+          <a:ln>
+            <a:noFill/>
+          </a:ln>
+          <a:effectLst>
+            <a:softEdge rad="112500"/>
+          </a:effectLst>
+        </p:spPr>
+      </p:pic>
+      <p:pic>
+        <p:nvPicPr>
+          <p:cNvPr id="8" name="Picture 7"/>
+          <p:cNvPicPr>
+            <a:picLocks noChangeAspect="1"/>
+          </p:cNvPicPr>
+          <p:nvPr/>
+        </p:nvPicPr>
+        <p:blipFill>
+          <a:blip r:embed="rId4"/>
+          <a:stretch>
+            <a:fillRect/>
+          </a:stretch>
+        </p:blipFill>
+        <p:spPr>
+          <a:xfrm>
+            <a:off x="191729" y="4294407"/>
+            <a:ext cx="1608436" cy="2289533"/>
+          </a:xfrm>
+          <a:prstGeom prst="rect">
+            <a:avLst/>
+          </a:prstGeom>
+        </p:spPr>
+      </p:pic>
+      <p:pic>
+        <p:nvPicPr>
+          <p:cNvPr id="9" name="Picture 8"/>
+          <p:cNvPicPr>
+            <a:picLocks noChangeAspect="1"/>
+          </p:cNvPicPr>
+          <p:nvPr/>
+        </p:nvPicPr>
+        <p:blipFill>
+          <a:blip r:embed="rId5" cstate="print">
+            <a:extLst>
+              <a:ext uri="{28A0092B-C50C-407E-A947-70E740481C1C}">
+                <a14:useLocalDpi xmlns:a14="http://schemas.microsoft.com/office/drawing/2010/main" val="0"/>
+              </a:ext>
+            </a:extLst>
+          </a:blip>
+          <a:stretch>
+            <a:fillRect/>
+          </a:stretch>
+        </p:blipFill>
+        <p:spPr>
+          <a:xfrm>
+            <a:off x="2039254" y="1676400"/>
+            <a:ext cx="1494356" cy="1870275"/>
+          </a:xfrm>
+          <a:prstGeom prst="rect">
+            <a:avLst/>
+          </a:prstGeom>
+          <a:ln>
+            <a:noFill/>
+          </a:ln>
+          <a:effectLst>
+            <a:softEdge rad="112500"/>
+          </a:effectLst>
+        </p:spPr>
+      </p:pic>
     </p:spTree>
     <p:extLst>
       <p:ext uri="{BB962C8B-B14F-4D97-AF65-F5344CB8AC3E}">
@@ -3341,7 +3248,7 @@
   <p:timing>
     <p:tnLst>
       <p:par>
-        <p:cTn id="1" dur="indefinite" restart="never" nodeType="tmRoot">
+        <p:cTn xmlns:p14="http://schemas.microsoft.com/office/powerpoint/2010/main" id="1" dur="indefinite" restart="never" nodeType="tmRoot">
           <p:childTnLst>
             <p:seq concurrent="1" nextAc="seek">
               <p:cTn id="2" dur="indefinite" nodeType="mainSeq">
@@ -3788,6 +3695,370 @@
                                         <p:tav tm="0">
                                           <p:val>
                                             <p:strVal val="#ppt_y+.1"/>
+                                          </p:val>
+                                        </p:tav>
+                                        <p:tav tm="100000">
+                                          <p:val>
+                                            <p:strVal val="#ppt_y"/>
+                                          </p:val>
+                                        </p:tav>
+                                      </p:tavLst>
+                                    </p:anim>
+                                  </p:childTnLst>
+                                </p:cTn>
+                              </p:par>
+                            </p:childTnLst>
+                          </p:cTn>
+                        </p:par>
+                      </p:childTnLst>
+                    </p:cTn>
+                  </p:par>
+                  <p:par>
+                    <p:cTn id="31" fill="hold">
+                      <p:stCondLst>
+                        <p:cond delay="indefinite"/>
+                      </p:stCondLst>
+                      <p:childTnLst>
+                        <p:par>
+                          <p:cTn id="32" fill="hold">
+                            <p:stCondLst>
+                              <p:cond delay="0"/>
+                            </p:stCondLst>
+                            <p:childTnLst>
+                              <p:par>
+                                <p:cTn id="33" presetID="2" presetClass="entr" presetSubtype="4" fill="hold" nodeType="clickEffect">
+                                  <p:stCondLst>
+                                    <p:cond delay="0"/>
+                                  </p:stCondLst>
+                                  <p:childTnLst>
+                                    <p:set>
+                                      <p:cBhvr>
+                                        <p:cTn id="34" dur="1" fill="hold">
+                                          <p:stCondLst>
+                                            <p:cond delay="0"/>
+                                          </p:stCondLst>
+                                        </p:cTn>
+                                        <p:tgtEl>
+                                          <p:spTgt spid="3"/>
+                                        </p:tgtEl>
+                                        <p:attrNameLst>
+                                          <p:attrName>style.visibility</p:attrName>
+                                        </p:attrNameLst>
+                                      </p:cBhvr>
+                                      <p:to>
+                                        <p:strVal val="visible"/>
+                                      </p:to>
+                                    </p:set>
+                                    <p:anim calcmode="lin" valueType="num">
+                                      <p:cBhvr additive="base">
+                                        <p:cTn id="35" dur="500" fill="hold"/>
+                                        <p:tgtEl>
+                                          <p:spTgt spid="3"/>
+                                        </p:tgtEl>
+                                        <p:attrNameLst>
+                                          <p:attrName>ppt_x</p:attrName>
+                                        </p:attrNameLst>
+                                      </p:cBhvr>
+                                      <p:tavLst>
+                                        <p:tav tm="0">
+                                          <p:val>
+                                            <p:strVal val="#ppt_x"/>
+                                          </p:val>
+                                        </p:tav>
+                                        <p:tav tm="100000">
+                                          <p:val>
+                                            <p:strVal val="#ppt_x"/>
+                                          </p:val>
+                                        </p:tav>
+                                      </p:tavLst>
+                                    </p:anim>
+                                    <p:anim calcmode="lin" valueType="num">
+                                      <p:cBhvr additive="base">
+                                        <p:cTn id="36" dur="500" fill="hold"/>
+                                        <p:tgtEl>
+                                          <p:spTgt spid="3"/>
+                                        </p:tgtEl>
+                                        <p:attrNameLst>
+                                          <p:attrName>ppt_y</p:attrName>
+                                        </p:attrNameLst>
+                                      </p:cBhvr>
+                                      <p:tavLst>
+                                        <p:tav tm="0">
+                                          <p:val>
+                                            <p:strVal val="1+#ppt_h/2"/>
+                                          </p:val>
+                                        </p:tav>
+                                        <p:tav tm="100000">
+                                          <p:val>
+                                            <p:strVal val="#ppt_y"/>
+                                          </p:val>
+                                        </p:tav>
+                                      </p:tavLst>
+                                    </p:anim>
+                                  </p:childTnLst>
+                                </p:cTn>
+                              </p:par>
+                            </p:childTnLst>
+                          </p:cTn>
+                        </p:par>
+                      </p:childTnLst>
+                    </p:cTn>
+                  </p:par>
+                  <p:par>
+                    <p:cTn id="37" fill="hold">
+                      <p:stCondLst>
+                        <p:cond delay="indefinite"/>
+                      </p:stCondLst>
+                      <p:childTnLst>
+                        <p:par>
+                          <p:cTn id="38" fill="hold">
+                            <p:stCondLst>
+                              <p:cond delay="0"/>
+                            </p:stCondLst>
+                            <p:childTnLst>
+                              <p:par>
+                                <p:cTn id="39" presetID="2" presetClass="entr" presetSubtype="4" fill="hold" nodeType="clickEffect">
+                                  <p:stCondLst>
+                                    <p:cond delay="0"/>
+                                  </p:stCondLst>
+                                  <p:childTnLst>
+                                    <p:set>
+                                      <p:cBhvr>
+                                        <p:cTn id="40" dur="1" fill="hold">
+                                          <p:stCondLst>
+                                            <p:cond delay="0"/>
+                                          </p:stCondLst>
+                                        </p:cTn>
+                                        <p:tgtEl>
+                                          <p:spTgt spid="9"/>
+                                        </p:tgtEl>
+                                        <p:attrNameLst>
+                                          <p:attrName>style.visibility</p:attrName>
+                                        </p:attrNameLst>
+                                      </p:cBhvr>
+                                      <p:to>
+                                        <p:strVal val="visible"/>
+                                      </p:to>
+                                    </p:set>
+                                    <p:anim calcmode="lin" valueType="num">
+                                      <p:cBhvr additive="base">
+                                        <p:cTn id="41" dur="500" fill="hold"/>
+                                        <p:tgtEl>
+                                          <p:spTgt spid="9"/>
+                                        </p:tgtEl>
+                                        <p:attrNameLst>
+                                          <p:attrName>ppt_x</p:attrName>
+                                        </p:attrNameLst>
+                                      </p:cBhvr>
+                                      <p:tavLst>
+                                        <p:tav tm="0">
+                                          <p:val>
+                                            <p:strVal val="#ppt_x"/>
+                                          </p:val>
+                                        </p:tav>
+                                        <p:tav tm="100000">
+                                          <p:val>
+                                            <p:strVal val="#ppt_x"/>
+                                          </p:val>
+                                        </p:tav>
+                                      </p:tavLst>
+                                    </p:anim>
+                                    <p:anim calcmode="lin" valueType="num">
+                                      <p:cBhvr additive="base">
+                                        <p:cTn id="42" dur="500" fill="hold"/>
+                                        <p:tgtEl>
+                                          <p:spTgt spid="9"/>
+                                        </p:tgtEl>
+                                        <p:attrNameLst>
+                                          <p:attrName>ppt_y</p:attrName>
+                                        </p:attrNameLst>
+                                      </p:cBhvr>
+                                      <p:tavLst>
+                                        <p:tav tm="0">
+                                          <p:val>
+                                            <p:strVal val="1+#ppt_h/2"/>
+                                          </p:val>
+                                        </p:tav>
+                                        <p:tav tm="100000">
+                                          <p:val>
+                                            <p:strVal val="#ppt_y"/>
+                                          </p:val>
+                                        </p:tav>
+                                      </p:tavLst>
+                                    </p:anim>
+                                  </p:childTnLst>
+                                </p:cTn>
+                              </p:par>
+                            </p:childTnLst>
+                          </p:cTn>
+                        </p:par>
+                      </p:childTnLst>
+                    </p:cTn>
+                  </p:par>
+                  <p:par>
+                    <p:cTn id="43" fill="hold">
+                      <p:stCondLst>
+                        <p:cond delay="indefinite"/>
+                      </p:stCondLst>
+                      <p:childTnLst>
+                        <p:par>
+                          <p:cTn id="44" fill="hold">
+                            <p:stCondLst>
+                              <p:cond delay="0"/>
+                            </p:stCondLst>
+                            <p:childTnLst>
+                              <p:par>
+                                <p:cTn id="45" presetID="2" presetClass="entr" presetSubtype="4" fill="hold" nodeType="clickEffect">
+                                  <p:stCondLst>
+                                    <p:cond delay="0"/>
+                                  </p:stCondLst>
+                                  <p:childTnLst>
+                                    <p:set>
+                                      <p:cBhvr>
+                                        <p:cTn id="46" dur="1" fill="hold">
+                                          <p:stCondLst>
+                                            <p:cond delay="0"/>
+                                          </p:stCondLst>
+                                        </p:cTn>
+                                        <p:tgtEl>
+                                          <p:spTgt spid="6"/>
+                                        </p:tgtEl>
+                                        <p:attrNameLst>
+                                          <p:attrName>style.visibility</p:attrName>
+                                        </p:attrNameLst>
+                                      </p:cBhvr>
+                                      <p:to>
+                                        <p:strVal val="visible"/>
+                                      </p:to>
+                                    </p:set>
+                                    <p:anim calcmode="lin" valueType="num">
+                                      <p:cBhvr additive="base">
+                                        <p:cTn id="47" dur="500" fill="hold"/>
+                                        <p:tgtEl>
+                                          <p:spTgt spid="6"/>
+                                        </p:tgtEl>
+                                        <p:attrNameLst>
+                                          <p:attrName>ppt_x</p:attrName>
+                                        </p:attrNameLst>
+                                      </p:cBhvr>
+                                      <p:tavLst>
+                                        <p:tav tm="0">
+                                          <p:val>
+                                            <p:strVal val="#ppt_x"/>
+                                          </p:val>
+                                        </p:tav>
+                                        <p:tav tm="100000">
+                                          <p:val>
+                                            <p:strVal val="#ppt_x"/>
+                                          </p:val>
+                                        </p:tav>
+                                      </p:tavLst>
+                                    </p:anim>
+                                    <p:anim calcmode="lin" valueType="num">
+                                      <p:cBhvr additive="base">
+                                        <p:cTn id="48" dur="500" fill="hold"/>
+                                        <p:tgtEl>
+                                          <p:spTgt spid="6"/>
+                                        </p:tgtEl>
+                                        <p:attrNameLst>
+                                          <p:attrName>ppt_y</p:attrName>
+                                        </p:attrNameLst>
+                                      </p:cBhvr>
+                                      <p:tavLst>
+                                        <p:tav tm="0">
+                                          <p:val>
+                                            <p:strVal val="1+#ppt_h/2"/>
+                                          </p:val>
+                                        </p:tav>
+                                        <p:tav tm="100000">
+                                          <p:val>
+                                            <p:strVal val="#ppt_y"/>
+                                          </p:val>
+                                        </p:tav>
+                                      </p:tavLst>
+                                    </p:anim>
+                                  </p:childTnLst>
+                                </p:cTn>
+                              </p:par>
+                            </p:childTnLst>
+                          </p:cTn>
+                        </p:par>
+                      </p:childTnLst>
+                    </p:cTn>
+                  </p:par>
+                  <p:par>
+                    <p:cTn id="49" fill="hold">
+                      <p:stCondLst>
+                        <p:cond delay="indefinite"/>
+                      </p:stCondLst>
+                      <p:childTnLst>
+                        <p:par>
+                          <p:cTn id="50" fill="hold">
+                            <p:stCondLst>
+                              <p:cond delay="0"/>
+                            </p:stCondLst>
+                            <p:childTnLst>
+                              <p:par>
+                                <p:cTn id="51" presetID="2" presetClass="entr" presetSubtype="4" fill="hold" nodeType="clickEffect">
+                                  <p:stCondLst>
+                                    <p:cond delay="0"/>
+                                  </p:stCondLst>
+                                  <p:childTnLst>
+                                    <p:set>
+                                      <p:cBhvr>
+                                        <p:cTn id="52" dur="1" fill="hold">
+                                          <p:stCondLst>
+                                            <p:cond delay="0"/>
+                                          </p:stCondLst>
+                                        </p:cTn>
+                                        <p:tgtEl>
+                                          <p:spTgt spid="8"/>
+                                        </p:tgtEl>
+                                        <p:attrNameLst>
+                                          <p:attrName>style.visibility</p:attrName>
+                                        </p:attrNameLst>
+                                      </p:cBhvr>
+                                      <p:to>
+                                        <p:strVal val="visible"/>
+                                      </p:to>
+                                    </p:set>
+                                    <p:anim calcmode="lin" valueType="num">
+                                      <p:cBhvr additive="base">
+                                        <p:cTn id="53" dur="500" fill="hold"/>
+                                        <p:tgtEl>
+                                          <p:spTgt spid="8"/>
+                                        </p:tgtEl>
+                                        <p:attrNameLst>
+                                          <p:attrName>ppt_x</p:attrName>
+                                        </p:attrNameLst>
+                                      </p:cBhvr>
+                                      <p:tavLst>
+                                        <p:tav tm="0">
+                                          <p:val>
+                                            <p:strVal val="#ppt_x"/>
+                                          </p:val>
+                                        </p:tav>
+                                        <p:tav tm="100000">
+                                          <p:val>
+                                            <p:strVal val="#ppt_x"/>
+                                          </p:val>
+                                        </p:tav>
+                                      </p:tavLst>
+                                    </p:anim>
+                                    <p:anim calcmode="lin" valueType="num">
+                                      <p:cBhvr additive="base">
+                                        <p:cTn id="54" dur="500" fill="hold"/>
+                                        <p:tgtEl>
+                                          <p:spTgt spid="8"/>
+                                        </p:tgtEl>
+                                        <p:attrNameLst>
+                                          <p:attrName>ppt_y</p:attrName>
+                                        </p:attrNameLst>
+                                      </p:cBhvr>
+                                      <p:tavLst>
+                                        <p:tav tm="0">
+                                          <p:val>
+                                            <p:strVal val="1+#ppt_h/2"/>
                                           </p:val>
                                         </p:tav>
                                         <p:tav tm="100000">
@@ -3853,6 +4124,3770 @@
       </p:grpSpPr>
       <p:sp>
         <p:nvSpPr>
+          <p:cNvPr id="4" name="Title 3"/>
+          <p:cNvSpPr>
+            <a:spLocks noGrp="1"/>
+          </p:cNvSpPr>
+          <p:nvPr>
+            <p:ph type="ctrTitle"/>
+          </p:nvPr>
+        </p:nvSpPr>
+        <p:spPr>
+          <a:xfrm>
+            <a:off x="3046412" y="202176"/>
+            <a:ext cx="8987207" cy="2000251"/>
+          </a:xfrm>
+          <a:effectLst>
+            <a:outerShdw blurRad="50800" dist="38100" algn="l" rotWithShape="0">
+              <a:prstClr val="black">
+                <a:alpha val="40000"/>
+              </a:prstClr>
+            </a:outerShdw>
+          </a:effectLst>
+        </p:spPr>
+        <p:txBody>
+          <a:bodyPr>
+            <a:normAutofit fontScale="90000"/>
+          </a:bodyPr>
+          <a:lstStyle/>
+          <a:p>
+            <a:pPr algn="ctr"/>
+            <a:r>
+              <a:rPr lang="en-US" sz="6700" dirty="0" smtClean="0">
+                <a:solidFill>
+                  <a:srgbClr val="FFFF00"/>
+                </a:solidFill>
+              </a:rPr>
+              <a:t>                                       </a:t>
+            </a:r>
+            <a:r>
+              <a:rPr lang="en-US" sz="8000" i="1" dirty="0" smtClean="0">
+                <a:solidFill>
+                  <a:schemeClr val="tx1"/>
+                </a:solidFill>
+                <a:effectLst>
+                  <a:outerShdw blurRad="38100" dist="38100" dir="2700000" algn="tl">
+                    <a:srgbClr val="000000">
+                      <a:alpha val="43137"/>
+                    </a:srgbClr>
+                  </a:outerShdw>
+                </a:effectLst>
+                <a:latin typeface="Algerian" panose="04020705040A02060702" pitchFamily="82" charset="0"/>
+              </a:rPr>
+              <a:t>TEAM“MOON ORCHID”</a:t>
+            </a:r>
+            <a:r>
+              <a:rPr lang="en-US" dirty="0">
+                <a:solidFill>
+                  <a:srgbClr val="FFFF00"/>
+                </a:solidFill>
+              </a:rPr>
+              <a:t/>
+            </a:r>
+            <a:br>
+              <a:rPr lang="en-US" dirty="0">
+                <a:solidFill>
+                  <a:srgbClr val="FFFF00"/>
+                </a:solidFill>
+              </a:rPr>
+            </a:br>
+            <a:endParaRPr lang="bg-BG" dirty="0"/>
+          </a:p>
+        </p:txBody>
+      </p:sp>
+      <p:sp>
+        <p:nvSpPr>
+          <p:cNvPr id="5" name="Subtitle 4"/>
+          <p:cNvSpPr>
+            <a:spLocks noGrp="1"/>
+          </p:cNvSpPr>
+          <p:nvPr>
+            <p:ph type="subTitle" idx="1"/>
+          </p:nvPr>
+        </p:nvSpPr>
+        <p:spPr>
+          <a:xfrm>
+            <a:off x="3579812" y="2202427"/>
+            <a:ext cx="8168942" cy="3664973"/>
+          </a:xfrm>
+        </p:spPr>
+        <p:txBody>
+          <a:bodyPr>
+            <a:noAutofit/>
+          </a:bodyPr>
+          <a:lstStyle/>
+          <a:p>
+            <a:pPr marL="571500" indent="-571500" algn="l">
+              <a:buFont typeface="Wingdings" panose="05000000000000000000" pitchFamily="2" charset="2"/>
+              <a:buChar char="Ø"/>
+            </a:pPr>
+            <a:r>
+              <a:rPr lang="en-US" sz="4800" b="1" dirty="0" smtClean="0">
+                <a:solidFill>
+                  <a:schemeClr val="tx1"/>
+                </a:solidFill>
+                <a:effectLst>
+                  <a:outerShdw blurRad="38100" dist="38100" dir="2700000" algn="tl">
+                    <a:srgbClr val="000000">
+                      <a:alpha val="43137"/>
+                    </a:srgbClr>
+                  </a:outerShdw>
+                </a:effectLst>
+                <a:latin typeface="Algerian" panose="04020705040A02060702" pitchFamily="82" charset="0"/>
+              </a:rPr>
+              <a:t>Master in the judge system</a:t>
+            </a:r>
+          </a:p>
+          <a:p>
+            <a:pPr marL="571500" indent="-571500" algn="l">
+              <a:buFont typeface="Wingdings" panose="05000000000000000000" pitchFamily="2" charset="2"/>
+              <a:buChar char="Ø"/>
+            </a:pPr>
+            <a:r>
+              <a:rPr lang="en-US" sz="4800" b="1" dirty="0" smtClean="0">
+                <a:solidFill>
+                  <a:schemeClr val="tx1"/>
+                </a:solidFill>
+                <a:effectLst>
+                  <a:outerShdw blurRad="38100" dist="38100" dir="2700000" algn="tl">
+                    <a:srgbClr val="000000">
+                      <a:alpha val="43137"/>
+                    </a:srgbClr>
+                  </a:outerShdw>
+                </a:effectLst>
+                <a:latin typeface="Algerian" panose="04020705040A02060702" pitchFamily="82" charset="0"/>
+              </a:rPr>
+              <a:t>Javascript exam 400/400</a:t>
+            </a:r>
+            <a:endParaRPr lang="en-US" sz="4800" b="1" dirty="0">
+              <a:solidFill>
+                <a:schemeClr val="tx1"/>
+              </a:solidFill>
+              <a:effectLst>
+                <a:outerShdw blurRad="38100" dist="38100" dir="2700000" algn="tl">
+                  <a:srgbClr val="000000">
+                    <a:alpha val="43137"/>
+                  </a:srgbClr>
+                </a:outerShdw>
+              </a:effectLst>
+              <a:latin typeface="Algerian" panose="04020705040A02060702" pitchFamily="82" charset="0"/>
+            </a:endParaRPr>
+          </a:p>
+        </p:txBody>
+      </p:sp>
+      <p:sp>
+        <p:nvSpPr>
+          <p:cNvPr id="2" name="Slide Number Placeholder 1"/>
+          <p:cNvSpPr>
+            <a:spLocks noGrp="1"/>
+          </p:cNvSpPr>
+          <p:nvPr>
+            <p:ph type="sldNum" sz="quarter" idx="4294967295"/>
+          </p:nvPr>
+        </p:nvSpPr>
+        <p:spPr>
+          <a:xfrm>
+            <a:off x="11760200" y="6524625"/>
+            <a:ext cx="428625" cy="196850"/>
+          </a:xfrm>
+        </p:spPr>
+        <p:txBody>
+          <a:bodyPr/>
+          <a:lstStyle/>
+          <a:p>
+            <a:fld id="{C014DD1E-5D91-48A3-AD6D-45FBA980D106}" type="slidenum">
+              <a:rPr lang="en-US" smtClean="0">
+                <a:solidFill>
+                  <a:prstClr val="white">
+                    <a:tint val="75000"/>
+                  </a:prstClr>
+                </a:solidFill>
+              </a:rPr>
+              <a:pPr/>
+              <a:t>3</a:t>
+            </a:fld>
+            <a:endParaRPr lang="en-US" dirty="0">
+              <a:solidFill>
+                <a:prstClr val="white">
+                  <a:tint val="75000"/>
+                </a:prstClr>
+              </a:solidFill>
+            </a:endParaRPr>
+          </a:p>
+        </p:txBody>
+      </p:sp>
+      <p:pic>
+        <p:nvPicPr>
+          <p:cNvPr id="3" name="Picture 2"/>
+          <p:cNvPicPr>
+            <a:picLocks noChangeAspect="1"/>
+          </p:cNvPicPr>
+          <p:nvPr/>
+        </p:nvPicPr>
+        <p:blipFill>
+          <a:blip r:embed="rId2">
+            <a:extLst>
+              <a:ext uri="{28A0092B-C50C-407E-A947-70E740481C1C}">
+                <a14:useLocalDpi xmlns:a14="http://schemas.microsoft.com/office/drawing/2010/main" val="0"/>
+              </a:ext>
+            </a:extLst>
+          </a:blip>
+          <a:stretch>
+            <a:fillRect/>
+          </a:stretch>
+        </p:blipFill>
+        <p:spPr>
+          <a:xfrm>
+            <a:off x="684212" y="2133600"/>
+            <a:ext cx="2971800" cy="3417569"/>
+          </a:xfrm>
+          <a:prstGeom prst="rect">
+            <a:avLst/>
+          </a:prstGeom>
+          <a:ln>
+            <a:noFill/>
+          </a:ln>
+          <a:effectLst>
+            <a:softEdge rad="112500"/>
+          </a:effectLst>
+        </p:spPr>
+      </p:pic>
+    </p:spTree>
+    <p:extLst>
+      <p:ext uri="{BB962C8B-B14F-4D97-AF65-F5344CB8AC3E}">
+        <p14:creationId xmlns:p14="http://schemas.microsoft.com/office/powerpoint/2010/main" val="2680269620"/>
+      </p:ext>
+    </p:extLst>
+  </p:cSld>
+  <p:clrMapOvr>
+    <a:masterClrMapping/>
+  </p:clrMapOvr>
+  <mc:AlternateContent xmlns:mc="http://schemas.openxmlformats.org/markup-compatibility/2006" xmlns:p14="http://schemas.microsoft.com/office/powerpoint/2010/main">
+    <mc:Choice Requires="p14">
+      <p:transition p14:dur="0"/>
+    </mc:Choice>
+    <mc:Fallback xmlns="">
+      <p:transition/>
+    </mc:Fallback>
+  </mc:AlternateContent>
+  <p:timing>
+    <p:tnLst>
+      <p:par>
+        <p:cTn xmlns:p14="http://schemas.microsoft.com/office/powerpoint/2010/main" id="1" dur="indefinite" restart="never" nodeType="tmRoot">
+          <p:childTnLst>
+            <p:seq concurrent="1" nextAc="seek">
+              <p:cTn id="2" dur="indefinite" nodeType="mainSeq">
+                <p:childTnLst>
+                  <p:par>
+                    <p:cTn id="3" fill="hold">
+                      <p:stCondLst>
+                        <p:cond delay="indefinite"/>
+                      </p:stCondLst>
+                      <p:childTnLst>
+                        <p:par>
+                          <p:cTn id="4" fill="hold">
+                            <p:stCondLst>
+                              <p:cond delay="0"/>
+                            </p:stCondLst>
+                            <p:childTnLst>
+                              <p:par>
+                                <p:cTn id="5" presetID="2" presetClass="entr" presetSubtype="4" fill="hold" nodeType="clickEffect">
+                                  <p:stCondLst>
+                                    <p:cond delay="0"/>
+                                  </p:stCondLst>
+                                  <p:childTnLst>
+                                    <p:set>
+                                      <p:cBhvr>
+                                        <p:cTn id="6" dur="1" fill="hold">
+                                          <p:stCondLst>
+                                            <p:cond delay="0"/>
+                                          </p:stCondLst>
+                                        </p:cTn>
+                                        <p:tgtEl>
+                                          <p:spTgt spid="3"/>
+                                        </p:tgtEl>
+                                        <p:attrNameLst>
+                                          <p:attrName>style.visibility</p:attrName>
+                                        </p:attrNameLst>
+                                      </p:cBhvr>
+                                      <p:to>
+                                        <p:strVal val="visible"/>
+                                      </p:to>
+                                    </p:set>
+                                    <p:anim calcmode="lin" valueType="num">
+                                      <p:cBhvr additive="base">
+                                        <p:cTn id="7" dur="500" fill="hold"/>
+                                        <p:tgtEl>
+                                          <p:spTgt spid="3"/>
+                                        </p:tgtEl>
+                                        <p:attrNameLst>
+                                          <p:attrName>ppt_x</p:attrName>
+                                        </p:attrNameLst>
+                                      </p:cBhvr>
+                                      <p:tavLst>
+                                        <p:tav tm="0">
+                                          <p:val>
+                                            <p:strVal val="#ppt_x"/>
+                                          </p:val>
+                                        </p:tav>
+                                        <p:tav tm="100000">
+                                          <p:val>
+                                            <p:strVal val="#ppt_x"/>
+                                          </p:val>
+                                        </p:tav>
+                                      </p:tavLst>
+                                    </p:anim>
+                                    <p:anim calcmode="lin" valueType="num">
+                                      <p:cBhvr additive="base">
+                                        <p:cTn id="8" dur="500" fill="hold"/>
+                                        <p:tgtEl>
+                                          <p:spTgt spid="3"/>
+                                        </p:tgtEl>
+                                        <p:attrNameLst>
+                                          <p:attrName>ppt_y</p:attrName>
+                                        </p:attrNameLst>
+                                      </p:cBhvr>
+                                      <p:tavLst>
+                                        <p:tav tm="0">
+                                          <p:val>
+                                            <p:strVal val="1+#ppt_h/2"/>
+                                          </p:val>
+                                        </p:tav>
+                                        <p:tav tm="100000">
+                                          <p:val>
+                                            <p:strVal val="#ppt_y"/>
+                                          </p:val>
+                                        </p:tav>
+                                      </p:tavLst>
+                                    </p:anim>
+                                  </p:childTnLst>
+                                </p:cTn>
+                              </p:par>
+                            </p:childTnLst>
+                          </p:cTn>
+                        </p:par>
+                      </p:childTnLst>
+                    </p:cTn>
+                  </p:par>
+                  <p:par>
+                    <p:cTn id="9" fill="hold">
+                      <p:stCondLst>
+                        <p:cond delay="indefinite"/>
+                      </p:stCondLst>
+                      <p:childTnLst>
+                        <p:par>
+                          <p:cTn id="10" fill="hold">
+                            <p:stCondLst>
+                              <p:cond delay="0"/>
+                            </p:stCondLst>
+                            <p:childTnLst>
+                              <p:par>
+                                <p:cTn id="11" presetID="42" presetClass="entr" presetSubtype="0" fill="hold" grpId="0" nodeType="clickEffect">
+                                  <p:stCondLst>
+                                    <p:cond delay="0"/>
+                                  </p:stCondLst>
+                                  <p:childTnLst>
+                                    <p:set>
+                                      <p:cBhvr>
+                                        <p:cTn id="12" dur="1" fill="hold">
+                                          <p:stCondLst>
+                                            <p:cond delay="0"/>
+                                          </p:stCondLst>
+                                        </p:cTn>
+                                        <p:tgtEl>
+                                          <p:spTgt spid="5">
+                                            <p:txEl>
+                                              <p:pRg st="0" end="0"/>
+                                            </p:txEl>
+                                          </p:spTgt>
+                                        </p:tgtEl>
+                                        <p:attrNameLst>
+                                          <p:attrName>style.visibility</p:attrName>
+                                        </p:attrNameLst>
+                                      </p:cBhvr>
+                                      <p:to>
+                                        <p:strVal val="visible"/>
+                                      </p:to>
+                                    </p:set>
+                                    <p:animEffect transition="in" filter="fade">
+                                      <p:cBhvr>
+                                        <p:cTn id="13" dur="1000"/>
+                                        <p:tgtEl>
+                                          <p:spTgt spid="5">
+                                            <p:txEl>
+                                              <p:pRg st="0" end="0"/>
+                                            </p:txEl>
+                                          </p:spTgt>
+                                        </p:tgtEl>
+                                      </p:cBhvr>
+                                    </p:animEffect>
+                                    <p:anim calcmode="lin" valueType="num">
+                                      <p:cBhvr>
+                                        <p:cTn id="14" dur="1000" fill="hold"/>
+                                        <p:tgtEl>
+                                          <p:spTgt spid="5">
+                                            <p:txEl>
+                                              <p:pRg st="0" end="0"/>
+                                            </p:txEl>
+                                          </p:spTgt>
+                                        </p:tgtEl>
+                                        <p:attrNameLst>
+                                          <p:attrName>ppt_x</p:attrName>
+                                        </p:attrNameLst>
+                                      </p:cBhvr>
+                                      <p:tavLst>
+                                        <p:tav tm="0">
+                                          <p:val>
+                                            <p:strVal val="#ppt_x"/>
+                                          </p:val>
+                                        </p:tav>
+                                        <p:tav tm="100000">
+                                          <p:val>
+                                            <p:strVal val="#ppt_x"/>
+                                          </p:val>
+                                        </p:tav>
+                                      </p:tavLst>
+                                    </p:anim>
+                                    <p:anim calcmode="lin" valueType="num">
+                                      <p:cBhvr>
+                                        <p:cTn id="15" dur="1000" fill="hold"/>
+                                        <p:tgtEl>
+                                          <p:spTgt spid="5">
+                                            <p:txEl>
+                                              <p:pRg st="0" end="0"/>
+                                            </p:txEl>
+                                          </p:spTgt>
+                                        </p:tgtEl>
+                                        <p:attrNameLst>
+                                          <p:attrName>ppt_y</p:attrName>
+                                        </p:attrNameLst>
+                                      </p:cBhvr>
+                                      <p:tavLst>
+                                        <p:tav tm="0">
+                                          <p:val>
+                                            <p:strVal val="#ppt_y+.1"/>
+                                          </p:val>
+                                        </p:tav>
+                                        <p:tav tm="100000">
+                                          <p:val>
+                                            <p:strVal val="#ppt_y"/>
+                                          </p:val>
+                                        </p:tav>
+                                      </p:tavLst>
+                                    </p:anim>
+                                  </p:childTnLst>
+                                </p:cTn>
+                              </p:par>
+                            </p:childTnLst>
+                          </p:cTn>
+                        </p:par>
+                      </p:childTnLst>
+                    </p:cTn>
+                  </p:par>
+                  <p:par>
+                    <p:cTn id="16" fill="hold">
+                      <p:stCondLst>
+                        <p:cond delay="indefinite"/>
+                      </p:stCondLst>
+                      <p:childTnLst>
+                        <p:par>
+                          <p:cTn id="17" fill="hold">
+                            <p:stCondLst>
+                              <p:cond delay="0"/>
+                            </p:stCondLst>
+                            <p:childTnLst>
+                              <p:par>
+                                <p:cTn id="18" presetID="42" presetClass="entr" presetSubtype="0" fill="hold" grpId="0" nodeType="clickEffect">
+                                  <p:stCondLst>
+                                    <p:cond delay="0"/>
+                                  </p:stCondLst>
+                                  <p:childTnLst>
+                                    <p:set>
+                                      <p:cBhvr>
+                                        <p:cTn id="19" dur="1" fill="hold">
+                                          <p:stCondLst>
+                                            <p:cond delay="0"/>
+                                          </p:stCondLst>
+                                        </p:cTn>
+                                        <p:tgtEl>
+                                          <p:spTgt spid="5">
+                                            <p:txEl>
+                                              <p:pRg st="1" end="1"/>
+                                            </p:txEl>
+                                          </p:spTgt>
+                                        </p:tgtEl>
+                                        <p:attrNameLst>
+                                          <p:attrName>style.visibility</p:attrName>
+                                        </p:attrNameLst>
+                                      </p:cBhvr>
+                                      <p:to>
+                                        <p:strVal val="visible"/>
+                                      </p:to>
+                                    </p:set>
+                                    <p:animEffect transition="in" filter="fade">
+                                      <p:cBhvr>
+                                        <p:cTn id="20" dur="1000"/>
+                                        <p:tgtEl>
+                                          <p:spTgt spid="5">
+                                            <p:txEl>
+                                              <p:pRg st="1" end="1"/>
+                                            </p:txEl>
+                                          </p:spTgt>
+                                        </p:tgtEl>
+                                      </p:cBhvr>
+                                    </p:animEffect>
+                                    <p:anim calcmode="lin" valueType="num">
+                                      <p:cBhvr>
+                                        <p:cTn id="21" dur="1000" fill="hold"/>
+                                        <p:tgtEl>
+                                          <p:spTgt spid="5">
+                                            <p:txEl>
+                                              <p:pRg st="1" end="1"/>
+                                            </p:txEl>
+                                          </p:spTgt>
+                                        </p:tgtEl>
+                                        <p:attrNameLst>
+                                          <p:attrName>ppt_x</p:attrName>
+                                        </p:attrNameLst>
+                                      </p:cBhvr>
+                                      <p:tavLst>
+                                        <p:tav tm="0">
+                                          <p:val>
+                                            <p:strVal val="#ppt_x"/>
+                                          </p:val>
+                                        </p:tav>
+                                        <p:tav tm="100000">
+                                          <p:val>
+                                            <p:strVal val="#ppt_x"/>
+                                          </p:val>
+                                        </p:tav>
+                                      </p:tavLst>
+                                    </p:anim>
+                                    <p:anim calcmode="lin" valueType="num">
+                                      <p:cBhvr>
+                                        <p:cTn id="22" dur="1000" fill="hold"/>
+                                        <p:tgtEl>
+                                          <p:spTgt spid="5">
+                                            <p:txEl>
+                                              <p:pRg st="1" end="1"/>
+                                            </p:txEl>
+                                          </p:spTgt>
+                                        </p:tgtEl>
+                                        <p:attrNameLst>
+                                          <p:attrName>ppt_y</p:attrName>
+                                        </p:attrNameLst>
+                                      </p:cBhvr>
+                                      <p:tavLst>
+                                        <p:tav tm="0">
+                                          <p:val>
+                                            <p:strVal val="#ppt_y+.1"/>
+                                          </p:val>
+                                        </p:tav>
+                                        <p:tav tm="100000">
+                                          <p:val>
+                                            <p:strVal val="#ppt_y"/>
+                                          </p:val>
+                                        </p:tav>
+                                      </p:tavLst>
+                                    </p:anim>
+                                  </p:childTnLst>
+                                </p:cTn>
+                              </p:par>
+                            </p:childTnLst>
+                          </p:cTn>
+                        </p:par>
+                      </p:childTnLst>
+                    </p:cTn>
+                  </p:par>
+                </p:childTnLst>
+              </p:cTn>
+              <p:prevCondLst>
+                <p:cond evt="onPrev" delay="0">
+                  <p:tgtEl>
+                    <p:sldTgt/>
+                  </p:tgtEl>
+                </p:cond>
+              </p:prevCondLst>
+              <p:nextCondLst>
+                <p:cond evt="onNext" delay="0">
+                  <p:tgtEl>
+                    <p:sldTgt/>
+                  </p:tgtEl>
+                </p:cond>
+              </p:nextCondLst>
+            </p:seq>
+          </p:childTnLst>
+        </p:cTn>
+      </p:par>
+    </p:tnLst>
+    <p:bldLst>
+      <p:bldP spid="5" grpId="0" build="p"/>
+    </p:bldLst>
+  </p:timing>
+</p:sld>
+</file>
+
+<file path=ppt/slides/slide4.xml><?xml version="1.0" encoding="utf-8"?>
+<p:sld xmlns:a="http://schemas.openxmlformats.org/drawingml/2006/main" xmlns:r="http://schemas.openxmlformats.org/officeDocument/2006/relationships" xmlns:p="http://schemas.openxmlformats.org/presentationml/2006/main">
+  <p:cSld>
+    <p:spTree>
+      <p:nvGrpSpPr>
+        <p:cNvPr id="1" name=""/>
+        <p:cNvGrpSpPr/>
+        <p:nvPr/>
+      </p:nvGrpSpPr>
+      <p:grpSpPr>
+        <a:xfrm>
+          <a:off x="0" y="0"/>
+          <a:ext cx="0" cy="0"/>
+          <a:chOff x="0" y="0"/>
+          <a:chExt cx="0" cy="0"/>
+        </a:xfrm>
+      </p:grpSpPr>
+      <p:sp>
+        <p:nvSpPr>
+          <p:cNvPr id="4" name="Title 3"/>
+          <p:cNvSpPr>
+            <a:spLocks noGrp="1"/>
+          </p:cNvSpPr>
+          <p:nvPr>
+            <p:ph type="ctrTitle"/>
+          </p:nvPr>
+        </p:nvSpPr>
+        <p:spPr>
+          <a:xfrm>
+            <a:off x="3046412" y="202176"/>
+            <a:ext cx="8987207" cy="2000251"/>
+          </a:xfrm>
+          <a:effectLst>
+            <a:outerShdw blurRad="50800" dist="38100" algn="l" rotWithShape="0">
+              <a:prstClr val="black">
+                <a:alpha val="40000"/>
+              </a:prstClr>
+            </a:outerShdw>
+          </a:effectLst>
+        </p:spPr>
+        <p:txBody>
+          <a:bodyPr>
+            <a:normAutofit fontScale="90000"/>
+          </a:bodyPr>
+          <a:lstStyle/>
+          <a:p>
+            <a:pPr algn="ctr"/>
+            <a:r>
+              <a:rPr lang="en-US" sz="6700" dirty="0" smtClean="0">
+                <a:solidFill>
+                  <a:srgbClr val="FFFF00"/>
+                </a:solidFill>
+              </a:rPr>
+              <a:t>                                       </a:t>
+            </a:r>
+            <a:r>
+              <a:rPr lang="en-US" sz="8000" i="1" dirty="0" smtClean="0">
+                <a:solidFill>
+                  <a:schemeClr val="tx1"/>
+                </a:solidFill>
+                <a:effectLst>
+                  <a:outerShdw blurRad="38100" dist="38100" dir="2700000" algn="tl">
+                    <a:srgbClr val="000000">
+                      <a:alpha val="43137"/>
+                    </a:srgbClr>
+                  </a:outerShdw>
+                </a:effectLst>
+                <a:latin typeface="Algerian" panose="04020705040A02060702" pitchFamily="82" charset="0"/>
+              </a:rPr>
+              <a:t>TEAM“MOON ORCHID”</a:t>
+            </a:r>
+            <a:r>
+              <a:rPr lang="en-US" dirty="0">
+                <a:solidFill>
+                  <a:schemeClr val="tx1"/>
+                </a:solidFill>
+              </a:rPr>
+              <a:t/>
+            </a:r>
+            <a:br>
+              <a:rPr lang="en-US" dirty="0">
+                <a:solidFill>
+                  <a:schemeClr val="tx1"/>
+                </a:solidFill>
+              </a:rPr>
+            </a:br>
+            <a:endParaRPr lang="bg-BG" dirty="0">
+              <a:solidFill>
+                <a:schemeClr val="tx1"/>
+              </a:solidFill>
+            </a:endParaRPr>
+          </a:p>
+        </p:txBody>
+      </p:sp>
+      <p:sp>
+        <p:nvSpPr>
+          <p:cNvPr id="5" name="Subtitle 4"/>
+          <p:cNvSpPr>
+            <a:spLocks noGrp="1"/>
+          </p:cNvSpPr>
+          <p:nvPr>
+            <p:ph type="subTitle" idx="1"/>
+          </p:nvPr>
+        </p:nvSpPr>
+        <p:spPr>
+          <a:xfrm>
+            <a:off x="3579812" y="2202427"/>
+            <a:ext cx="8168942" cy="3664973"/>
+          </a:xfrm>
+        </p:spPr>
+        <p:txBody>
+          <a:bodyPr>
+            <a:noAutofit/>
+          </a:bodyPr>
+          <a:lstStyle/>
+          <a:p>
+            <a:pPr marL="571500" indent="-571500" algn="l">
+              <a:buFont typeface="Wingdings" panose="05000000000000000000" pitchFamily="2" charset="2"/>
+              <a:buChar char="Ø"/>
+            </a:pPr>
+            <a:r>
+              <a:rPr lang="en-US" sz="4800" b="1" dirty="0" smtClean="0">
+                <a:solidFill>
+                  <a:schemeClr val="tx1"/>
+                </a:solidFill>
+                <a:effectLst>
+                  <a:outerShdw blurRad="38100" dist="38100" dir="2700000" algn="tl">
+                    <a:srgbClr val="000000">
+                      <a:alpha val="43137"/>
+                    </a:srgbClr>
+                  </a:outerShdw>
+                </a:effectLst>
+                <a:latin typeface="Algerian" panose="04020705040A02060702" pitchFamily="82" charset="0"/>
+              </a:rPr>
+              <a:t>Part of the coding team</a:t>
+            </a:r>
+            <a:endParaRPr lang="en-US" sz="4800" b="1" dirty="0">
+              <a:solidFill>
+                <a:schemeClr val="tx1"/>
+              </a:solidFill>
+              <a:effectLst>
+                <a:outerShdw blurRad="38100" dist="38100" dir="2700000" algn="tl">
+                  <a:srgbClr val="000000">
+                    <a:alpha val="43137"/>
+                  </a:srgbClr>
+                </a:outerShdw>
+              </a:effectLst>
+              <a:latin typeface="Algerian" panose="04020705040A02060702" pitchFamily="82" charset="0"/>
+            </a:endParaRPr>
+          </a:p>
+        </p:txBody>
+      </p:sp>
+      <p:sp>
+        <p:nvSpPr>
+          <p:cNvPr id="2" name="Slide Number Placeholder 1"/>
+          <p:cNvSpPr>
+            <a:spLocks noGrp="1"/>
+          </p:cNvSpPr>
+          <p:nvPr>
+            <p:ph type="sldNum" sz="quarter" idx="4294967295"/>
+          </p:nvPr>
+        </p:nvSpPr>
+        <p:spPr>
+          <a:xfrm>
+            <a:off x="11760200" y="6524625"/>
+            <a:ext cx="428625" cy="196850"/>
+          </a:xfrm>
+        </p:spPr>
+        <p:txBody>
+          <a:bodyPr/>
+          <a:lstStyle/>
+          <a:p>
+            <a:fld id="{C014DD1E-5D91-48A3-AD6D-45FBA980D106}" type="slidenum">
+              <a:rPr lang="en-US" smtClean="0">
+                <a:solidFill>
+                  <a:prstClr val="white">
+                    <a:tint val="75000"/>
+                  </a:prstClr>
+                </a:solidFill>
+              </a:rPr>
+              <a:pPr/>
+              <a:t>4</a:t>
+            </a:fld>
+            <a:endParaRPr lang="en-US" dirty="0">
+              <a:solidFill>
+                <a:prstClr val="white">
+                  <a:tint val="75000"/>
+                </a:prstClr>
+              </a:solidFill>
+            </a:endParaRPr>
+          </a:p>
+        </p:txBody>
+      </p:sp>
+      <p:pic>
+        <p:nvPicPr>
+          <p:cNvPr id="6" name="Picture 5"/>
+          <p:cNvPicPr>
+            <a:picLocks noChangeAspect="1"/>
+          </p:cNvPicPr>
+          <p:nvPr/>
+        </p:nvPicPr>
+        <p:blipFill>
+          <a:blip r:embed="rId2" cstate="print">
+            <a:extLst>
+              <a:ext uri="{28A0092B-C50C-407E-A947-70E740481C1C}">
+                <a14:useLocalDpi xmlns:a14="http://schemas.microsoft.com/office/drawing/2010/main" val="0"/>
+              </a:ext>
+            </a:extLst>
+          </a:blip>
+          <a:stretch>
+            <a:fillRect/>
+          </a:stretch>
+        </p:blipFill>
+        <p:spPr>
+          <a:xfrm>
+            <a:off x="806613" y="2202426"/>
+            <a:ext cx="2380369" cy="2979173"/>
+          </a:xfrm>
+          <a:prstGeom prst="rect">
+            <a:avLst/>
+          </a:prstGeom>
+          <a:ln>
+            <a:noFill/>
+          </a:ln>
+          <a:effectLst>
+            <a:softEdge rad="112500"/>
+          </a:effectLst>
+        </p:spPr>
+      </p:pic>
+    </p:spTree>
+    <p:extLst>
+      <p:ext uri="{BB962C8B-B14F-4D97-AF65-F5344CB8AC3E}">
+        <p14:creationId xmlns:p14="http://schemas.microsoft.com/office/powerpoint/2010/main" val="3554466648"/>
+      </p:ext>
+    </p:extLst>
+  </p:cSld>
+  <p:clrMapOvr>
+    <a:masterClrMapping/>
+  </p:clrMapOvr>
+  <mc:AlternateContent xmlns:mc="http://schemas.openxmlformats.org/markup-compatibility/2006" xmlns:p14="http://schemas.microsoft.com/office/powerpoint/2010/main">
+    <mc:Choice Requires="p14">
+      <p:transition p14:dur="0"/>
+    </mc:Choice>
+    <mc:Fallback xmlns="">
+      <p:transition/>
+    </mc:Fallback>
+  </mc:AlternateContent>
+  <p:timing>
+    <p:tnLst>
+      <p:par>
+        <p:cTn xmlns:p14="http://schemas.microsoft.com/office/powerpoint/2010/main" id="1" dur="indefinite" restart="never" nodeType="tmRoot">
+          <p:childTnLst>
+            <p:seq concurrent="1" nextAc="seek">
+              <p:cTn id="2" dur="indefinite" nodeType="mainSeq">
+                <p:childTnLst>
+                  <p:par>
+                    <p:cTn id="3" fill="hold">
+                      <p:stCondLst>
+                        <p:cond delay="indefinite"/>
+                      </p:stCondLst>
+                      <p:childTnLst>
+                        <p:par>
+                          <p:cTn id="4" fill="hold">
+                            <p:stCondLst>
+                              <p:cond delay="0"/>
+                            </p:stCondLst>
+                            <p:childTnLst>
+                              <p:par>
+                                <p:cTn id="5" presetID="2" presetClass="entr" presetSubtype="4" fill="hold" nodeType="clickEffect">
+                                  <p:stCondLst>
+                                    <p:cond delay="0"/>
+                                  </p:stCondLst>
+                                  <p:childTnLst>
+                                    <p:set>
+                                      <p:cBhvr>
+                                        <p:cTn id="6" dur="1" fill="hold">
+                                          <p:stCondLst>
+                                            <p:cond delay="0"/>
+                                          </p:stCondLst>
+                                        </p:cTn>
+                                        <p:tgtEl>
+                                          <p:spTgt spid="6"/>
+                                        </p:tgtEl>
+                                        <p:attrNameLst>
+                                          <p:attrName>style.visibility</p:attrName>
+                                        </p:attrNameLst>
+                                      </p:cBhvr>
+                                      <p:to>
+                                        <p:strVal val="visible"/>
+                                      </p:to>
+                                    </p:set>
+                                    <p:anim calcmode="lin" valueType="num">
+                                      <p:cBhvr additive="base">
+                                        <p:cTn id="7" dur="500" fill="hold"/>
+                                        <p:tgtEl>
+                                          <p:spTgt spid="6"/>
+                                        </p:tgtEl>
+                                        <p:attrNameLst>
+                                          <p:attrName>ppt_x</p:attrName>
+                                        </p:attrNameLst>
+                                      </p:cBhvr>
+                                      <p:tavLst>
+                                        <p:tav tm="0">
+                                          <p:val>
+                                            <p:strVal val="#ppt_x"/>
+                                          </p:val>
+                                        </p:tav>
+                                        <p:tav tm="100000">
+                                          <p:val>
+                                            <p:strVal val="#ppt_x"/>
+                                          </p:val>
+                                        </p:tav>
+                                      </p:tavLst>
+                                    </p:anim>
+                                    <p:anim calcmode="lin" valueType="num">
+                                      <p:cBhvr additive="base">
+                                        <p:cTn id="8" dur="500" fill="hold"/>
+                                        <p:tgtEl>
+                                          <p:spTgt spid="6"/>
+                                        </p:tgtEl>
+                                        <p:attrNameLst>
+                                          <p:attrName>ppt_y</p:attrName>
+                                        </p:attrNameLst>
+                                      </p:cBhvr>
+                                      <p:tavLst>
+                                        <p:tav tm="0">
+                                          <p:val>
+                                            <p:strVal val="1+#ppt_h/2"/>
+                                          </p:val>
+                                        </p:tav>
+                                        <p:tav tm="100000">
+                                          <p:val>
+                                            <p:strVal val="#ppt_y"/>
+                                          </p:val>
+                                        </p:tav>
+                                      </p:tavLst>
+                                    </p:anim>
+                                  </p:childTnLst>
+                                </p:cTn>
+                              </p:par>
+                            </p:childTnLst>
+                          </p:cTn>
+                        </p:par>
+                      </p:childTnLst>
+                    </p:cTn>
+                  </p:par>
+                  <p:par>
+                    <p:cTn id="9" fill="hold">
+                      <p:stCondLst>
+                        <p:cond delay="indefinite"/>
+                      </p:stCondLst>
+                      <p:childTnLst>
+                        <p:par>
+                          <p:cTn id="10" fill="hold">
+                            <p:stCondLst>
+                              <p:cond delay="0"/>
+                            </p:stCondLst>
+                            <p:childTnLst>
+                              <p:par>
+                                <p:cTn id="11" presetID="42" presetClass="entr" presetSubtype="0" fill="hold" grpId="0" nodeType="clickEffect">
+                                  <p:stCondLst>
+                                    <p:cond delay="0"/>
+                                  </p:stCondLst>
+                                  <p:childTnLst>
+                                    <p:set>
+                                      <p:cBhvr>
+                                        <p:cTn id="12" dur="1" fill="hold">
+                                          <p:stCondLst>
+                                            <p:cond delay="0"/>
+                                          </p:stCondLst>
+                                        </p:cTn>
+                                        <p:tgtEl>
+                                          <p:spTgt spid="5">
+                                            <p:txEl>
+                                              <p:pRg st="0" end="0"/>
+                                            </p:txEl>
+                                          </p:spTgt>
+                                        </p:tgtEl>
+                                        <p:attrNameLst>
+                                          <p:attrName>style.visibility</p:attrName>
+                                        </p:attrNameLst>
+                                      </p:cBhvr>
+                                      <p:to>
+                                        <p:strVal val="visible"/>
+                                      </p:to>
+                                    </p:set>
+                                    <p:animEffect transition="in" filter="fade">
+                                      <p:cBhvr>
+                                        <p:cTn id="13" dur="1000"/>
+                                        <p:tgtEl>
+                                          <p:spTgt spid="5">
+                                            <p:txEl>
+                                              <p:pRg st="0" end="0"/>
+                                            </p:txEl>
+                                          </p:spTgt>
+                                        </p:tgtEl>
+                                      </p:cBhvr>
+                                    </p:animEffect>
+                                    <p:anim calcmode="lin" valueType="num">
+                                      <p:cBhvr>
+                                        <p:cTn id="14" dur="1000" fill="hold"/>
+                                        <p:tgtEl>
+                                          <p:spTgt spid="5">
+                                            <p:txEl>
+                                              <p:pRg st="0" end="0"/>
+                                            </p:txEl>
+                                          </p:spTgt>
+                                        </p:tgtEl>
+                                        <p:attrNameLst>
+                                          <p:attrName>ppt_x</p:attrName>
+                                        </p:attrNameLst>
+                                      </p:cBhvr>
+                                      <p:tavLst>
+                                        <p:tav tm="0">
+                                          <p:val>
+                                            <p:strVal val="#ppt_x"/>
+                                          </p:val>
+                                        </p:tav>
+                                        <p:tav tm="100000">
+                                          <p:val>
+                                            <p:strVal val="#ppt_x"/>
+                                          </p:val>
+                                        </p:tav>
+                                      </p:tavLst>
+                                    </p:anim>
+                                    <p:anim calcmode="lin" valueType="num">
+                                      <p:cBhvr>
+                                        <p:cTn id="15" dur="1000" fill="hold"/>
+                                        <p:tgtEl>
+                                          <p:spTgt spid="5">
+                                            <p:txEl>
+                                              <p:pRg st="0" end="0"/>
+                                            </p:txEl>
+                                          </p:spTgt>
+                                        </p:tgtEl>
+                                        <p:attrNameLst>
+                                          <p:attrName>ppt_y</p:attrName>
+                                        </p:attrNameLst>
+                                      </p:cBhvr>
+                                      <p:tavLst>
+                                        <p:tav tm="0">
+                                          <p:val>
+                                            <p:strVal val="#ppt_y+.1"/>
+                                          </p:val>
+                                        </p:tav>
+                                        <p:tav tm="100000">
+                                          <p:val>
+                                            <p:strVal val="#ppt_y"/>
+                                          </p:val>
+                                        </p:tav>
+                                      </p:tavLst>
+                                    </p:anim>
+                                  </p:childTnLst>
+                                </p:cTn>
+                              </p:par>
+                            </p:childTnLst>
+                          </p:cTn>
+                        </p:par>
+                      </p:childTnLst>
+                    </p:cTn>
+                  </p:par>
+                </p:childTnLst>
+              </p:cTn>
+              <p:prevCondLst>
+                <p:cond evt="onPrev" delay="0">
+                  <p:tgtEl>
+                    <p:sldTgt/>
+                  </p:tgtEl>
+                </p:cond>
+              </p:prevCondLst>
+              <p:nextCondLst>
+                <p:cond evt="onNext" delay="0">
+                  <p:tgtEl>
+                    <p:sldTgt/>
+                  </p:tgtEl>
+                </p:cond>
+              </p:nextCondLst>
+            </p:seq>
+          </p:childTnLst>
+        </p:cTn>
+      </p:par>
+    </p:tnLst>
+    <p:bldLst>
+      <p:bldP spid="5" grpId="0" build="p"/>
+    </p:bldLst>
+  </p:timing>
+</p:sld>
+</file>
+
+<file path=ppt/slides/slide5.xml><?xml version="1.0" encoding="utf-8"?>
+<p:sld xmlns:a="http://schemas.openxmlformats.org/drawingml/2006/main" xmlns:r="http://schemas.openxmlformats.org/officeDocument/2006/relationships" xmlns:p="http://schemas.openxmlformats.org/presentationml/2006/main">
+  <p:cSld>
+    <p:spTree>
+      <p:nvGrpSpPr>
+        <p:cNvPr id="1" name=""/>
+        <p:cNvGrpSpPr/>
+        <p:nvPr/>
+      </p:nvGrpSpPr>
+      <p:grpSpPr>
+        <a:xfrm>
+          <a:off x="0" y="0"/>
+          <a:ext cx="0" cy="0"/>
+          <a:chOff x="0" y="0"/>
+          <a:chExt cx="0" cy="0"/>
+        </a:xfrm>
+      </p:grpSpPr>
+      <p:sp>
+        <p:nvSpPr>
+          <p:cNvPr id="4" name="Title 3"/>
+          <p:cNvSpPr>
+            <a:spLocks noGrp="1"/>
+          </p:cNvSpPr>
+          <p:nvPr>
+            <p:ph type="ctrTitle"/>
+          </p:nvPr>
+        </p:nvSpPr>
+        <p:spPr>
+          <a:xfrm>
+            <a:off x="3046412" y="202176"/>
+            <a:ext cx="8987207" cy="2000251"/>
+          </a:xfrm>
+          <a:effectLst>
+            <a:outerShdw blurRad="50800" dist="38100" algn="l" rotWithShape="0">
+              <a:prstClr val="black">
+                <a:alpha val="40000"/>
+              </a:prstClr>
+            </a:outerShdw>
+          </a:effectLst>
+        </p:spPr>
+        <p:txBody>
+          <a:bodyPr>
+            <a:normAutofit fontScale="90000"/>
+          </a:bodyPr>
+          <a:lstStyle/>
+          <a:p>
+            <a:pPr algn="ctr"/>
+            <a:r>
+              <a:rPr lang="en-US" sz="6700" dirty="0" smtClean="0">
+                <a:solidFill>
+                  <a:srgbClr val="FFFF00"/>
+                </a:solidFill>
+              </a:rPr>
+              <a:t>                                       </a:t>
+            </a:r>
+            <a:r>
+              <a:rPr lang="en-US" sz="8000" i="1" dirty="0" smtClean="0">
+                <a:solidFill>
+                  <a:schemeClr val="tx1"/>
+                </a:solidFill>
+                <a:effectLst>
+                  <a:outerShdw blurRad="38100" dist="38100" dir="2700000" algn="tl">
+                    <a:srgbClr val="000000">
+                      <a:alpha val="43137"/>
+                    </a:srgbClr>
+                  </a:outerShdw>
+                </a:effectLst>
+                <a:latin typeface="Algerian" panose="04020705040A02060702" pitchFamily="82" charset="0"/>
+              </a:rPr>
+              <a:t>TEAM“MOON ORCHID”</a:t>
+            </a:r>
+            <a:r>
+              <a:rPr lang="en-US" dirty="0">
+                <a:solidFill>
+                  <a:srgbClr val="FFFF00"/>
+                </a:solidFill>
+              </a:rPr>
+              <a:t/>
+            </a:r>
+            <a:br>
+              <a:rPr lang="en-US" dirty="0">
+                <a:solidFill>
+                  <a:srgbClr val="FFFF00"/>
+                </a:solidFill>
+              </a:rPr>
+            </a:br>
+            <a:endParaRPr lang="bg-BG" dirty="0"/>
+          </a:p>
+        </p:txBody>
+      </p:sp>
+      <p:sp>
+        <p:nvSpPr>
+          <p:cNvPr id="5" name="Subtitle 4"/>
+          <p:cNvSpPr>
+            <a:spLocks noGrp="1"/>
+          </p:cNvSpPr>
+          <p:nvPr>
+            <p:ph type="subTitle" idx="1"/>
+          </p:nvPr>
+        </p:nvSpPr>
+        <p:spPr>
+          <a:xfrm>
+            <a:off x="3579812" y="2202427"/>
+            <a:ext cx="8168942" cy="3664973"/>
+          </a:xfrm>
+        </p:spPr>
+        <p:txBody>
+          <a:bodyPr>
+            <a:noAutofit/>
+          </a:bodyPr>
+          <a:lstStyle/>
+          <a:p>
+            <a:pPr marL="571500" indent="-571500" algn="l">
+              <a:buFont typeface="Wingdings" panose="05000000000000000000" pitchFamily="2" charset="2"/>
+              <a:buChar char="Ø"/>
+            </a:pPr>
+            <a:r>
+              <a:rPr lang="en-US" sz="4800" b="1" dirty="0" smtClean="0">
+                <a:solidFill>
+                  <a:schemeClr val="tx1"/>
+                </a:solidFill>
+                <a:effectLst>
+                  <a:outerShdw blurRad="38100" dist="38100" dir="2700000" algn="tl">
+                    <a:srgbClr val="000000">
+                      <a:alpha val="43137"/>
+                    </a:srgbClr>
+                  </a:outerShdw>
+                </a:effectLst>
+                <a:latin typeface="Algerian" panose="04020705040A02060702" pitchFamily="82" charset="0"/>
+              </a:rPr>
+              <a:t>Our designer </a:t>
+            </a:r>
+          </a:p>
+          <a:p>
+            <a:pPr marL="571500" indent="-571500" algn="l">
+              <a:buFont typeface="Wingdings" panose="05000000000000000000" pitchFamily="2" charset="2"/>
+              <a:buChar char="Ø"/>
+            </a:pPr>
+            <a:r>
+              <a:rPr lang="en-US" sz="4800" b="1" dirty="0">
+                <a:solidFill>
+                  <a:schemeClr val="tx1"/>
+                </a:solidFill>
+                <a:effectLst>
+                  <a:outerShdw blurRad="38100" dist="38100" dir="2700000" algn="tl">
+                    <a:srgbClr val="000000">
+                      <a:alpha val="43137"/>
+                    </a:srgbClr>
+                  </a:outerShdw>
+                </a:effectLst>
+                <a:latin typeface="Algerian" panose="04020705040A02060702" pitchFamily="82" charset="0"/>
+              </a:rPr>
+              <a:t>Part of the coding </a:t>
+            </a:r>
+            <a:r>
+              <a:rPr lang="en-US" sz="4800" b="1" dirty="0" smtClean="0">
+                <a:solidFill>
+                  <a:schemeClr val="tx1"/>
+                </a:solidFill>
+                <a:effectLst>
+                  <a:outerShdw blurRad="38100" dist="38100" dir="2700000" algn="tl">
+                    <a:srgbClr val="000000">
+                      <a:alpha val="43137"/>
+                    </a:srgbClr>
+                  </a:outerShdw>
+                </a:effectLst>
+                <a:latin typeface="Algerian" panose="04020705040A02060702" pitchFamily="82" charset="0"/>
+              </a:rPr>
+              <a:t>team</a:t>
+            </a:r>
+          </a:p>
+          <a:p>
+            <a:pPr marL="571500" indent="-571500" algn="l">
+              <a:buFont typeface="Wingdings" panose="05000000000000000000" pitchFamily="2" charset="2"/>
+              <a:buChar char="Ø"/>
+            </a:pPr>
+            <a:r>
+              <a:rPr lang="en-US" sz="3600" b="1" dirty="0">
+                <a:solidFill>
+                  <a:schemeClr val="tx1"/>
+                </a:solidFill>
+                <a:effectLst>
+                  <a:outerShdw blurRad="38100" dist="38100" dir="2700000" algn="tl">
+                    <a:srgbClr val="000000">
+                      <a:alpha val="43137"/>
+                    </a:srgbClr>
+                  </a:outerShdw>
+                </a:effectLst>
+                <a:latin typeface="Algerian" panose="04020705040A02060702" pitchFamily="82" charset="0"/>
+                <a:hlinkClick r:id="rId2"/>
+              </a:rPr>
+              <a:t>https://</a:t>
+            </a:r>
+            <a:r>
+              <a:rPr lang="en-US" sz="3600" b="1" dirty="0" smtClean="0">
+                <a:solidFill>
+                  <a:schemeClr val="tx1"/>
+                </a:solidFill>
+                <a:effectLst>
+                  <a:outerShdw blurRad="38100" dist="38100" dir="2700000" algn="tl">
+                    <a:srgbClr val="000000">
+                      <a:alpha val="43137"/>
+                    </a:srgbClr>
+                  </a:outerShdw>
+                </a:effectLst>
+                <a:latin typeface="Algerian" panose="04020705040A02060702" pitchFamily="82" charset="0"/>
+                <a:hlinkClick r:id="rId2"/>
+              </a:rPr>
+              <a:t>www.youtube.com/user/MANCHEV720966</a:t>
+            </a:r>
+            <a:endParaRPr lang="en-US" sz="3600" b="1" dirty="0">
+              <a:solidFill>
+                <a:schemeClr val="tx1"/>
+              </a:solidFill>
+              <a:effectLst>
+                <a:outerShdw blurRad="38100" dist="38100" dir="2700000" algn="tl">
+                  <a:srgbClr val="000000">
+                    <a:alpha val="43137"/>
+                  </a:srgbClr>
+                </a:outerShdw>
+              </a:effectLst>
+              <a:latin typeface="Algerian" panose="04020705040A02060702" pitchFamily="82" charset="0"/>
+            </a:endParaRPr>
+          </a:p>
+          <a:p>
+            <a:pPr algn="l"/>
+            <a:endParaRPr lang="en-US" sz="3600" b="1" dirty="0" smtClean="0">
+              <a:solidFill>
+                <a:schemeClr val="tx1"/>
+              </a:solidFill>
+              <a:effectLst>
+                <a:outerShdw blurRad="38100" dist="38100" dir="2700000" algn="tl">
+                  <a:srgbClr val="000000">
+                    <a:alpha val="43137"/>
+                  </a:srgbClr>
+                </a:outerShdw>
+              </a:effectLst>
+              <a:latin typeface="Algerian" panose="04020705040A02060702" pitchFamily="82" charset="0"/>
+            </a:endParaRPr>
+          </a:p>
+          <a:p>
+            <a:pPr marL="571500" indent="-571500" algn="l">
+              <a:buFont typeface="Wingdings" panose="05000000000000000000" pitchFamily="2" charset="2"/>
+              <a:buChar char="Ø"/>
+            </a:pPr>
+            <a:endParaRPr lang="en-US" sz="4800" b="1" dirty="0">
+              <a:solidFill>
+                <a:srgbClr val="FF0000"/>
+              </a:solidFill>
+              <a:effectLst>
+                <a:outerShdw blurRad="38100" dist="38100" dir="2700000" algn="tl">
+                  <a:srgbClr val="000000">
+                    <a:alpha val="43137"/>
+                  </a:srgbClr>
+                </a:outerShdw>
+              </a:effectLst>
+              <a:latin typeface="Algerian" panose="04020705040A02060702" pitchFamily="82" charset="0"/>
+            </a:endParaRPr>
+          </a:p>
+        </p:txBody>
+      </p:sp>
+      <p:sp>
+        <p:nvSpPr>
+          <p:cNvPr id="2" name="Slide Number Placeholder 1"/>
+          <p:cNvSpPr>
+            <a:spLocks noGrp="1"/>
+          </p:cNvSpPr>
+          <p:nvPr>
+            <p:ph type="sldNum" sz="quarter" idx="4294967295"/>
+          </p:nvPr>
+        </p:nvSpPr>
+        <p:spPr>
+          <a:xfrm>
+            <a:off x="11760200" y="6524625"/>
+            <a:ext cx="428625" cy="196850"/>
+          </a:xfrm>
+        </p:spPr>
+        <p:txBody>
+          <a:bodyPr/>
+          <a:lstStyle/>
+          <a:p>
+            <a:fld id="{C014DD1E-5D91-48A3-AD6D-45FBA980D106}" type="slidenum">
+              <a:rPr lang="en-US" smtClean="0">
+                <a:solidFill>
+                  <a:prstClr val="white">
+                    <a:tint val="75000"/>
+                  </a:prstClr>
+                </a:solidFill>
+              </a:rPr>
+              <a:pPr/>
+              <a:t>5</a:t>
+            </a:fld>
+            <a:endParaRPr lang="en-US" dirty="0">
+              <a:solidFill>
+                <a:prstClr val="white">
+                  <a:tint val="75000"/>
+                </a:prstClr>
+              </a:solidFill>
+            </a:endParaRPr>
+          </a:p>
+        </p:txBody>
+      </p:sp>
+      <p:pic>
+        <p:nvPicPr>
+          <p:cNvPr id="7" name="Picture 6"/>
+          <p:cNvPicPr>
+            <a:picLocks noChangeAspect="1"/>
+          </p:cNvPicPr>
+          <p:nvPr/>
+        </p:nvPicPr>
+        <p:blipFill>
+          <a:blip r:embed="rId3" cstate="print">
+            <a:extLst>
+              <a:ext uri="{28A0092B-C50C-407E-A947-70E740481C1C}">
+                <a14:useLocalDpi xmlns:a14="http://schemas.microsoft.com/office/drawing/2010/main" val="0"/>
+              </a:ext>
+            </a:extLst>
+          </a:blip>
+          <a:stretch>
+            <a:fillRect/>
+          </a:stretch>
+        </p:blipFill>
+        <p:spPr>
+          <a:xfrm>
+            <a:off x="936642" y="2192488"/>
+            <a:ext cx="2066011" cy="2608112"/>
+          </a:xfrm>
+          <a:prstGeom prst="rect">
+            <a:avLst/>
+          </a:prstGeom>
+          <a:ln>
+            <a:noFill/>
+          </a:ln>
+          <a:effectLst>
+            <a:softEdge rad="112500"/>
+          </a:effectLst>
+        </p:spPr>
+      </p:pic>
+    </p:spTree>
+    <p:extLst>
+      <p:ext uri="{BB962C8B-B14F-4D97-AF65-F5344CB8AC3E}">
+        <p14:creationId xmlns:p14="http://schemas.microsoft.com/office/powerpoint/2010/main" val="2471467910"/>
+      </p:ext>
+    </p:extLst>
+  </p:cSld>
+  <p:clrMapOvr>
+    <a:masterClrMapping/>
+  </p:clrMapOvr>
+  <mc:AlternateContent xmlns:mc="http://schemas.openxmlformats.org/markup-compatibility/2006" xmlns:p14="http://schemas.microsoft.com/office/powerpoint/2010/main">
+    <mc:Choice Requires="p14">
+      <p:transition p14:dur="10"/>
+    </mc:Choice>
+    <mc:Fallback xmlns="">
+      <p:transition/>
+    </mc:Fallback>
+  </mc:AlternateContent>
+  <p:timing>
+    <p:tnLst>
+      <p:par>
+        <p:cTn xmlns:p14="http://schemas.microsoft.com/office/powerpoint/2010/main" id="1" dur="indefinite" restart="never" nodeType="tmRoot">
+          <p:childTnLst>
+            <p:seq concurrent="1" nextAc="seek">
+              <p:cTn id="2" dur="indefinite" nodeType="mainSeq">
+                <p:childTnLst>
+                  <p:par>
+                    <p:cTn id="3" fill="hold">
+                      <p:stCondLst>
+                        <p:cond delay="indefinite"/>
+                      </p:stCondLst>
+                      <p:childTnLst>
+                        <p:par>
+                          <p:cTn id="4" fill="hold">
+                            <p:stCondLst>
+                              <p:cond delay="0"/>
+                            </p:stCondLst>
+                            <p:childTnLst>
+                              <p:par>
+                                <p:cTn id="5" presetID="2" presetClass="entr" presetSubtype="4" fill="hold" nodeType="clickEffect">
+                                  <p:stCondLst>
+                                    <p:cond delay="0"/>
+                                  </p:stCondLst>
+                                  <p:childTnLst>
+                                    <p:set>
+                                      <p:cBhvr>
+                                        <p:cTn id="6" dur="1" fill="hold">
+                                          <p:stCondLst>
+                                            <p:cond delay="0"/>
+                                          </p:stCondLst>
+                                        </p:cTn>
+                                        <p:tgtEl>
+                                          <p:spTgt spid="7"/>
+                                        </p:tgtEl>
+                                        <p:attrNameLst>
+                                          <p:attrName>style.visibility</p:attrName>
+                                        </p:attrNameLst>
+                                      </p:cBhvr>
+                                      <p:to>
+                                        <p:strVal val="visible"/>
+                                      </p:to>
+                                    </p:set>
+                                    <p:anim calcmode="lin" valueType="num">
+                                      <p:cBhvr additive="base">
+                                        <p:cTn id="7" dur="500" fill="hold"/>
+                                        <p:tgtEl>
+                                          <p:spTgt spid="7"/>
+                                        </p:tgtEl>
+                                        <p:attrNameLst>
+                                          <p:attrName>ppt_x</p:attrName>
+                                        </p:attrNameLst>
+                                      </p:cBhvr>
+                                      <p:tavLst>
+                                        <p:tav tm="0">
+                                          <p:val>
+                                            <p:strVal val="#ppt_x"/>
+                                          </p:val>
+                                        </p:tav>
+                                        <p:tav tm="100000">
+                                          <p:val>
+                                            <p:strVal val="#ppt_x"/>
+                                          </p:val>
+                                        </p:tav>
+                                      </p:tavLst>
+                                    </p:anim>
+                                    <p:anim calcmode="lin" valueType="num">
+                                      <p:cBhvr additive="base">
+                                        <p:cTn id="8" dur="500" fill="hold"/>
+                                        <p:tgtEl>
+                                          <p:spTgt spid="7"/>
+                                        </p:tgtEl>
+                                        <p:attrNameLst>
+                                          <p:attrName>ppt_y</p:attrName>
+                                        </p:attrNameLst>
+                                      </p:cBhvr>
+                                      <p:tavLst>
+                                        <p:tav tm="0">
+                                          <p:val>
+                                            <p:strVal val="1+#ppt_h/2"/>
+                                          </p:val>
+                                        </p:tav>
+                                        <p:tav tm="100000">
+                                          <p:val>
+                                            <p:strVal val="#ppt_y"/>
+                                          </p:val>
+                                        </p:tav>
+                                      </p:tavLst>
+                                    </p:anim>
+                                  </p:childTnLst>
+                                </p:cTn>
+                              </p:par>
+                            </p:childTnLst>
+                          </p:cTn>
+                        </p:par>
+                      </p:childTnLst>
+                    </p:cTn>
+                  </p:par>
+                  <p:par>
+                    <p:cTn id="9" fill="hold">
+                      <p:stCondLst>
+                        <p:cond delay="indefinite"/>
+                      </p:stCondLst>
+                      <p:childTnLst>
+                        <p:par>
+                          <p:cTn id="10" fill="hold">
+                            <p:stCondLst>
+                              <p:cond delay="0"/>
+                            </p:stCondLst>
+                            <p:childTnLst>
+                              <p:par>
+                                <p:cTn id="11" presetID="42" presetClass="entr" presetSubtype="0" fill="hold" grpId="0" nodeType="clickEffect">
+                                  <p:stCondLst>
+                                    <p:cond delay="0"/>
+                                  </p:stCondLst>
+                                  <p:childTnLst>
+                                    <p:set>
+                                      <p:cBhvr>
+                                        <p:cTn id="12" dur="1" fill="hold">
+                                          <p:stCondLst>
+                                            <p:cond delay="0"/>
+                                          </p:stCondLst>
+                                        </p:cTn>
+                                        <p:tgtEl>
+                                          <p:spTgt spid="5">
+                                            <p:txEl>
+                                              <p:pRg st="0" end="0"/>
+                                            </p:txEl>
+                                          </p:spTgt>
+                                        </p:tgtEl>
+                                        <p:attrNameLst>
+                                          <p:attrName>style.visibility</p:attrName>
+                                        </p:attrNameLst>
+                                      </p:cBhvr>
+                                      <p:to>
+                                        <p:strVal val="visible"/>
+                                      </p:to>
+                                    </p:set>
+                                    <p:animEffect transition="in" filter="fade">
+                                      <p:cBhvr>
+                                        <p:cTn id="13" dur="1000"/>
+                                        <p:tgtEl>
+                                          <p:spTgt spid="5">
+                                            <p:txEl>
+                                              <p:pRg st="0" end="0"/>
+                                            </p:txEl>
+                                          </p:spTgt>
+                                        </p:tgtEl>
+                                      </p:cBhvr>
+                                    </p:animEffect>
+                                    <p:anim calcmode="lin" valueType="num">
+                                      <p:cBhvr>
+                                        <p:cTn id="14" dur="1000" fill="hold"/>
+                                        <p:tgtEl>
+                                          <p:spTgt spid="5">
+                                            <p:txEl>
+                                              <p:pRg st="0" end="0"/>
+                                            </p:txEl>
+                                          </p:spTgt>
+                                        </p:tgtEl>
+                                        <p:attrNameLst>
+                                          <p:attrName>ppt_x</p:attrName>
+                                        </p:attrNameLst>
+                                      </p:cBhvr>
+                                      <p:tavLst>
+                                        <p:tav tm="0">
+                                          <p:val>
+                                            <p:strVal val="#ppt_x"/>
+                                          </p:val>
+                                        </p:tav>
+                                        <p:tav tm="100000">
+                                          <p:val>
+                                            <p:strVal val="#ppt_x"/>
+                                          </p:val>
+                                        </p:tav>
+                                      </p:tavLst>
+                                    </p:anim>
+                                    <p:anim calcmode="lin" valueType="num">
+                                      <p:cBhvr>
+                                        <p:cTn id="15" dur="1000" fill="hold"/>
+                                        <p:tgtEl>
+                                          <p:spTgt spid="5">
+                                            <p:txEl>
+                                              <p:pRg st="0" end="0"/>
+                                            </p:txEl>
+                                          </p:spTgt>
+                                        </p:tgtEl>
+                                        <p:attrNameLst>
+                                          <p:attrName>ppt_y</p:attrName>
+                                        </p:attrNameLst>
+                                      </p:cBhvr>
+                                      <p:tavLst>
+                                        <p:tav tm="0">
+                                          <p:val>
+                                            <p:strVal val="#ppt_y+.1"/>
+                                          </p:val>
+                                        </p:tav>
+                                        <p:tav tm="100000">
+                                          <p:val>
+                                            <p:strVal val="#ppt_y"/>
+                                          </p:val>
+                                        </p:tav>
+                                      </p:tavLst>
+                                    </p:anim>
+                                  </p:childTnLst>
+                                </p:cTn>
+                              </p:par>
+                            </p:childTnLst>
+                          </p:cTn>
+                        </p:par>
+                      </p:childTnLst>
+                    </p:cTn>
+                  </p:par>
+                  <p:par>
+                    <p:cTn id="16" fill="hold">
+                      <p:stCondLst>
+                        <p:cond delay="indefinite"/>
+                      </p:stCondLst>
+                      <p:childTnLst>
+                        <p:par>
+                          <p:cTn id="17" fill="hold">
+                            <p:stCondLst>
+                              <p:cond delay="0"/>
+                            </p:stCondLst>
+                            <p:childTnLst>
+                              <p:par>
+                                <p:cTn id="18" presetID="42" presetClass="entr" presetSubtype="0" fill="hold" grpId="0" nodeType="clickEffect">
+                                  <p:stCondLst>
+                                    <p:cond delay="0"/>
+                                  </p:stCondLst>
+                                  <p:childTnLst>
+                                    <p:set>
+                                      <p:cBhvr>
+                                        <p:cTn id="19" dur="1" fill="hold">
+                                          <p:stCondLst>
+                                            <p:cond delay="0"/>
+                                          </p:stCondLst>
+                                        </p:cTn>
+                                        <p:tgtEl>
+                                          <p:spTgt spid="5">
+                                            <p:txEl>
+                                              <p:pRg st="1" end="1"/>
+                                            </p:txEl>
+                                          </p:spTgt>
+                                        </p:tgtEl>
+                                        <p:attrNameLst>
+                                          <p:attrName>style.visibility</p:attrName>
+                                        </p:attrNameLst>
+                                      </p:cBhvr>
+                                      <p:to>
+                                        <p:strVal val="visible"/>
+                                      </p:to>
+                                    </p:set>
+                                    <p:animEffect transition="in" filter="fade">
+                                      <p:cBhvr>
+                                        <p:cTn id="20" dur="1000"/>
+                                        <p:tgtEl>
+                                          <p:spTgt spid="5">
+                                            <p:txEl>
+                                              <p:pRg st="1" end="1"/>
+                                            </p:txEl>
+                                          </p:spTgt>
+                                        </p:tgtEl>
+                                      </p:cBhvr>
+                                    </p:animEffect>
+                                    <p:anim calcmode="lin" valueType="num">
+                                      <p:cBhvr>
+                                        <p:cTn id="21" dur="1000" fill="hold"/>
+                                        <p:tgtEl>
+                                          <p:spTgt spid="5">
+                                            <p:txEl>
+                                              <p:pRg st="1" end="1"/>
+                                            </p:txEl>
+                                          </p:spTgt>
+                                        </p:tgtEl>
+                                        <p:attrNameLst>
+                                          <p:attrName>ppt_x</p:attrName>
+                                        </p:attrNameLst>
+                                      </p:cBhvr>
+                                      <p:tavLst>
+                                        <p:tav tm="0">
+                                          <p:val>
+                                            <p:strVal val="#ppt_x"/>
+                                          </p:val>
+                                        </p:tav>
+                                        <p:tav tm="100000">
+                                          <p:val>
+                                            <p:strVal val="#ppt_x"/>
+                                          </p:val>
+                                        </p:tav>
+                                      </p:tavLst>
+                                    </p:anim>
+                                    <p:anim calcmode="lin" valueType="num">
+                                      <p:cBhvr>
+                                        <p:cTn id="22" dur="1000" fill="hold"/>
+                                        <p:tgtEl>
+                                          <p:spTgt spid="5">
+                                            <p:txEl>
+                                              <p:pRg st="1" end="1"/>
+                                            </p:txEl>
+                                          </p:spTgt>
+                                        </p:tgtEl>
+                                        <p:attrNameLst>
+                                          <p:attrName>ppt_y</p:attrName>
+                                        </p:attrNameLst>
+                                      </p:cBhvr>
+                                      <p:tavLst>
+                                        <p:tav tm="0">
+                                          <p:val>
+                                            <p:strVal val="#ppt_y+.1"/>
+                                          </p:val>
+                                        </p:tav>
+                                        <p:tav tm="100000">
+                                          <p:val>
+                                            <p:strVal val="#ppt_y"/>
+                                          </p:val>
+                                        </p:tav>
+                                      </p:tavLst>
+                                    </p:anim>
+                                  </p:childTnLst>
+                                </p:cTn>
+                              </p:par>
+                            </p:childTnLst>
+                          </p:cTn>
+                        </p:par>
+                      </p:childTnLst>
+                    </p:cTn>
+                  </p:par>
+                  <p:par>
+                    <p:cTn id="23" fill="hold">
+                      <p:stCondLst>
+                        <p:cond delay="indefinite"/>
+                      </p:stCondLst>
+                      <p:childTnLst>
+                        <p:par>
+                          <p:cTn id="24" fill="hold">
+                            <p:stCondLst>
+                              <p:cond delay="0"/>
+                            </p:stCondLst>
+                            <p:childTnLst>
+                              <p:par>
+                                <p:cTn id="25" presetID="42" presetClass="entr" presetSubtype="0" fill="hold" grpId="0" nodeType="clickEffect">
+                                  <p:stCondLst>
+                                    <p:cond delay="0"/>
+                                  </p:stCondLst>
+                                  <p:childTnLst>
+                                    <p:set>
+                                      <p:cBhvr>
+                                        <p:cTn id="26" dur="1" fill="hold">
+                                          <p:stCondLst>
+                                            <p:cond delay="0"/>
+                                          </p:stCondLst>
+                                        </p:cTn>
+                                        <p:tgtEl>
+                                          <p:spTgt spid="5">
+                                            <p:txEl>
+                                              <p:pRg st="2" end="2"/>
+                                            </p:txEl>
+                                          </p:spTgt>
+                                        </p:tgtEl>
+                                        <p:attrNameLst>
+                                          <p:attrName>style.visibility</p:attrName>
+                                        </p:attrNameLst>
+                                      </p:cBhvr>
+                                      <p:to>
+                                        <p:strVal val="visible"/>
+                                      </p:to>
+                                    </p:set>
+                                    <p:animEffect transition="in" filter="fade">
+                                      <p:cBhvr>
+                                        <p:cTn id="27" dur="1000"/>
+                                        <p:tgtEl>
+                                          <p:spTgt spid="5">
+                                            <p:txEl>
+                                              <p:pRg st="2" end="2"/>
+                                            </p:txEl>
+                                          </p:spTgt>
+                                        </p:tgtEl>
+                                      </p:cBhvr>
+                                    </p:animEffect>
+                                    <p:anim calcmode="lin" valueType="num">
+                                      <p:cBhvr>
+                                        <p:cTn id="28" dur="1000" fill="hold"/>
+                                        <p:tgtEl>
+                                          <p:spTgt spid="5">
+                                            <p:txEl>
+                                              <p:pRg st="2" end="2"/>
+                                            </p:txEl>
+                                          </p:spTgt>
+                                        </p:tgtEl>
+                                        <p:attrNameLst>
+                                          <p:attrName>ppt_x</p:attrName>
+                                        </p:attrNameLst>
+                                      </p:cBhvr>
+                                      <p:tavLst>
+                                        <p:tav tm="0">
+                                          <p:val>
+                                            <p:strVal val="#ppt_x"/>
+                                          </p:val>
+                                        </p:tav>
+                                        <p:tav tm="100000">
+                                          <p:val>
+                                            <p:strVal val="#ppt_x"/>
+                                          </p:val>
+                                        </p:tav>
+                                      </p:tavLst>
+                                    </p:anim>
+                                    <p:anim calcmode="lin" valueType="num">
+                                      <p:cBhvr>
+                                        <p:cTn id="29" dur="1000" fill="hold"/>
+                                        <p:tgtEl>
+                                          <p:spTgt spid="5">
+                                            <p:txEl>
+                                              <p:pRg st="2" end="2"/>
+                                            </p:txEl>
+                                          </p:spTgt>
+                                        </p:tgtEl>
+                                        <p:attrNameLst>
+                                          <p:attrName>ppt_y</p:attrName>
+                                        </p:attrNameLst>
+                                      </p:cBhvr>
+                                      <p:tavLst>
+                                        <p:tav tm="0">
+                                          <p:val>
+                                            <p:strVal val="#ppt_y+.1"/>
+                                          </p:val>
+                                        </p:tav>
+                                        <p:tav tm="100000">
+                                          <p:val>
+                                            <p:strVal val="#ppt_y"/>
+                                          </p:val>
+                                        </p:tav>
+                                      </p:tavLst>
+                                    </p:anim>
+                                  </p:childTnLst>
+                                </p:cTn>
+                              </p:par>
+                            </p:childTnLst>
+                          </p:cTn>
+                        </p:par>
+                      </p:childTnLst>
+                    </p:cTn>
+                  </p:par>
+                </p:childTnLst>
+              </p:cTn>
+              <p:prevCondLst>
+                <p:cond evt="onPrev" delay="0">
+                  <p:tgtEl>
+                    <p:sldTgt/>
+                  </p:tgtEl>
+                </p:cond>
+              </p:prevCondLst>
+              <p:nextCondLst>
+                <p:cond evt="onNext" delay="0">
+                  <p:tgtEl>
+                    <p:sldTgt/>
+                  </p:tgtEl>
+                </p:cond>
+              </p:nextCondLst>
+            </p:seq>
+          </p:childTnLst>
+        </p:cTn>
+      </p:par>
+    </p:tnLst>
+    <p:bldLst>
+      <p:bldP spid="5" grpId="0" build="p"/>
+    </p:bldLst>
+  </p:timing>
+</p:sld>
+</file>
+
+<file path=ppt/slides/slide6.xml><?xml version="1.0" encoding="utf-8"?>
+<p:sld xmlns:a="http://schemas.openxmlformats.org/drawingml/2006/main" xmlns:r="http://schemas.openxmlformats.org/officeDocument/2006/relationships" xmlns:p="http://schemas.openxmlformats.org/presentationml/2006/main">
+  <p:cSld>
+    <p:spTree>
+      <p:nvGrpSpPr>
+        <p:cNvPr id="1" name=""/>
+        <p:cNvGrpSpPr/>
+        <p:nvPr/>
+      </p:nvGrpSpPr>
+      <p:grpSpPr>
+        <a:xfrm>
+          <a:off x="0" y="0"/>
+          <a:ext cx="0" cy="0"/>
+          <a:chOff x="0" y="0"/>
+          <a:chExt cx="0" cy="0"/>
+        </a:xfrm>
+      </p:grpSpPr>
+      <p:sp>
+        <p:nvSpPr>
+          <p:cNvPr id="4" name="Title 3"/>
+          <p:cNvSpPr>
+            <a:spLocks noGrp="1"/>
+          </p:cNvSpPr>
+          <p:nvPr>
+            <p:ph type="ctrTitle"/>
+          </p:nvPr>
+        </p:nvSpPr>
+        <p:spPr>
+          <a:xfrm>
+            <a:off x="3046412" y="202176"/>
+            <a:ext cx="8987207" cy="2000251"/>
+          </a:xfrm>
+          <a:effectLst>
+            <a:outerShdw blurRad="50800" dist="38100" algn="l" rotWithShape="0">
+              <a:prstClr val="black">
+                <a:alpha val="40000"/>
+              </a:prstClr>
+            </a:outerShdw>
+          </a:effectLst>
+        </p:spPr>
+        <p:txBody>
+          <a:bodyPr>
+            <a:normAutofit fontScale="90000"/>
+          </a:bodyPr>
+          <a:lstStyle/>
+          <a:p>
+            <a:pPr algn="ctr"/>
+            <a:r>
+              <a:rPr lang="en-US" sz="6700" dirty="0" smtClean="0">
+                <a:solidFill>
+                  <a:srgbClr val="FFFF00"/>
+                </a:solidFill>
+              </a:rPr>
+              <a:t>                                       </a:t>
+            </a:r>
+            <a:r>
+              <a:rPr lang="en-US" sz="8000" i="1" dirty="0" smtClean="0">
+                <a:solidFill>
+                  <a:schemeClr val="tx1"/>
+                </a:solidFill>
+                <a:effectLst>
+                  <a:outerShdw blurRad="38100" dist="38100" dir="2700000" algn="tl">
+                    <a:srgbClr val="000000">
+                      <a:alpha val="43137"/>
+                    </a:srgbClr>
+                  </a:outerShdw>
+                </a:effectLst>
+                <a:latin typeface="Algerian" panose="04020705040A02060702" pitchFamily="82" charset="0"/>
+              </a:rPr>
+              <a:t>TEAM“MOON ORCHID”</a:t>
+            </a:r>
+            <a:r>
+              <a:rPr lang="en-US" dirty="0">
+                <a:solidFill>
+                  <a:schemeClr val="tx1"/>
+                </a:solidFill>
+              </a:rPr>
+              <a:t/>
+            </a:r>
+            <a:br>
+              <a:rPr lang="en-US" dirty="0">
+                <a:solidFill>
+                  <a:schemeClr val="tx1"/>
+                </a:solidFill>
+              </a:rPr>
+            </a:br>
+            <a:endParaRPr lang="bg-BG" dirty="0">
+              <a:solidFill>
+                <a:schemeClr val="tx1"/>
+              </a:solidFill>
+            </a:endParaRPr>
+          </a:p>
+        </p:txBody>
+      </p:sp>
+      <p:sp>
+        <p:nvSpPr>
+          <p:cNvPr id="5" name="Subtitle 4"/>
+          <p:cNvSpPr>
+            <a:spLocks noGrp="1"/>
+          </p:cNvSpPr>
+          <p:nvPr>
+            <p:ph type="subTitle" idx="1"/>
+          </p:nvPr>
+        </p:nvSpPr>
+        <p:spPr>
+          <a:xfrm>
+            <a:off x="3579812" y="2202427"/>
+            <a:ext cx="8168942" cy="3664973"/>
+          </a:xfrm>
+        </p:spPr>
+        <p:txBody>
+          <a:bodyPr>
+            <a:noAutofit/>
+          </a:bodyPr>
+          <a:lstStyle/>
+          <a:p>
+            <a:pPr algn="l"/>
+            <a:endParaRPr lang="en-US" sz="4800" b="1" dirty="0" smtClean="0">
+              <a:solidFill>
+                <a:schemeClr val="tx1"/>
+              </a:solidFill>
+              <a:effectLst>
+                <a:outerShdw blurRad="38100" dist="38100" dir="2700000" algn="tl">
+                  <a:srgbClr val="000000">
+                    <a:alpha val="43137"/>
+                  </a:srgbClr>
+                </a:outerShdw>
+              </a:effectLst>
+              <a:latin typeface="Algerian" panose="04020705040A02060702" pitchFamily="82" charset="0"/>
+            </a:endParaRPr>
+          </a:p>
+          <a:p>
+            <a:pPr marL="571500" indent="-571500" algn="l">
+              <a:buFont typeface="Wingdings" panose="05000000000000000000" pitchFamily="2" charset="2"/>
+              <a:buChar char="Ø"/>
+            </a:pPr>
+            <a:r>
+              <a:rPr lang="en-US" sz="4800" b="1" dirty="0" smtClean="0">
+                <a:solidFill>
+                  <a:schemeClr val="tx1"/>
+                </a:solidFill>
+                <a:effectLst>
+                  <a:outerShdw blurRad="38100" dist="38100" dir="2700000" algn="tl">
+                    <a:srgbClr val="000000">
+                      <a:alpha val="43137"/>
+                    </a:srgbClr>
+                  </a:outerShdw>
+                </a:effectLst>
+                <a:latin typeface="Algerian" panose="04020705040A02060702" pitchFamily="82" charset="0"/>
+              </a:rPr>
+              <a:t>Supporting with </a:t>
+            </a:r>
+            <a:r>
+              <a:rPr lang="en-US" sz="4800" b="1" dirty="0" smtClean="0">
+                <a:solidFill>
+                  <a:schemeClr val="tx1"/>
+                </a:solidFill>
+                <a:effectLst>
+                  <a:outerShdw blurRad="38100" dist="38100" dir="2700000" algn="tl">
+                    <a:srgbClr val="000000">
+                      <a:alpha val="43137"/>
+                    </a:srgbClr>
+                  </a:outerShdw>
+                </a:effectLst>
+                <a:latin typeface="Algerian" panose="04020705040A02060702" pitchFamily="82" charset="0"/>
+              </a:rPr>
+              <a:t>ideas</a:t>
+            </a:r>
+          </a:p>
+          <a:p>
+            <a:pPr marL="571500" indent="-571500" algn="l">
+              <a:buFont typeface="Wingdings" panose="05000000000000000000" pitchFamily="2" charset="2"/>
+              <a:buChar char="Ø"/>
+            </a:pPr>
+            <a:r>
+              <a:rPr lang="en-US" sz="4800" b="1">
+                <a:solidFill>
+                  <a:schemeClr val="tx1"/>
+                </a:solidFill>
+                <a:effectLst>
+                  <a:outerShdw blurRad="38100" dist="38100" dir="2700000" algn="tl">
+                    <a:srgbClr val="000000">
+                      <a:alpha val="43137"/>
+                    </a:srgbClr>
+                  </a:outerShdw>
+                </a:effectLst>
+                <a:latin typeface="Algerian" panose="04020705040A02060702" pitchFamily="82" charset="0"/>
+              </a:rPr>
+              <a:t>Presentator</a:t>
+            </a:r>
+            <a:endParaRPr lang="en-US" sz="4800" b="1" dirty="0">
+              <a:solidFill>
+                <a:schemeClr val="tx1"/>
+              </a:solidFill>
+              <a:effectLst>
+                <a:outerShdw blurRad="38100" dist="38100" dir="2700000" algn="tl">
+                  <a:srgbClr val="000000">
+                    <a:alpha val="43137"/>
+                  </a:srgbClr>
+                </a:outerShdw>
+              </a:effectLst>
+              <a:latin typeface="Algerian" panose="04020705040A02060702" pitchFamily="82" charset="0"/>
+            </a:endParaRPr>
+          </a:p>
+        </p:txBody>
+      </p:sp>
+      <p:sp>
+        <p:nvSpPr>
+          <p:cNvPr id="2" name="Slide Number Placeholder 1"/>
+          <p:cNvSpPr>
+            <a:spLocks noGrp="1"/>
+          </p:cNvSpPr>
+          <p:nvPr>
+            <p:ph type="sldNum" sz="quarter" idx="4294967295"/>
+          </p:nvPr>
+        </p:nvSpPr>
+        <p:spPr>
+          <a:xfrm>
+            <a:off x="11760200" y="6524625"/>
+            <a:ext cx="428625" cy="196850"/>
+          </a:xfrm>
+        </p:spPr>
+        <p:txBody>
+          <a:bodyPr/>
+          <a:lstStyle/>
+          <a:p>
+            <a:fld id="{C014DD1E-5D91-48A3-AD6D-45FBA980D106}" type="slidenum">
+              <a:rPr lang="en-US" smtClean="0">
+                <a:solidFill>
+                  <a:prstClr val="white">
+                    <a:tint val="75000"/>
+                  </a:prstClr>
+                </a:solidFill>
+              </a:rPr>
+              <a:pPr/>
+              <a:t>6</a:t>
+            </a:fld>
+            <a:endParaRPr lang="en-US" dirty="0">
+              <a:solidFill>
+                <a:prstClr val="white">
+                  <a:tint val="75000"/>
+                </a:prstClr>
+              </a:solidFill>
+            </a:endParaRPr>
+          </a:p>
+        </p:txBody>
+      </p:sp>
+      <p:pic>
+        <p:nvPicPr>
+          <p:cNvPr id="6" name="Picture 5"/>
+          <p:cNvPicPr>
+            <a:picLocks noChangeAspect="1"/>
+          </p:cNvPicPr>
+          <p:nvPr/>
+        </p:nvPicPr>
+        <p:blipFill>
+          <a:blip r:embed="rId2"/>
+          <a:stretch>
+            <a:fillRect/>
+          </a:stretch>
+        </p:blipFill>
+        <p:spPr>
+          <a:xfrm>
+            <a:off x="912122" y="2175923"/>
+            <a:ext cx="2134290" cy="3038061"/>
+          </a:xfrm>
+          <a:prstGeom prst="rect">
+            <a:avLst/>
+          </a:prstGeom>
+        </p:spPr>
+      </p:pic>
+    </p:spTree>
+    <p:extLst>
+      <p:ext uri="{BB962C8B-B14F-4D97-AF65-F5344CB8AC3E}">
+        <p14:creationId xmlns:p14="http://schemas.microsoft.com/office/powerpoint/2010/main" val="1888881110"/>
+      </p:ext>
+    </p:extLst>
+  </p:cSld>
+  <p:clrMapOvr>
+    <a:masterClrMapping/>
+  </p:clrMapOvr>
+  <mc:AlternateContent xmlns:mc="http://schemas.openxmlformats.org/markup-compatibility/2006" xmlns:p14="http://schemas.microsoft.com/office/powerpoint/2010/main">
+    <mc:Choice Requires="p14">
+      <p:transition p14:dur="0"/>
+    </mc:Choice>
+    <mc:Fallback xmlns="">
+      <p:transition/>
+    </mc:Fallback>
+  </mc:AlternateContent>
+  <p:timing>
+    <p:tnLst>
+      <p:par>
+        <p:cTn xmlns:p14="http://schemas.microsoft.com/office/powerpoint/2010/main" id="1" dur="indefinite" restart="never" nodeType="tmRoot">
+          <p:childTnLst>
+            <p:seq concurrent="1" nextAc="seek">
+              <p:cTn id="2" dur="indefinite" nodeType="mainSeq">
+                <p:childTnLst>
+                  <p:par>
+                    <p:cTn id="3" fill="hold">
+                      <p:stCondLst>
+                        <p:cond delay="indefinite"/>
+                      </p:stCondLst>
+                      <p:childTnLst>
+                        <p:par>
+                          <p:cTn id="4" fill="hold">
+                            <p:stCondLst>
+                              <p:cond delay="0"/>
+                            </p:stCondLst>
+                            <p:childTnLst>
+                              <p:par>
+                                <p:cTn id="5" presetID="2" presetClass="entr" presetSubtype="4" fill="hold" nodeType="clickEffect">
+                                  <p:stCondLst>
+                                    <p:cond delay="0"/>
+                                  </p:stCondLst>
+                                  <p:childTnLst>
+                                    <p:set>
+                                      <p:cBhvr>
+                                        <p:cTn id="6" dur="1" fill="hold">
+                                          <p:stCondLst>
+                                            <p:cond delay="0"/>
+                                          </p:stCondLst>
+                                        </p:cTn>
+                                        <p:tgtEl>
+                                          <p:spTgt spid="6"/>
+                                        </p:tgtEl>
+                                        <p:attrNameLst>
+                                          <p:attrName>style.visibility</p:attrName>
+                                        </p:attrNameLst>
+                                      </p:cBhvr>
+                                      <p:to>
+                                        <p:strVal val="visible"/>
+                                      </p:to>
+                                    </p:set>
+                                    <p:anim calcmode="lin" valueType="num">
+                                      <p:cBhvr additive="base">
+                                        <p:cTn id="7" dur="500" fill="hold"/>
+                                        <p:tgtEl>
+                                          <p:spTgt spid="6"/>
+                                        </p:tgtEl>
+                                        <p:attrNameLst>
+                                          <p:attrName>ppt_x</p:attrName>
+                                        </p:attrNameLst>
+                                      </p:cBhvr>
+                                      <p:tavLst>
+                                        <p:tav tm="0">
+                                          <p:val>
+                                            <p:strVal val="#ppt_x"/>
+                                          </p:val>
+                                        </p:tav>
+                                        <p:tav tm="100000">
+                                          <p:val>
+                                            <p:strVal val="#ppt_x"/>
+                                          </p:val>
+                                        </p:tav>
+                                      </p:tavLst>
+                                    </p:anim>
+                                    <p:anim calcmode="lin" valueType="num">
+                                      <p:cBhvr additive="base">
+                                        <p:cTn id="8" dur="500" fill="hold"/>
+                                        <p:tgtEl>
+                                          <p:spTgt spid="6"/>
+                                        </p:tgtEl>
+                                        <p:attrNameLst>
+                                          <p:attrName>ppt_y</p:attrName>
+                                        </p:attrNameLst>
+                                      </p:cBhvr>
+                                      <p:tavLst>
+                                        <p:tav tm="0">
+                                          <p:val>
+                                            <p:strVal val="1+#ppt_h/2"/>
+                                          </p:val>
+                                        </p:tav>
+                                        <p:tav tm="100000">
+                                          <p:val>
+                                            <p:strVal val="#ppt_y"/>
+                                          </p:val>
+                                        </p:tav>
+                                      </p:tavLst>
+                                    </p:anim>
+                                  </p:childTnLst>
+                                </p:cTn>
+                              </p:par>
+                            </p:childTnLst>
+                          </p:cTn>
+                        </p:par>
+                      </p:childTnLst>
+                    </p:cTn>
+                  </p:par>
+                  <p:par>
+                    <p:cTn id="9" fill="hold">
+                      <p:stCondLst>
+                        <p:cond delay="indefinite"/>
+                      </p:stCondLst>
+                      <p:childTnLst>
+                        <p:par>
+                          <p:cTn id="10" fill="hold">
+                            <p:stCondLst>
+                              <p:cond delay="0"/>
+                            </p:stCondLst>
+                            <p:childTnLst>
+                              <p:par>
+                                <p:cTn id="11" presetID="42" presetClass="entr" presetSubtype="0" fill="hold" grpId="0" nodeType="clickEffect">
+                                  <p:stCondLst>
+                                    <p:cond delay="0"/>
+                                  </p:stCondLst>
+                                  <p:childTnLst>
+                                    <p:set>
+                                      <p:cBhvr>
+                                        <p:cTn id="12" dur="1" fill="hold">
+                                          <p:stCondLst>
+                                            <p:cond delay="0"/>
+                                          </p:stCondLst>
+                                        </p:cTn>
+                                        <p:tgtEl>
+                                          <p:spTgt spid="5">
+                                            <p:txEl>
+                                              <p:pRg st="1" end="1"/>
+                                            </p:txEl>
+                                          </p:spTgt>
+                                        </p:tgtEl>
+                                        <p:attrNameLst>
+                                          <p:attrName>style.visibility</p:attrName>
+                                        </p:attrNameLst>
+                                      </p:cBhvr>
+                                      <p:to>
+                                        <p:strVal val="visible"/>
+                                      </p:to>
+                                    </p:set>
+                                    <p:animEffect transition="in" filter="fade">
+                                      <p:cBhvr>
+                                        <p:cTn id="13" dur="1000"/>
+                                        <p:tgtEl>
+                                          <p:spTgt spid="5">
+                                            <p:txEl>
+                                              <p:pRg st="1" end="1"/>
+                                            </p:txEl>
+                                          </p:spTgt>
+                                        </p:tgtEl>
+                                      </p:cBhvr>
+                                    </p:animEffect>
+                                    <p:anim calcmode="lin" valueType="num">
+                                      <p:cBhvr>
+                                        <p:cTn id="14" dur="1000" fill="hold"/>
+                                        <p:tgtEl>
+                                          <p:spTgt spid="5">
+                                            <p:txEl>
+                                              <p:pRg st="1" end="1"/>
+                                            </p:txEl>
+                                          </p:spTgt>
+                                        </p:tgtEl>
+                                        <p:attrNameLst>
+                                          <p:attrName>ppt_x</p:attrName>
+                                        </p:attrNameLst>
+                                      </p:cBhvr>
+                                      <p:tavLst>
+                                        <p:tav tm="0">
+                                          <p:val>
+                                            <p:strVal val="#ppt_x"/>
+                                          </p:val>
+                                        </p:tav>
+                                        <p:tav tm="100000">
+                                          <p:val>
+                                            <p:strVal val="#ppt_x"/>
+                                          </p:val>
+                                        </p:tav>
+                                      </p:tavLst>
+                                    </p:anim>
+                                    <p:anim calcmode="lin" valueType="num">
+                                      <p:cBhvr>
+                                        <p:cTn id="15" dur="1000" fill="hold"/>
+                                        <p:tgtEl>
+                                          <p:spTgt spid="5">
+                                            <p:txEl>
+                                              <p:pRg st="1" end="1"/>
+                                            </p:txEl>
+                                          </p:spTgt>
+                                        </p:tgtEl>
+                                        <p:attrNameLst>
+                                          <p:attrName>ppt_y</p:attrName>
+                                        </p:attrNameLst>
+                                      </p:cBhvr>
+                                      <p:tavLst>
+                                        <p:tav tm="0">
+                                          <p:val>
+                                            <p:strVal val="#ppt_y+.1"/>
+                                          </p:val>
+                                        </p:tav>
+                                        <p:tav tm="100000">
+                                          <p:val>
+                                            <p:strVal val="#ppt_y"/>
+                                          </p:val>
+                                        </p:tav>
+                                      </p:tavLst>
+                                    </p:anim>
+                                  </p:childTnLst>
+                                </p:cTn>
+                              </p:par>
+                            </p:childTnLst>
+                          </p:cTn>
+                        </p:par>
+                      </p:childTnLst>
+                    </p:cTn>
+                  </p:par>
+                  <p:par>
+                    <p:cTn id="16" fill="hold">
+                      <p:stCondLst>
+                        <p:cond delay="indefinite"/>
+                      </p:stCondLst>
+                      <p:childTnLst>
+                        <p:par>
+                          <p:cTn id="17" fill="hold">
+                            <p:stCondLst>
+                              <p:cond delay="0"/>
+                            </p:stCondLst>
+                            <p:childTnLst>
+                              <p:par>
+                                <p:cTn id="18" presetID="42" presetClass="entr" presetSubtype="0" fill="hold" grpId="0" nodeType="clickEffect">
+                                  <p:stCondLst>
+                                    <p:cond delay="0"/>
+                                  </p:stCondLst>
+                                  <p:childTnLst>
+                                    <p:set>
+                                      <p:cBhvr>
+                                        <p:cTn id="19" dur="1" fill="hold">
+                                          <p:stCondLst>
+                                            <p:cond delay="0"/>
+                                          </p:stCondLst>
+                                        </p:cTn>
+                                        <p:tgtEl>
+                                          <p:spTgt spid="5">
+                                            <p:txEl>
+                                              <p:pRg st="2" end="2"/>
+                                            </p:txEl>
+                                          </p:spTgt>
+                                        </p:tgtEl>
+                                        <p:attrNameLst>
+                                          <p:attrName>style.visibility</p:attrName>
+                                        </p:attrNameLst>
+                                      </p:cBhvr>
+                                      <p:to>
+                                        <p:strVal val="visible"/>
+                                      </p:to>
+                                    </p:set>
+                                    <p:animEffect transition="in" filter="fade">
+                                      <p:cBhvr>
+                                        <p:cTn id="20" dur="1000"/>
+                                        <p:tgtEl>
+                                          <p:spTgt spid="5">
+                                            <p:txEl>
+                                              <p:pRg st="2" end="2"/>
+                                            </p:txEl>
+                                          </p:spTgt>
+                                        </p:tgtEl>
+                                      </p:cBhvr>
+                                    </p:animEffect>
+                                    <p:anim calcmode="lin" valueType="num">
+                                      <p:cBhvr>
+                                        <p:cTn id="21" dur="1000" fill="hold"/>
+                                        <p:tgtEl>
+                                          <p:spTgt spid="5">
+                                            <p:txEl>
+                                              <p:pRg st="2" end="2"/>
+                                            </p:txEl>
+                                          </p:spTgt>
+                                        </p:tgtEl>
+                                        <p:attrNameLst>
+                                          <p:attrName>ppt_x</p:attrName>
+                                        </p:attrNameLst>
+                                      </p:cBhvr>
+                                      <p:tavLst>
+                                        <p:tav tm="0">
+                                          <p:val>
+                                            <p:strVal val="#ppt_x"/>
+                                          </p:val>
+                                        </p:tav>
+                                        <p:tav tm="100000">
+                                          <p:val>
+                                            <p:strVal val="#ppt_x"/>
+                                          </p:val>
+                                        </p:tav>
+                                      </p:tavLst>
+                                    </p:anim>
+                                    <p:anim calcmode="lin" valueType="num">
+                                      <p:cBhvr>
+                                        <p:cTn id="22" dur="1000" fill="hold"/>
+                                        <p:tgtEl>
+                                          <p:spTgt spid="5">
+                                            <p:txEl>
+                                              <p:pRg st="2" end="2"/>
+                                            </p:txEl>
+                                          </p:spTgt>
+                                        </p:tgtEl>
+                                        <p:attrNameLst>
+                                          <p:attrName>ppt_y</p:attrName>
+                                        </p:attrNameLst>
+                                      </p:cBhvr>
+                                      <p:tavLst>
+                                        <p:tav tm="0">
+                                          <p:val>
+                                            <p:strVal val="#ppt_y+.1"/>
+                                          </p:val>
+                                        </p:tav>
+                                        <p:tav tm="100000">
+                                          <p:val>
+                                            <p:strVal val="#ppt_y"/>
+                                          </p:val>
+                                        </p:tav>
+                                      </p:tavLst>
+                                    </p:anim>
+                                  </p:childTnLst>
+                                </p:cTn>
+                              </p:par>
+                            </p:childTnLst>
+                          </p:cTn>
+                        </p:par>
+                      </p:childTnLst>
+                    </p:cTn>
+                  </p:par>
+                </p:childTnLst>
+              </p:cTn>
+              <p:prevCondLst>
+                <p:cond evt="onPrev" delay="0">
+                  <p:tgtEl>
+                    <p:sldTgt/>
+                  </p:tgtEl>
+                </p:cond>
+              </p:prevCondLst>
+              <p:nextCondLst>
+                <p:cond evt="onNext" delay="0">
+                  <p:tgtEl>
+                    <p:sldTgt/>
+                  </p:tgtEl>
+                </p:cond>
+              </p:nextCondLst>
+            </p:seq>
+          </p:childTnLst>
+        </p:cTn>
+      </p:par>
+    </p:tnLst>
+    <p:bldLst>
+      <p:bldP spid="5" grpId="0" build="p"/>
+    </p:bldLst>
+  </p:timing>
+</p:sld>
+</file>
+
+<file path=ppt/slides/slide7.xml><?xml version="1.0" encoding="utf-8"?>
+<p:sld xmlns:a="http://schemas.openxmlformats.org/drawingml/2006/main" xmlns:r="http://schemas.openxmlformats.org/officeDocument/2006/relationships" xmlns:p="http://schemas.openxmlformats.org/presentationml/2006/main">
+  <p:cSld>
+    <p:spTree>
+      <p:nvGrpSpPr>
+        <p:cNvPr id="1" name=""/>
+        <p:cNvGrpSpPr/>
+        <p:nvPr/>
+      </p:nvGrpSpPr>
+      <p:grpSpPr>
+        <a:xfrm>
+          <a:off x="0" y="0"/>
+          <a:ext cx="0" cy="0"/>
+          <a:chOff x="0" y="0"/>
+          <a:chExt cx="0" cy="0"/>
+        </a:xfrm>
+      </p:grpSpPr>
+      <p:sp>
+        <p:nvSpPr>
+          <p:cNvPr id="4" name="Title 3"/>
+          <p:cNvSpPr>
+            <a:spLocks noGrp="1"/>
+          </p:cNvSpPr>
+          <p:nvPr>
+            <p:ph type="ctrTitle"/>
+          </p:nvPr>
+        </p:nvSpPr>
+        <p:spPr>
+          <a:xfrm>
+            <a:off x="3046412" y="202176"/>
+            <a:ext cx="8987207" cy="2000251"/>
+          </a:xfrm>
+          <a:effectLst>
+            <a:outerShdw blurRad="50800" dist="38100" algn="l" rotWithShape="0">
+              <a:prstClr val="black">
+                <a:alpha val="40000"/>
+              </a:prstClr>
+            </a:outerShdw>
+          </a:effectLst>
+        </p:spPr>
+        <p:txBody>
+          <a:bodyPr>
+            <a:normAutofit fontScale="90000"/>
+          </a:bodyPr>
+          <a:lstStyle/>
+          <a:p>
+            <a:pPr algn="ctr"/>
+            <a:r>
+              <a:rPr lang="en-US" sz="6700" dirty="0" smtClean="0">
+                <a:solidFill>
+                  <a:srgbClr val="FFFF00"/>
+                </a:solidFill>
+              </a:rPr>
+              <a:t>                                       </a:t>
+            </a:r>
+            <a:r>
+              <a:rPr lang="en-US" sz="8000" i="1" dirty="0" smtClean="0">
+                <a:solidFill>
+                  <a:schemeClr val="tx1"/>
+                </a:solidFill>
+                <a:effectLst>
+                  <a:outerShdw blurRad="38100" dist="38100" dir="2700000" algn="tl">
+                    <a:srgbClr val="000000">
+                      <a:alpha val="43137"/>
+                    </a:srgbClr>
+                  </a:outerShdw>
+                </a:effectLst>
+                <a:latin typeface="Algerian" panose="04020705040A02060702" pitchFamily="82" charset="0"/>
+              </a:rPr>
+              <a:t>TEAM“MOON ORCHID”</a:t>
+            </a:r>
+            <a:r>
+              <a:rPr lang="en-US" dirty="0">
+                <a:solidFill>
+                  <a:schemeClr val="tx1"/>
+                </a:solidFill>
+              </a:rPr>
+              <a:t/>
+            </a:r>
+            <a:br>
+              <a:rPr lang="en-US" dirty="0">
+                <a:solidFill>
+                  <a:schemeClr val="tx1"/>
+                </a:solidFill>
+              </a:rPr>
+            </a:br>
+            <a:endParaRPr lang="bg-BG" dirty="0">
+              <a:solidFill>
+                <a:schemeClr val="tx1"/>
+              </a:solidFill>
+            </a:endParaRPr>
+          </a:p>
+        </p:txBody>
+      </p:sp>
+      <p:sp>
+        <p:nvSpPr>
+          <p:cNvPr id="5" name="Subtitle 4"/>
+          <p:cNvSpPr>
+            <a:spLocks noGrp="1"/>
+          </p:cNvSpPr>
+          <p:nvPr>
+            <p:ph type="subTitle" idx="1"/>
+          </p:nvPr>
+        </p:nvSpPr>
+        <p:spPr>
+          <a:xfrm>
+            <a:off x="3579812" y="2202427"/>
+            <a:ext cx="8168942" cy="3664973"/>
+          </a:xfrm>
+        </p:spPr>
+        <p:txBody>
+          <a:bodyPr>
+            <a:noAutofit/>
+          </a:bodyPr>
+          <a:lstStyle/>
+          <a:p>
+            <a:pPr algn="l"/>
+            <a:r>
+              <a:rPr lang="en-US" sz="4800" b="1" dirty="0" smtClean="0">
+                <a:solidFill>
+                  <a:srgbClr val="FF0000"/>
+                </a:solidFill>
+                <a:effectLst>
+                  <a:outerShdw blurRad="38100" dist="38100" dir="2700000" algn="tl">
+                    <a:srgbClr val="000000">
+                      <a:alpha val="43137"/>
+                    </a:srgbClr>
+                  </a:outerShdw>
+                </a:effectLst>
+                <a:latin typeface="Algerian" panose="04020705040A02060702" pitchFamily="82" charset="0"/>
+              </a:rPr>
+              <a:t>   </a:t>
+            </a:r>
+            <a:r>
+              <a:rPr lang="en-US" sz="4800" b="1" dirty="0" smtClean="0">
+                <a:solidFill>
+                  <a:schemeClr val="tx1"/>
+                </a:solidFill>
+                <a:effectLst>
+                  <a:outerShdw blurRad="38100" dist="38100" dir="2700000" algn="tl">
+                    <a:srgbClr val="000000">
+                      <a:alpha val="43137"/>
+                    </a:srgbClr>
+                  </a:outerShdw>
+                </a:effectLst>
+                <a:latin typeface="Algerian" panose="04020705040A02060702" pitchFamily="82" charset="0"/>
+              </a:rPr>
+              <a:t>Our first idea</a:t>
+            </a:r>
+          </a:p>
+          <a:p>
+            <a:pPr algn="l"/>
+            <a:endParaRPr lang="en-US" sz="4800" b="1" dirty="0" smtClean="0">
+              <a:solidFill>
+                <a:schemeClr val="tx1"/>
+              </a:solidFill>
+              <a:effectLst>
+                <a:outerShdw blurRad="38100" dist="38100" dir="2700000" algn="tl">
+                  <a:srgbClr val="000000">
+                    <a:alpha val="43137"/>
+                  </a:srgbClr>
+                </a:outerShdw>
+              </a:effectLst>
+              <a:latin typeface="Algerian" panose="04020705040A02060702" pitchFamily="82" charset="0"/>
+            </a:endParaRPr>
+          </a:p>
+          <a:p>
+            <a:pPr algn="l"/>
+            <a:r>
+              <a:rPr lang="en-US" sz="4800" b="1" dirty="0" smtClean="0">
+                <a:solidFill>
+                  <a:schemeClr val="tx1"/>
+                </a:solidFill>
+                <a:effectLst>
+                  <a:outerShdw blurRad="38100" dist="38100" dir="2700000" algn="tl">
+                    <a:srgbClr val="000000">
+                      <a:alpha val="43137"/>
+                    </a:srgbClr>
+                  </a:outerShdw>
+                </a:effectLst>
+                <a:latin typeface="Algerian" panose="04020705040A02060702" pitchFamily="82" charset="0"/>
+              </a:rPr>
+              <a:t>   “super NAkov”</a:t>
+            </a:r>
+            <a:endParaRPr lang="en-US" sz="4800" b="1" dirty="0">
+              <a:solidFill>
+                <a:schemeClr val="tx1"/>
+              </a:solidFill>
+              <a:effectLst>
+                <a:outerShdw blurRad="38100" dist="38100" dir="2700000" algn="tl">
+                  <a:srgbClr val="000000">
+                    <a:alpha val="43137"/>
+                  </a:srgbClr>
+                </a:outerShdw>
+              </a:effectLst>
+              <a:latin typeface="Algerian" panose="04020705040A02060702" pitchFamily="82" charset="0"/>
+            </a:endParaRPr>
+          </a:p>
+        </p:txBody>
+      </p:sp>
+      <p:sp>
+        <p:nvSpPr>
+          <p:cNvPr id="2" name="Slide Number Placeholder 1"/>
+          <p:cNvSpPr>
+            <a:spLocks noGrp="1"/>
+          </p:cNvSpPr>
+          <p:nvPr>
+            <p:ph type="sldNum" sz="quarter" idx="4294967295"/>
+          </p:nvPr>
+        </p:nvSpPr>
+        <p:spPr>
+          <a:xfrm>
+            <a:off x="11760200" y="6524625"/>
+            <a:ext cx="428625" cy="196850"/>
+          </a:xfrm>
+        </p:spPr>
+        <p:txBody>
+          <a:bodyPr/>
+          <a:lstStyle/>
+          <a:p>
+            <a:fld id="{C014DD1E-5D91-48A3-AD6D-45FBA980D106}" type="slidenum">
+              <a:rPr lang="en-US" smtClean="0">
+                <a:solidFill>
+                  <a:prstClr val="white">
+                    <a:tint val="75000"/>
+                  </a:prstClr>
+                </a:solidFill>
+              </a:rPr>
+              <a:pPr/>
+              <a:t>7</a:t>
+            </a:fld>
+            <a:endParaRPr lang="en-US" dirty="0">
+              <a:solidFill>
+                <a:prstClr val="white">
+                  <a:tint val="75000"/>
+                </a:prstClr>
+              </a:solidFill>
+            </a:endParaRPr>
+          </a:p>
+        </p:txBody>
+      </p:sp>
+      <p:pic>
+        <p:nvPicPr>
+          <p:cNvPr id="3" name="Picture 2"/>
+          <p:cNvPicPr>
+            <a:picLocks noChangeAspect="1"/>
+          </p:cNvPicPr>
+          <p:nvPr/>
+        </p:nvPicPr>
+        <p:blipFill>
+          <a:blip r:embed="rId2">
+            <a:extLst>
+              <a:ext uri="{28A0092B-C50C-407E-A947-70E740481C1C}">
+                <a14:useLocalDpi xmlns:a14="http://schemas.microsoft.com/office/drawing/2010/main" val="0"/>
+              </a:ext>
+            </a:extLst>
+          </a:blip>
+          <a:stretch>
+            <a:fillRect/>
+          </a:stretch>
+        </p:blipFill>
+        <p:spPr>
+          <a:xfrm>
+            <a:off x="808037" y="1752600"/>
+            <a:ext cx="1971675" cy="4305300"/>
+          </a:xfrm>
+          <a:prstGeom prst="rect">
+            <a:avLst/>
+          </a:prstGeom>
+        </p:spPr>
+      </p:pic>
+    </p:spTree>
+    <p:extLst>
+      <p:ext uri="{BB962C8B-B14F-4D97-AF65-F5344CB8AC3E}">
+        <p14:creationId xmlns:p14="http://schemas.microsoft.com/office/powerpoint/2010/main" val="3945181169"/>
+      </p:ext>
+    </p:extLst>
+  </p:cSld>
+  <p:clrMapOvr>
+    <a:masterClrMapping/>
+  </p:clrMapOvr>
+  <mc:AlternateContent xmlns:mc="http://schemas.openxmlformats.org/markup-compatibility/2006" xmlns:p14="http://schemas.microsoft.com/office/powerpoint/2010/main">
+    <mc:Choice Requires="p14">
+      <p:transition p14:dur="0"/>
+    </mc:Choice>
+    <mc:Fallback xmlns="">
+      <p:transition/>
+    </mc:Fallback>
+  </mc:AlternateContent>
+  <p:timing>
+    <p:tnLst>
+      <p:par>
+        <p:cTn xmlns:p14="http://schemas.microsoft.com/office/powerpoint/2010/main" id="1" dur="indefinite" restart="never" nodeType="tmRoot">
+          <p:childTnLst>
+            <p:seq concurrent="1" nextAc="seek">
+              <p:cTn id="2" dur="indefinite" nodeType="mainSeq">
+                <p:childTnLst>
+                  <p:par>
+                    <p:cTn id="3" fill="hold">
+                      <p:stCondLst>
+                        <p:cond delay="indefinite"/>
+                      </p:stCondLst>
+                      <p:childTnLst>
+                        <p:par>
+                          <p:cTn id="4" fill="hold">
+                            <p:stCondLst>
+                              <p:cond delay="0"/>
+                            </p:stCondLst>
+                            <p:childTnLst>
+                              <p:par>
+                                <p:cTn id="5" presetID="42" presetClass="entr" presetSubtype="0" fill="hold" grpId="0" nodeType="clickEffect">
+                                  <p:stCondLst>
+                                    <p:cond delay="0"/>
+                                  </p:stCondLst>
+                                  <p:childTnLst>
+                                    <p:set>
+                                      <p:cBhvr>
+                                        <p:cTn id="6" dur="1" fill="hold">
+                                          <p:stCondLst>
+                                            <p:cond delay="0"/>
+                                          </p:stCondLst>
+                                        </p:cTn>
+                                        <p:tgtEl>
+                                          <p:spTgt spid="5">
+                                            <p:txEl>
+                                              <p:pRg st="0" end="0"/>
+                                            </p:txEl>
+                                          </p:spTgt>
+                                        </p:tgtEl>
+                                        <p:attrNameLst>
+                                          <p:attrName>style.visibility</p:attrName>
+                                        </p:attrNameLst>
+                                      </p:cBhvr>
+                                      <p:to>
+                                        <p:strVal val="visible"/>
+                                      </p:to>
+                                    </p:set>
+                                    <p:animEffect transition="in" filter="fade">
+                                      <p:cBhvr>
+                                        <p:cTn id="7" dur="1000"/>
+                                        <p:tgtEl>
+                                          <p:spTgt spid="5">
+                                            <p:txEl>
+                                              <p:pRg st="0" end="0"/>
+                                            </p:txEl>
+                                          </p:spTgt>
+                                        </p:tgtEl>
+                                      </p:cBhvr>
+                                    </p:animEffect>
+                                    <p:anim calcmode="lin" valueType="num">
+                                      <p:cBhvr>
+                                        <p:cTn id="8" dur="1000" fill="hold"/>
+                                        <p:tgtEl>
+                                          <p:spTgt spid="5">
+                                            <p:txEl>
+                                              <p:pRg st="0" end="0"/>
+                                            </p:txEl>
+                                          </p:spTgt>
+                                        </p:tgtEl>
+                                        <p:attrNameLst>
+                                          <p:attrName>ppt_x</p:attrName>
+                                        </p:attrNameLst>
+                                      </p:cBhvr>
+                                      <p:tavLst>
+                                        <p:tav tm="0">
+                                          <p:val>
+                                            <p:strVal val="#ppt_x"/>
+                                          </p:val>
+                                        </p:tav>
+                                        <p:tav tm="100000">
+                                          <p:val>
+                                            <p:strVal val="#ppt_x"/>
+                                          </p:val>
+                                        </p:tav>
+                                      </p:tavLst>
+                                    </p:anim>
+                                    <p:anim calcmode="lin" valueType="num">
+                                      <p:cBhvr>
+                                        <p:cTn id="9" dur="1000" fill="hold"/>
+                                        <p:tgtEl>
+                                          <p:spTgt spid="5">
+                                            <p:txEl>
+                                              <p:pRg st="0" end="0"/>
+                                            </p:txEl>
+                                          </p:spTgt>
+                                        </p:tgtEl>
+                                        <p:attrNameLst>
+                                          <p:attrName>ppt_y</p:attrName>
+                                        </p:attrNameLst>
+                                      </p:cBhvr>
+                                      <p:tavLst>
+                                        <p:tav tm="0">
+                                          <p:val>
+                                            <p:strVal val="#ppt_y+.1"/>
+                                          </p:val>
+                                        </p:tav>
+                                        <p:tav tm="100000">
+                                          <p:val>
+                                            <p:strVal val="#ppt_y"/>
+                                          </p:val>
+                                        </p:tav>
+                                      </p:tavLst>
+                                    </p:anim>
+                                  </p:childTnLst>
+                                </p:cTn>
+                              </p:par>
+                            </p:childTnLst>
+                          </p:cTn>
+                        </p:par>
+                      </p:childTnLst>
+                    </p:cTn>
+                  </p:par>
+                  <p:par>
+                    <p:cTn id="10" fill="hold">
+                      <p:stCondLst>
+                        <p:cond delay="indefinite"/>
+                      </p:stCondLst>
+                      <p:childTnLst>
+                        <p:par>
+                          <p:cTn id="11" fill="hold">
+                            <p:stCondLst>
+                              <p:cond delay="0"/>
+                            </p:stCondLst>
+                            <p:childTnLst>
+                              <p:par>
+                                <p:cTn id="12" presetID="42" presetClass="entr" presetSubtype="0" fill="hold" grpId="0" nodeType="clickEffect">
+                                  <p:stCondLst>
+                                    <p:cond delay="0"/>
+                                  </p:stCondLst>
+                                  <p:childTnLst>
+                                    <p:set>
+                                      <p:cBhvr>
+                                        <p:cTn id="13" dur="1" fill="hold">
+                                          <p:stCondLst>
+                                            <p:cond delay="0"/>
+                                          </p:stCondLst>
+                                        </p:cTn>
+                                        <p:tgtEl>
+                                          <p:spTgt spid="5">
+                                            <p:txEl>
+                                              <p:pRg st="2" end="2"/>
+                                            </p:txEl>
+                                          </p:spTgt>
+                                        </p:tgtEl>
+                                        <p:attrNameLst>
+                                          <p:attrName>style.visibility</p:attrName>
+                                        </p:attrNameLst>
+                                      </p:cBhvr>
+                                      <p:to>
+                                        <p:strVal val="visible"/>
+                                      </p:to>
+                                    </p:set>
+                                    <p:animEffect transition="in" filter="fade">
+                                      <p:cBhvr>
+                                        <p:cTn id="14" dur="1000"/>
+                                        <p:tgtEl>
+                                          <p:spTgt spid="5">
+                                            <p:txEl>
+                                              <p:pRg st="2" end="2"/>
+                                            </p:txEl>
+                                          </p:spTgt>
+                                        </p:tgtEl>
+                                      </p:cBhvr>
+                                    </p:animEffect>
+                                    <p:anim calcmode="lin" valueType="num">
+                                      <p:cBhvr>
+                                        <p:cTn id="15" dur="1000" fill="hold"/>
+                                        <p:tgtEl>
+                                          <p:spTgt spid="5">
+                                            <p:txEl>
+                                              <p:pRg st="2" end="2"/>
+                                            </p:txEl>
+                                          </p:spTgt>
+                                        </p:tgtEl>
+                                        <p:attrNameLst>
+                                          <p:attrName>ppt_x</p:attrName>
+                                        </p:attrNameLst>
+                                      </p:cBhvr>
+                                      <p:tavLst>
+                                        <p:tav tm="0">
+                                          <p:val>
+                                            <p:strVal val="#ppt_x"/>
+                                          </p:val>
+                                        </p:tav>
+                                        <p:tav tm="100000">
+                                          <p:val>
+                                            <p:strVal val="#ppt_x"/>
+                                          </p:val>
+                                        </p:tav>
+                                      </p:tavLst>
+                                    </p:anim>
+                                    <p:anim calcmode="lin" valueType="num">
+                                      <p:cBhvr>
+                                        <p:cTn id="16" dur="1000" fill="hold"/>
+                                        <p:tgtEl>
+                                          <p:spTgt spid="5">
+                                            <p:txEl>
+                                              <p:pRg st="2" end="2"/>
+                                            </p:txEl>
+                                          </p:spTgt>
+                                        </p:tgtEl>
+                                        <p:attrNameLst>
+                                          <p:attrName>ppt_y</p:attrName>
+                                        </p:attrNameLst>
+                                      </p:cBhvr>
+                                      <p:tavLst>
+                                        <p:tav tm="0">
+                                          <p:val>
+                                            <p:strVal val="#ppt_y+.1"/>
+                                          </p:val>
+                                        </p:tav>
+                                        <p:tav tm="100000">
+                                          <p:val>
+                                            <p:strVal val="#ppt_y"/>
+                                          </p:val>
+                                        </p:tav>
+                                      </p:tavLst>
+                                    </p:anim>
+                                  </p:childTnLst>
+                                </p:cTn>
+                              </p:par>
+                            </p:childTnLst>
+                          </p:cTn>
+                        </p:par>
+                      </p:childTnLst>
+                    </p:cTn>
+                  </p:par>
+                  <p:par>
+                    <p:cTn id="17" fill="hold">
+                      <p:stCondLst>
+                        <p:cond delay="indefinite"/>
+                      </p:stCondLst>
+                      <p:childTnLst>
+                        <p:par>
+                          <p:cTn id="18" fill="hold">
+                            <p:stCondLst>
+                              <p:cond delay="0"/>
+                            </p:stCondLst>
+                            <p:childTnLst>
+                              <p:par>
+                                <p:cTn id="19" presetID="42" presetClass="entr" presetSubtype="0" fill="hold" nodeType="clickEffect">
+                                  <p:stCondLst>
+                                    <p:cond delay="0"/>
+                                  </p:stCondLst>
+                                  <p:childTnLst>
+                                    <p:set>
+                                      <p:cBhvr>
+                                        <p:cTn id="20" dur="1" fill="hold">
+                                          <p:stCondLst>
+                                            <p:cond delay="0"/>
+                                          </p:stCondLst>
+                                        </p:cTn>
+                                        <p:tgtEl>
+                                          <p:spTgt spid="3"/>
+                                        </p:tgtEl>
+                                        <p:attrNameLst>
+                                          <p:attrName>style.visibility</p:attrName>
+                                        </p:attrNameLst>
+                                      </p:cBhvr>
+                                      <p:to>
+                                        <p:strVal val="visible"/>
+                                      </p:to>
+                                    </p:set>
+                                    <p:animEffect transition="in" filter="fade">
+                                      <p:cBhvr>
+                                        <p:cTn id="21" dur="1000"/>
+                                        <p:tgtEl>
+                                          <p:spTgt spid="3"/>
+                                        </p:tgtEl>
+                                      </p:cBhvr>
+                                    </p:animEffect>
+                                    <p:anim calcmode="lin" valueType="num">
+                                      <p:cBhvr>
+                                        <p:cTn id="22" dur="1000" fill="hold"/>
+                                        <p:tgtEl>
+                                          <p:spTgt spid="3"/>
+                                        </p:tgtEl>
+                                        <p:attrNameLst>
+                                          <p:attrName>ppt_x</p:attrName>
+                                        </p:attrNameLst>
+                                      </p:cBhvr>
+                                      <p:tavLst>
+                                        <p:tav tm="0">
+                                          <p:val>
+                                            <p:strVal val="#ppt_x"/>
+                                          </p:val>
+                                        </p:tav>
+                                        <p:tav tm="100000">
+                                          <p:val>
+                                            <p:strVal val="#ppt_x"/>
+                                          </p:val>
+                                        </p:tav>
+                                      </p:tavLst>
+                                    </p:anim>
+                                    <p:anim calcmode="lin" valueType="num">
+                                      <p:cBhvr>
+                                        <p:cTn id="23" dur="1000" fill="hold"/>
+                                        <p:tgtEl>
+                                          <p:spTgt spid="3"/>
+                                        </p:tgtEl>
+                                        <p:attrNameLst>
+                                          <p:attrName>ppt_y</p:attrName>
+                                        </p:attrNameLst>
+                                      </p:cBhvr>
+                                      <p:tavLst>
+                                        <p:tav tm="0">
+                                          <p:val>
+                                            <p:strVal val="#ppt_y+.1"/>
+                                          </p:val>
+                                        </p:tav>
+                                        <p:tav tm="100000">
+                                          <p:val>
+                                            <p:strVal val="#ppt_y"/>
+                                          </p:val>
+                                        </p:tav>
+                                      </p:tavLst>
+                                    </p:anim>
+                                  </p:childTnLst>
+                                </p:cTn>
+                              </p:par>
+                            </p:childTnLst>
+                          </p:cTn>
+                        </p:par>
+                      </p:childTnLst>
+                    </p:cTn>
+                  </p:par>
+                </p:childTnLst>
+              </p:cTn>
+              <p:prevCondLst>
+                <p:cond evt="onPrev" delay="0">
+                  <p:tgtEl>
+                    <p:sldTgt/>
+                  </p:tgtEl>
+                </p:cond>
+              </p:prevCondLst>
+              <p:nextCondLst>
+                <p:cond evt="onNext" delay="0">
+                  <p:tgtEl>
+                    <p:sldTgt/>
+                  </p:tgtEl>
+                </p:cond>
+              </p:nextCondLst>
+            </p:seq>
+          </p:childTnLst>
+        </p:cTn>
+      </p:par>
+    </p:tnLst>
+    <p:bldLst>
+      <p:bldP spid="5" grpId="0" build="p"/>
+    </p:bldLst>
+  </p:timing>
+</p:sld>
+</file>
+
+<file path=ppt/slides/slide8.xml><?xml version="1.0" encoding="utf-8"?>
+<p:sld xmlns:a="http://schemas.openxmlformats.org/drawingml/2006/main" xmlns:r="http://schemas.openxmlformats.org/officeDocument/2006/relationships" xmlns:p="http://schemas.openxmlformats.org/presentationml/2006/main">
+  <p:cSld>
+    <p:spTree>
+      <p:nvGrpSpPr>
+        <p:cNvPr id="1" name=""/>
+        <p:cNvGrpSpPr/>
+        <p:nvPr/>
+      </p:nvGrpSpPr>
+      <p:grpSpPr>
+        <a:xfrm>
+          <a:off x="0" y="0"/>
+          <a:ext cx="0" cy="0"/>
+          <a:chOff x="0" y="0"/>
+          <a:chExt cx="0" cy="0"/>
+        </a:xfrm>
+      </p:grpSpPr>
+      <p:sp>
+        <p:nvSpPr>
+          <p:cNvPr id="4" name="Title 3"/>
+          <p:cNvSpPr>
+            <a:spLocks noGrp="1"/>
+          </p:cNvSpPr>
+          <p:nvPr>
+            <p:ph type="ctrTitle"/>
+          </p:nvPr>
+        </p:nvSpPr>
+        <p:spPr>
+          <a:xfrm>
+            <a:off x="3046412" y="202176"/>
+            <a:ext cx="8987207" cy="2000251"/>
+          </a:xfrm>
+          <a:effectLst>
+            <a:outerShdw blurRad="50800" dist="38100" algn="l" rotWithShape="0">
+              <a:prstClr val="black">
+                <a:alpha val="40000"/>
+              </a:prstClr>
+            </a:outerShdw>
+          </a:effectLst>
+        </p:spPr>
+        <p:txBody>
+          <a:bodyPr>
+            <a:normAutofit fontScale="90000"/>
+          </a:bodyPr>
+          <a:lstStyle/>
+          <a:p>
+            <a:pPr algn="ctr"/>
+            <a:r>
+              <a:rPr lang="en-US" sz="6700" dirty="0" smtClean="0">
+                <a:solidFill>
+                  <a:srgbClr val="FFFF00"/>
+                </a:solidFill>
+              </a:rPr>
+              <a:t>                                       </a:t>
+            </a:r>
+            <a:r>
+              <a:rPr lang="en-US" sz="8000" i="1" dirty="0" smtClean="0">
+                <a:solidFill>
+                  <a:schemeClr val="tx1"/>
+                </a:solidFill>
+                <a:effectLst>
+                  <a:outerShdw blurRad="38100" dist="38100" dir="2700000" algn="tl">
+                    <a:srgbClr val="000000">
+                      <a:alpha val="43137"/>
+                    </a:srgbClr>
+                  </a:outerShdw>
+                </a:effectLst>
+                <a:latin typeface="Algerian" panose="04020705040A02060702" pitchFamily="82" charset="0"/>
+              </a:rPr>
+              <a:t>TEAM“MOON ORCHID”</a:t>
+            </a:r>
+            <a:r>
+              <a:rPr lang="en-US" dirty="0">
+                <a:solidFill>
+                  <a:schemeClr val="tx1"/>
+                </a:solidFill>
+              </a:rPr>
+              <a:t/>
+            </a:r>
+            <a:br>
+              <a:rPr lang="en-US" dirty="0">
+                <a:solidFill>
+                  <a:schemeClr val="tx1"/>
+                </a:solidFill>
+              </a:rPr>
+            </a:br>
+            <a:endParaRPr lang="bg-BG" dirty="0">
+              <a:solidFill>
+                <a:schemeClr val="tx1"/>
+              </a:solidFill>
+            </a:endParaRPr>
+          </a:p>
+        </p:txBody>
+      </p:sp>
+      <p:sp>
+        <p:nvSpPr>
+          <p:cNvPr id="5" name="Subtitle 4"/>
+          <p:cNvSpPr>
+            <a:spLocks noGrp="1"/>
+          </p:cNvSpPr>
+          <p:nvPr>
+            <p:ph type="subTitle" idx="1"/>
+          </p:nvPr>
+        </p:nvSpPr>
+        <p:spPr>
+          <a:xfrm>
+            <a:off x="1293812" y="2362201"/>
+            <a:ext cx="9982200" cy="2590800"/>
+          </a:xfrm>
+        </p:spPr>
+        <p:txBody>
+          <a:bodyPr>
+            <a:noAutofit/>
+          </a:bodyPr>
+          <a:lstStyle/>
+          <a:p>
+            <a:pPr algn="l"/>
+            <a:r>
+              <a:rPr lang="en-US" sz="4800" b="1" dirty="0" smtClean="0">
+                <a:solidFill>
+                  <a:srgbClr val="FF0000"/>
+                </a:solidFill>
+                <a:effectLst>
+                  <a:outerShdw blurRad="38100" dist="38100" dir="2700000" algn="tl">
+                    <a:srgbClr val="000000">
+                      <a:alpha val="43137"/>
+                    </a:srgbClr>
+                  </a:outerShdw>
+                </a:effectLst>
+                <a:latin typeface="Algerian" panose="04020705040A02060702" pitchFamily="82" charset="0"/>
+              </a:rPr>
+              <a:t>   </a:t>
+            </a:r>
+            <a:r>
+              <a:rPr lang="en-US" sz="4800" b="1" dirty="0" smtClean="0">
+                <a:solidFill>
+                  <a:schemeClr val="tx1"/>
+                </a:solidFill>
+                <a:effectLst>
+                  <a:outerShdw blurRad="38100" dist="38100" dir="2700000" algn="tl">
+                    <a:srgbClr val="000000">
+                      <a:alpha val="43137"/>
+                    </a:srgbClr>
+                  </a:outerShdw>
+                </a:effectLst>
+                <a:latin typeface="Algerian" panose="04020705040A02060702" pitchFamily="82" charset="0"/>
+              </a:rPr>
+              <a:t>Our second and main idea </a:t>
+            </a:r>
+          </a:p>
+          <a:p>
+            <a:pPr algn="l"/>
+            <a:endParaRPr lang="en-US" sz="4800" b="1" dirty="0" smtClean="0">
+              <a:solidFill>
+                <a:schemeClr val="tx1"/>
+              </a:solidFill>
+              <a:effectLst>
+                <a:outerShdw blurRad="38100" dist="38100" dir="2700000" algn="tl">
+                  <a:srgbClr val="000000">
+                    <a:alpha val="43137"/>
+                  </a:srgbClr>
+                </a:outerShdw>
+              </a:effectLst>
+              <a:latin typeface="Algerian" panose="04020705040A02060702" pitchFamily="82" charset="0"/>
+            </a:endParaRPr>
+          </a:p>
+          <a:p>
+            <a:pPr algn="l"/>
+            <a:r>
+              <a:rPr lang="en-US" sz="4800" b="1" dirty="0" smtClean="0">
+                <a:solidFill>
+                  <a:schemeClr val="tx1"/>
+                </a:solidFill>
+                <a:effectLst>
+                  <a:outerShdw blurRad="38100" dist="38100" dir="2700000" algn="tl">
+                    <a:srgbClr val="000000">
+                      <a:alpha val="43137"/>
+                    </a:srgbClr>
+                  </a:outerShdw>
+                </a:effectLst>
+                <a:latin typeface="Algerian" panose="04020705040A02060702" pitchFamily="82" charset="0"/>
+              </a:rPr>
+              <a:t>   game “sheep collector”</a:t>
+            </a:r>
+            <a:endParaRPr lang="en-US" sz="4800" b="1" dirty="0">
+              <a:solidFill>
+                <a:schemeClr val="tx1"/>
+              </a:solidFill>
+              <a:effectLst>
+                <a:outerShdw blurRad="38100" dist="38100" dir="2700000" algn="tl">
+                  <a:srgbClr val="000000">
+                    <a:alpha val="43137"/>
+                  </a:srgbClr>
+                </a:outerShdw>
+              </a:effectLst>
+              <a:latin typeface="Algerian" panose="04020705040A02060702" pitchFamily="82" charset="0"/>
+            </a:endParaRPr>
+          </a:p>
+        </p:txBody>
+      </p:sp>
+      <p:sp>
+        <p:nvSpPr>
+          <p:cNvPr id="2" name="Slide Number Placeholder 1"/>
+          <p:cNvSpPr>
+            <a:spLocks noGrp="1"/>
+          </p:cNvSpPr>
+          <p:nvPr>
+            <p:ph type="sldNum" sz="quarter" idx="4294967295"/>
+          </p:nvPr>
+        </p:nvSpPr>
+        <p:spPr>
+          <a:xfrm>
+            <a:off x="11760200" y="6524625"/>
+            <a:ext cx="428625" cy="196850"/>
+          </a:xfrm>
+        </p:spPr>
+        <p:txBody>
+          <a:bodyPr/>
+          <a:lstStyle/>
+          <a:p>
+            <a:fld id="{C014DD1E-5D91-48A3-AD6D-45FBA980D106}" type="slidenum">
+              <a:rPr lang="en-US" smtClean="0">
+                <a:solidFill>
+                  <a:prstClr val="white">
+                    <a:tint val="75000"/>
+                  </a:prstClr>
+                </a:solidFill>
+              </a:rPr>
+              <a:pPr/>
+              <a:t>8</a:t>
+            </a:fld>
+            <a:endParaRPr lang="en-US" dirty="0">
+              <a:solidFill>
+                <a:prstClr val="white">
+                  <a:tint val="75000"/>
+                </a:prstClr>
+              </a:solidFill>
+            </a:endParaRPr>
+          </a:p>
+        </p:txBody>
+      </p:sp>
+    </p:spTree>
+    <p:extLst>
+      <p:ext uri="{BB962C8B-B14F-4D97-AF65-F5344CB8AC3E}">
+        <p14:creationId xmlns:p14="http://schemas.microsoft.com/office/powerpoint/2010/main" val="551771995"/>
+      </p:ext>
+    </p:extLst>
+  </p:cSld>
+  <p:clrMapOvr>
+    <a:masterClrMapping/>
+  </p:clrMapOvr>
+  <mc:AlternateContent xmlns:mc="http://schemas.openxmlformats.org/markup-compatibility/2006" xmlns:p14="http://schemas.microsoft.com/office/powerpoint/2010/main">
+    <mc:Choice Requires="p14">
+      <p:transition p14:dur="0"/>
+    </mc:Choice>
+    <mc:Fallback xmlns="">
+      <p:transition/>
+    </mc:Fallback>
+  </mc:AlternateContent>
+  <p:timing>
+    <p:tnLst>
+      <p:par>
+        <p:cTn xmlns:p14="http://schemas.microsoft.com/office/powerpoint/2010/main" id="1" dur="indefinite" restart="never" nodeType="tmRoot">
+          <p:childTnLst>
+            <p:seq concurrent="1" nextAc="seek">
+              <p:cTn id="2" dur="indefinite" nodeType="mainSeq">
+                <p:childTnLst>
+                  <p:par>
+                    <p:cTn id="3" fill="hold">
+                      <p:stCondLst>
+                        <p:cond delay="indefinite"/>
+                      </p:stCondLst>
+                      <p:childTnLst>
+                        <p:par>
+                          <p:cTn id="4" fill="hold">
+                            <p:stCondLst>
+                              <p:cond delay="0"/>
+                            </p:stCondLst>
+                            <p:childTnLst>
+                              <p:par>
+                                <p:cTn id="5" presetID="42" presetClass="entr" presetSubtype="0" fill="hold" grpId="0" nodeType="clickEffect">
+                                  <p:stCondLst>
+                                    <p:cond delay="0"/>
+                                  </p:stCondLst>
+                                  <p:childTnLst>
+                                    <p:set>
+                                      <p:cBhvr>
+                                        <p:cTn id="6" dur="1" fill="hold">
+                                          <p:stCondLst>
+                                            <p:cond delay="0"/>
+                                          </p:stCondLst>
+                                        </p:cTn>
+                                        <p:tgtEl>
+                                          <p:spTgt spid="5">
+                                            <p:txEl>
+                                              <p:pRg st="0" end="0"/>
+                                            </p:txEl>
+                                          </p:spTgt>
+                                        </p:tgtEl>
+                                        <p:attrNameLst>
+                                          <p:attrName>style.visibility</p:attrName>
+                                        </p:attrNameLst>
+                                      </p:cBhvr>
+                                      <p:to>
+                                        <p:strVal val="visible"/>
+                                      </p:to>
+                                    </p:set>
+                                    <p:animEffect transition="in" filter="fade">
+                                      <p:cBhvr>
+                                        <p:cTn id="7" dur="1000"/>
+                                        <p:tgtEl>
+                                          <p:spTgt spid="5">
+                                            <p:txEl>
+                                              <p:pRg st="0" end="0"/>
+                                            </p:txEl>
+                                          </p:spTgt>
+                                        </p:tgtEl>
+                                      </p:cBhvr>
+                                    </p:animEffect>
+                                    <p:anim calcmode="lin" valueType="num">
+                                      <p:cBhvr>
+                                        <p:cTn id="8" dur="1000" fill="hold"/>
+                                        <p:tgtEl>
+                                          <p:spTgt spid="5">
+                                            <p:txEl>
+                                              <p:pRg st="0" end="0"/>
+                                            </p:txEl>
+                                          </p:spTgt>
+                                        </p:tgtEl>
+                                        <p:attrNameLst>
+                                          <p:attrName>ppt_x</p:attrName>
+                                        </p:attrNameLst>
+                                      </p:cBhvr>
+                                      <p:tavLst>
+                                        <p:tav tm="0">
+                                          <p:val>
+                                            <p:strVal val="#ppt_x"/>
+                                          </p:val>
+                                        </p:tav>
+                                        <p:tav tm="100000">
+                                          <p:val>
+                                            <p:strVal val="#ppt_x"/>
+                                          </p:val>
+                                        </p:tav>
+                                      </p:tavLst>
+                                    </p:anim>
+                                    <p:anim calcmode="lin" valueType="num">
+                                      <p:cBhvr>
+                                        <p:cTn id="9" dur="1000" fill="hold"/>
+                                        <p:tgtEl>
+                                          <p:spTgt spid="5">
+                                            <p:txEl>
+                                              <p:pRg st="0" end="0"/>
+                                            </p:txEl>
+                                          </p:spTgt>
+                                        </p:tgtEl>
+                                        <p:attrNameLst>
+                                          <p:attrName>ppt_y</p:attrName>
+                                        </p:attrNameLst>
+                                      </p:cBhvr>
+                                      <p:tavLst>
+                                        <p:tav tm="0">
+                                          <p:val>
+                                            <p:strVal val="#ppt_y+.1"/>
+                                          </p:val>
+                                        </p:tav>
+                                        <p:tav tm="100000">
+                                          <p:val>
+                                            <p:strVal val="#ppt_y"/>
+                                          </p:val>
+                                        </p:tav>
+                                      </p:tavLst>
+                                    </p:anim>
+                                  </p:childTnLst>
+                                </p:cTn>
+                              </p:par>
+                            </p:childTnLst>
+                          </p:cTn>
+                        </p:par>
+                      </p:childTnLst>
+                    </p:cTn>
+                  </p:par>
+                  <p:par>
+                    <p:cTn id="10" fill="hold">
+                      <p:stCondLst>
+                        <p:cond delay="indefinite"/>
+                      </p:stCondLst>
+                      <p:childTnLst>
+                        <p:par>
+                          <p:cTn id="11" fill="hold">
+                            <p:stCondLst>
+                              <p:cond delay="0"/>
+                            </p:stCondLst>
+                            <p:childTnLst>
+                              <p:par>
+                                <p:cTn id="12" presetID="42" presetClass="entr" presetSubtype="0" fill="hold" grpId="0" nodeType="clickEffect">
+                                  <p:stCondLst>
+                                    <p:cond delay="0"/>
+                                  </p:stCondLst>
+                                  <p:childTnLst>
+                                    <p:set>
+                                      <p:cBhvr>
+                                        <p:cTn id="13" dur="1" fill="hold">
+                                          <p:stCondLst>
+                                            <p:cond delay="0"/>
+                                          </p:stCondLst>
+                                        </p:cTn>
+                                        <p:tgtEl>
+                                          <p:spTgt spid="5">
+                                            <p:txEl>
+                                              <p:pRg st="2" end="2"/>
+                                            </p:txEl>
+                                          </p:spTgt>
+                                        </p:tgtEl>
+                                        <p:attrNameLst>
+                                          <p:attrName>style.visibility</p:attrName>
+                                        </p:attrNameLst>
+                                      </p:cBhvr>
+                                      <p:to>
+                                        <p:strVal val="visible"/>
+                                      </p:to>
+                                    </p:set>
+                                    <p:animEffect transition="in" filter="fade">
+                                      <p:cBhvr>
+                                        <p:cTn id="14" dur="1000"/>
+                                        <p:tgtEl>
+                                          <p:spTgt spid="5">
+                                            <p:txEl>
+                                              <p:pRg st="2" end="2"/>
+                                            </p:txEl>
+                                          </p:spTgt>
+                                        </p:tgtEl>
+                                      </p:cBhvr>
+                                    </p:animEffect>
+                                    <p:anim calcmode="lin" valueType="num">
+                                      <p:cBhvr>
+                                        <p:cTn id="15" dur="1000" fill="hold"/>
+                                        <p:tgtEl>
+                                          <p:spTgt spid="5">
+                                            <p:txEl>
+                                              <p:pRg st="2" end="2"/>
+                                            </p:txEl>
+                                          </p:spTgt>
+                                        </p:tgtEl>
+                                        <p:attrNameLst>
+                                          <p:attrName>ppt_x</p:attrName>
+                                        </p:attrNameLst>
+                                      </p:cBhvr>
+                                      <p:tavLst>
+                                        <p:tav tm="0">
+                                          <p:val>
+                                            <p:strVal val="#ppt_x"/>
+                                          </p:val>
+                                        </p:tav>
+                                        <p:tav tm="100000">
+                                          <p:val>
+                                            <p:strVal val="#ppt_x"/>
+                                          </p:val>
+                                        </p:tav>
+                                      </p:tavLst>
+                                    </p:anim>
+                                    <p:anim calcmode="lin" valueType="num">
+                                      <p:cBhvr>
+                                        <p:cTn id="16" dur="1000" fill="hold"/>
+                                        <p:tgtEl>
+                                          <p:spTgt spid="5">
+                                            <p:txEl>
+                                              <p:pRg st="2" end="2"/>
+                                            </p:txEl>
+                                          </p:spTgt>
+                                        </p:tgtEl>
+                                        <p:attrNameLst>
+                                          <p:attrName>ppt_y</p:attrName>
+                                        </p:attrNameLst>
+                                      </p:cBhvr>
+                                      <p:tavLst>
+                                        <p:tav tm="0">
+                                          <p:val>
+                                            <p:strVal val="#ppt_y+.1"/>
+                                          </p:val>
+                                        </p:tav>
+                                        <p:tav tm="100000">
+                                          <p:val>
+                                            <p:strVal val="#ppt_y"/>
+                                          </p:val>
+                                        </p:tav>
+                                      </p:tavLst>
+                                    </p:anim>
+                                  </p:childTnLst>
+                                </p:cTn>
+                              </p:par>
+                            </p:childTnLst>
+                          </p:cTn>
+                        </p:par>
+                      </p:childTnLst>
+                    </p:cTn>
+                  </p:par>
+                </p:childTnLst>
+              </p:cTn>
+              <p:prevCondLst>
+                <p:cond evt="onPrev" delay="0">
+                  <p:tgtEl>
+                    <p:sldTgt/>
+                  </p:tgtEl>
+                </p:cond>
+              </p:prevCondLst>
+              <p:nextCondLst>
+                <p:cond evt="onNext" delay="0">
+                  <p:tgtEl>
+                    <p:sldTgt/>
+                  </p:tgtEl>
+                </p:cond>
+              </p:nextCondLst>
+            </p:seq>
+          </p:childTnLst>
+        </p:cTn>
+      </p:par>
+    </p:tnLst>
+    <p:bldLst>
+      <p:bldP spid="5" grpId="0" uiExpand="1" build="p"/>
+    </p:bldLst>
+  </p:timing>
+</p:sld>
+</file>
+
+<file path=ppt/slides/slide9.xml><?xml version="1.0" encoding="utf-8"?>
+<p:sld xmlns:a="http://schemas.openxmlformats.org/drawingml/2006/main" xmlns:r="http://schemas.openxmlformats.org/officeDocument/2006/relationships" xmlns:p="http://schemas.openxmlformats.org/presentationml/2006/main">
+  <p:cSld>
+    <p:spTree>
+      <p:nvGrpSpPr>
+        <p:cNvPr id="1" name=""/>
+        <p:cNvGrpSpPr/>
+        <p:nvPr/>
+      </p:nvGrpSpPr>
+      <p:grpSpPr>
+        <a:xfrm>
+          <a:off x="0" y="0"/>
+          <a:ext cx="0" cy="0"/>
+          <a:chOff x="0" y="0"/>
+          <a:chExt cx="0" cy="0"/>
+        </a:xfrm>
+      </p:grpSpPr>
+      <p:sp>
+        <p:nvSpPr>
           <p:cNvPr id="2" name="Slide Number Placeholder 1"/>
           <p:cNvSpPr>
             <a:spLocks noGrp="1"/>
@@ -3875,7 +7910,7 @@
                 </a:solidFill>
               </a:rPr>
               <a:pPr/>
-              <a:t>3</a:t>
+              <a:t>9</a:t>
             </a:fld>
             <a:endParaRPr lang="en-US" dirty="0">
               <a:solidFill>
@@ -3899,8 +7934,8 @@
         </p:nvSpPr>
         <p:spPr>
           <a:xfrm>
-            <a:off x="1141412" y="1143000"/>
-            <a:ext cx="9447213" cy="4267200"/>
+            <a:off x="760412" y="838200"/>
+            <a:ext cx="9828213" cy="4572000"/>
           </a:xfrm>
         </p:spPr>
         <p:txBody>
@@ -3920,9 +7955,6 @@
             </a:pPr>
             <a:r>
               <a:rPr lang="en-US" sz="9600" b="1" dirty="0">
-                <a:solidFill>
-                  <a:srgbClr val="FF0000"/>
-                </a:solidFill>
                 <a:effectLst>
                   <a:outerShdw blurRad="38100" dist="38100" dir="2700000" algn="tl">
                     <a:srgbClr val="000000">
@@ -3938,9 +7970,6 @@
             </a:r>
             <a:r>
               <a:rPr lang="en-US" sz="9600" b="1" dirty="0" smtClean="0">
-                <a:solidFill>
-                  <a:srgbClr val="FF0000"/>
-                </a:solidFill>
                 <a:effectLst>
                   <a:outerShdw blurRad="38100" dist="38100" dir="2700000" algn="tl">
                     <a:srgbClr val="000000">
@@ -3954,6 +7983,58 @@
               </a:rPr>
               <a:t>DEMO</a:t>
             </a:r>
+          </a:p>
+          <a:p>
+            <a:pPr marL="0" indent="0" algn="ctr">
+              <a:buNone/>
+            </a:pPr>
+            <a:r>
+              <a:rPr lang="en-US" b="1" dirty="0">
+                <a:effectLst>
+                  <a:outerShdw blurRad="38100" dist="38100" dir="2700000" algn="tl">
+                    <a:srgbClr val="000000">
+                      <a:alpha val="43137"/>
+                    </a:srgbClr>
+                  </a:outerShdw>
+                </a:effectLst>
+                <a:latin typeface="Algerian" panose="04020705040A02060702" pitchFamily="82" charset="0"/>
+                <a:ea typeface="+mj-ea"/>
+                <a:cs typeface="+mj-cs"/>
+              </a:rPr>
+              <a:t>https://</a:t>
+            </a:r>
+            <a:r>
+              <a:rPr lang="en-US" b="1" dirty="0" smtClean="0">
+                <a:effectLst>
+                  <a:outerShdw blurRad="38100" dist="38100" dir="2700000" algn="tl">
+                    <a:srgbClr val="000000">
+                      <a:alpha val="43137"/>
+                    </a:srgbClr>
+                  </a:outerShdw>
+                </a:effectLst>
+                <a:latin typeface="Algerian" panose="04020705040A02060702" pitchFamily="82" charset="0"/>
+                <a:ea typeface="+mj-ea"/>
+                <a:cs typeface="+mj-cs"/>
+              </a:rPr>
+              <a:t>github.com/MoonOrchid/MoonOrchid-Project</a:t>
+            </a:r>
+          </a:p>
+          <a:p>
+            <a:pPr marL="0" indent="0" algn="ctr">
+              <a:buNone/>
+            </a:pPr>
+            <a:endParaRPr lang="en-US" b="1" dirty="0" smtClean="0">
+              <a:effectLst>
+                <a:outerShdw blurRad="38100" dist="38100" dir="2700000" algn="tl">
+                  <a:srgbClr val="000000">
+                    <a:alpha val="43137"/>
+                  </a:srgbClr>
+                </a:outerShdw>
+              </a:effectLst>
+              <a:latin typeface="Algerian" panose="04020705040A02060702" pitchFamily="82" charset="0"/>
+              <a:ea typeface="+mj-ea"/>
+              <a:cs typeface="+mj-cs"/>
+            </a:endParaRPr>
           </a:p>
           <a:p>
             <a:pPr marL="0" indent="0" algn="ctr">
@@ -4002,7 +8083,7 @@
   <p:timing>
     <p:tnLst>
       <p:par>
-        <p:cTn id="1" dur="indefinite" restart="never" nodeType="tmRoot"/>
+        <p:cTn xmlns:p14="http://schemas.microsoft.com/office/powerpoint/2010/main" id="1" dur="indefinite" restart="never" nodeType="tmRoot"/>
       </p:par>
     </p:tnLst>
   </p:timing>
